--- a/picar/PICAR(최종수정용).pptx
+++ b/picar/PICAR(최종수정용).pptx
@@ -2,7 +2,7 @@
 <file path=ppt/presentation.xml><?xml version="1.0" encoding="utf-8"?>
 <p:presentation xmlns:a="http://schemas.openxmlformats.org/drawingml/2006/main" xmlns:r="http://schemas.openxmlformats.org/officeDocument/2006/relationships" xmlns:p="http://schemas.openxmlformats.org/presentationml/2006/main" xmlns:p14="http://schemas.microsoft.com/office/powerpoint/2010/main" saveSubsetFonts="1">
   <p:sldMasterIdLst>
-    <p:sldMasterId id="2147483805" r:id="rId10"/>
+    <p:sldMasterId id="2147483810" r:id="rId10"/>
   </p:sldMasterIdLst>
   <p:sldIdLst>
     <p:sldId id="256" r:id="rId12"/>
@@ -12,31 +12,32 @@
     <p:sldId id="266" r:id="rId16"/>
     <p:sldId id="258" r:id="rId17"/>
     <p:sldId id="259" r:id="rId18"/>
-    <p:sldId id="290" r:id="rId19"/>
-    <p:sldId id="269" r:id="rId20"/>
-    <p:sldId id="286" r:id="rId21"/>
-    <p:sldId id="287" r:id="rId22"/>
-    <p:sldId id="270" r:id="rId23"/>
-    <p:sldId id="271" r:id="rId24"/>
-    <p:sldId id="272" r:id="rId25"/>
-    <p:sldId id="275" r:id="rId26"/>
-    <p:sldId id="274" r:id="rId27"/>
-    <p:sldId id="276" r:id="rId28"/>
-    <p:sldId id="278" r:id="rId29"/>
-    <p:sldId id="280" r:id="rId30"/>
-    <p:sldId id="279" r:id="rId31"/>
-    <p:sldId id="289" r:id="rId32"/>
-    <p:sldId id="291" r:id="rId33"/>
-    <p:sldId id="281" r:id="rId34"/>
-    <p:sldId id="282" r:id="rId35"/>
-    <p:sldId id="283" r:id="rId36"/>
-    <p:sldId id="293" r:id="rId37"/>
-    <p:sldId id="285" r:id="rId38"/>
-    <p:sldId id="277" r:id="rId39"/>
-    <p:sldId id="267" r:id="rId40"/>
-    <p:sldId id="268" r:id="rId41"/>
-    <p:sldId id="264" r:id="rId42"/>
-    <p:sldId id="288" r:id="rId43"/>
+    <p:sldId id="294" r:id="rId19"/>
+    <p:sldId id="290" r:id="rId20"/>
+    <p:sldId id="269" r:id="rId21"/>
+    <p:sldId id="286" r:id="rId22"/>
+    <p:sldId id="287" r:id="rId23"/>
+    <p:sldId id="270" r:id="rId24"/>
+    <p:sldId id="271" r:id="rId25"/>
+    <p:sldId id="272" r:id="rId26"/>
+    <p:sldId id="275" r:id="rId27"/>
+    <p:sldId id="274" r:id="rId28"/>
+    <p:sldId id="276" r:id="rId29"/>
+    <p:sldId id="278" r:id="rId30"/>
+    <p:sldId id="280" r:id="rId31"/>
+    <p:sldId id="279" r:id="rId32"/>
+    <p:sldId id="289" r:id="rId33"/>
+    <p:sldId id="291" r:id="rId34"/>
+    <p:sldId id="281" r:id="rId35"/>
+    <p:sldId id="282" r:id="rId36"/>
+    <p:sldId id="283" r:id="rId37"/>
+    <p:sldId id="293" r:id="rId38"/>
+    <p:sldId id="285" r:id="rId39"/>
+    <p:sldId id="277" r:id="rId40"/>
+    <p:sldId id="267" r:id="rId41"/>
+    <p:sldId id="268" r:id="rId42"/>
+    <p:sldId id="264" r:id="rId43"/>
+    <p:sldId id="288" r:id="rId44"/>
   </p:sldIdLst>
   <p:sldSz cx="9144000" cy="6858000"/>
   <p:notesSz cx="6858000" cy="9144000"/>
@@ -2693,7 +2694,7 @@
         <p:spPr>
           <a:xfrm rot="0">
             <a:off x="685800" y="307340"/>
-            <a:ext cx="7774305" cy="1471930"/>
+            <a:ext cx="7773035" cy="1470660"/>
           </a:xfrm>
           <a:prstGeom prst="rect"/>
         </p:spPr>
@@ -2776,8 +2777,8 @@
         </p:blipFill>
         <p:spPr>
           <a:xfrm rot="0">
-            <a:off x="60960" y="1781175"/>
-            <a:ext cx="9022715" cy="4950460"/>
+            <a:off x="86995" y="1888490"/>
+            <a:ext cx="8970645" cy="4846320"/>
           </a:xfrm>
           <a:prstGeom prst="rect"/>
           <a:noFill/>
@@ -2919,8 +2920,8 @@
         </p:blipFill>
         <p:spPr>
           <a:xfrm rot="0">
-            <a:off x="64770" y="1847215"/>
-            <a:ext cx="9015095" cy="4905375"/>
+            <a:off x="60960" y="1781175"/>
+            <a:ext cx="9022715" cy="4950460"/>
           </a:xfrm>
           <a:prstGeom prst="rect"/>
           <a:noFill/>
@@ -2979,7 +2980,7 @@
         <p:spPr>
           <a:xfrm rot="0">
             <a:off x="685800" y="307340"/>
-            <a:ext cx="7773035" cy="1470660"/>
+            <a:ext cx="7774305" cy="1471930"/>
           </a:xfrm>
           <a:prstGeom prst="rect"/>
         </p:spPr>
@@ -3062,8 +3063,8 @@
         </p:blipFill>
         <p:spPr>
           <a:xfrm rot="0">
-            <a:off x="80010" y="1960880"/>
-            <a:ext cx="8984615" cy="4749165"/>
+            <a:off x="64770" y="1847215"/>
+            <a:ext cx="9015095" cy="4905375"/>
           </a:xfrm>
           <a:prstGeom prst="rect"/>
           <a:noFill/>
@@ -3122,7 +3123,7 @@
         <p:spPr>
           <a:xfrm rot="0">
             <a:off x="685800" y="307340"/>
-            <a:ext cx="7773670" cy="1471295"/>
+            <a:ext cx="7773035" cy="1470660"/>
           </a:xfrm>
           <a:prstGeom prst="rect"/>
         </p:spPr>
@@ -3192,7 +3193,7 @@
           <p:nvPr/>
         </p:nvPicPr>
         <p:blipFill rotWithShape="1">
-          <a:blip r:embed="rId3" cstate="print">
+          <a:blip r:embed="rId2" cstate="print">
             <a:extLst>
               <a:ext uri="{28A0092B-C50C-407E-A947-70E740481C1C}">
                 <a14:useLocalDpi xmlns:a14="http://schemas.microsoft.com/office/drawing/2010/main" val="0"/>
@@ -3205,8 +3206,8 @@
         </p:blipFill>
         <p:spPr>
           <a:xfrm rot="0">
-            <a:off x="87630" y="1876425"/>
-            <a:ext cx="8969375" cy="4876165"/>
+            <a:off x="80010" y="1960880"/>
+            <a:ext cx="8984615" cy="4749165"/>
           </a:xfrm>
           <a:prstGeom prst="rect"/>
           <a:noFill/>
@@ -3348,8 +3349,8 @@
         </p:blipFill>
         <p:spPr>
           <a:xfrm rot="0">
-            <a:off x="72390" y="1774825"/>
-            <a:ext cx="8999855" cy="4967605"/>
+            <a:off x="87630" y="1876425"/>
+            <a:ext cx="8969375" cy="4876165"/>
           </a:xfrm>
           <a:prstGeom prst="rect"/>
           <a:noFill/>
@@ -3471,14 +3472,14 @@
       </p:sp>
       <p:pic>
         <p:nvPicPr>
-          <p:cNvPr id="4" name="그림 3" descr="C:/Users/user/AppData/Roaming/PolarisOffice/ETemp/10952_11107344/fImage659403348467.jpeg"/>
+          <p:cNvPr id="4" name="그림 3"/>
           <p:cNvPicPr>
             <a:picLocks noChangeAspect="1"/>
           </p:cNvPicPr>
           <p:nvPr/>
         </p:nvPicPr>
         <p:blipFill rotWithShape="1">
-          <a:blip r:embed="rId4" cstate="print">
+          <a:blip r:embed="rId3" cstate="print">
             <a:extLst>
               <a:ext uri="{28A0092B-C50C-407E-A947-70E740481C1C}">
                 <a14:useLocalDpi xmlns:a14="http://schemas.microsoft.com/office/drawing/2010/main" val="0"/>
@@ -3491,8 +3492,8 @@
         </p:blipFill>
         <p:spPr>
           <a:xfrm rot="0">
-            <a:off x="60960" y="1859280"/>
-            <a:ext cx="9022715" cy="4838700"/>
+            <a:off x="72390" y="1774825"/>
+            <a:ext cx="8999855" cy="4967605"/>
           </a:xfrm>
           <a:prstGeom prst="rect"/>
           <a:noFill/>
@@ -3614,29 +3615,28 @@
       </p:sp>
       <p:pic>
         <p:nvPicPr>
-          <p:cNvPr id="4" name="그림 3" descr="C:/Users/user/AppData/Roaming/PolarisOffice/ETemp/10952_11107344/fImage588792959358.jpeg"/>
+          <p:cNvPr id="4" name="그림 3"/>
           <p:cNvPicPr>
             <a:picLocks noChangeAspect="1"/>
           </p:cNvPicPr>
           <p:nvPr/>
         </p:nvPicPr>
         <p:blipFill rotWithShape="1">
-          <a:blip r:embed="rId3" cstate="hqprint">
+          <a:blip r:embed="rId4" cstate="print">
             <a:extLst>
               <a:ext uri="{28A0092B-C50C-407E-A947-70E740481C1C}">
-                <a14:useLocalDpi xmlns:a14="http://schemas.microsoft.com/office/drawing/2010/main"/>
+                <a14:useLocalDpi xmlns:a14="http://schemas.microsoft.com/office/drawing/2010/main" val="0"/>
               </a:ext>
             </a:extLst>
           </a:blip>
-          <a:srcRect/>
           <a:stretch>
             <a:fillRect/>
           </a:stretch>
         </p:blipFill>
         <p:spPr>
           <a:xfrm rot="0">
-            <a:off x="102870" y="1848485"/>
-            <a:ext cx="9038590" cy="4886960"/>
+            <a:off x="60960" y="1859280"/>
+            <a:ext cx="9022715" cy="4838700"/>
           </a:xfrm>
           <a:prstGeom prst="rect"/>
           <a:noFill/>
@@ -3765,21 +3765,22 @@
           <p:nvPr/>
         </p:nvPicPr>
         <p:blipFill rotWithShape="1">
-          <a:blip r:embed="rId2" cstate="print">
+          <a:blip r:embed="rId3" cstate="hqprint">
             <a:extLst>
               <a:ext uri="{28A0092B-C50C-407E-A947-70E740481C1C}">
-                <a14:useLocalDpi xmlns:a14="http://schemas.microsoft.com/office/drawing/2010/main" val="0"/>
+                <a14:useLocalDpi xmlns:a14="http://schemas.microsoft.com/office/drawing/2010/main"/>
               </a:ext>
             </a:extLst>
           </a:blip>
+          <a:srcRect/>
           <a:stretch>
             <a:fillRect/>
           </a:stretch>
         </p:blipFill>
         <p:spPr>
           <a:xfrm rot="0">
-            <a:off x="67945" y="1778635"/>
-            <a:ext cx="9030335" cy="4984750"/>
+            <a:off x="102870" y="1848485"/>
+            <a:ext cx="9038590" cy="4886960"/>
           </a:xfrm>
           <a:prstGeom prst="rect"/>
           <a:noFill/>
@@ -3921,8 +3922,8 @@
         </p:blipFill>
         <p:spPr>
           <a:xfrm rot="0">
-            <a:off x="60960" y="1889125"/>
-            <a:ext cx="9022715" cy="4916805"/>
+            <a:off x="67945" y="1778635"/>
+            <a:ext cx="9030335" cy="4984750"/>
           </a:xfrm>
           <a:prstGeom prst="rect"/>
           <a:noFill/>
@@ -4051,7 +4052,7 @@
           <p:nvPr/>
         </p:nvPicPr>
         <p:blipFill rotWithShape="1">
-          <a:blip r:embed="rId3" cstate="print">
+          <a:blip r:embed="rId2" cstate="print">
             <a:extLst>
               <a:ext uri="{28A0092B-C50C-407E-A947-70E740481C1C}">
                 <a14:useLocalDpi xmlns:a14="http://schemas.microsoft.com/office/drawing/2010/main" val="0"/>
@@ -4064,8 +4065,8 @@
         </p:blipFill>
         <p:spPr>
           <a:xfrm rot="0">
-            <a:off x="81280" y="1852930"/>
-            <a:ext cx="9007475" cy="4845050"/>
+            <a:off x="60960" y="1889125"/>
+            <a:ext cx="9022715" cy="4916805"/>
           </a:xfrm>
           <a:prstGeom prst="rect"/>
           <a:noFill/>
@@ -5305,8 +5306,8 @@
         </p:blipFill>
         <p:spPr>
           <a:xfrm rot="0">
-            <a:off x="57150" y="1773555"/>
-            <a:ext cx="9030335" cy="4949190"/>
+            <a:off x="81280" y="1852930"/>
+            <a:ext cx="9007475" cy="4845050"/>
           </a:xfrm>
           <a:prstGeom prst="rect"/>
           <a:noFill/>
@@ -5364,8 +5365,8 @@
         </p:nvSpPr>
         <p:spPr>
           <a:xfrm rot="0">
-            <a:off x="685800" y="2688590"/>
-            <a:ext cx="7773035" cy="1470660"/>
+            <a:off x="685800" y="307340"/>
+            <a:ext cx="7773670" cy="1471295"/>
           </a:xfrm>
           <a:prstGeom prst="rect"/>
         </p:spPr>
@@ -5416,26 +5417,6 @@
               </a:rPr>
               <a:t>화면설계</a:t>
             </a:r>
-            <a:r>
-              <a:rPr lang="ko-KR" altLang="ko-KR" sz="4400" b="1">
-                <a:solidFill>
-                  <a:srgbClr val="716767"/>
-                </a:solidFill>
-                <a:latin typeface="나눔고딕" charset="0"/>
-                <a:ea typeface="나눔고딕" charset="0"/>
-              </a:rPr>
-              <a:t>(</a:t>
-            </a:r>
-            <a:r>
-              <a:rPr lang="ko-KR" altLang="ko-KR" sz="4400" b="1">
-                <a:solidFill>
-                  <a:srgbClr val="716767"/>
-                </a:solidFill>
-                <a:latin typeface="나눔고딕" charset="0"/>
-                <a:ea typeface="나눔고딕" charset="0"/>
-              </a:rPr>
-              <a:t>관리자 기능)</a:t>
-            </a:r>
             <a:endParaRPr lang="ko-KR" altLang="en-US" sz="4400" b="1">
               <a:solidFill>
                 <a:srgbClr val="716767"/>
@@ -5446,6 +5427,35 @@
           </a:p>
         </p:txBody>
       </p:sp>
+      <p:pic>
+        <p:nvPicPr>
+          <p:cNvPr id="4" name="그림 3"/>
+          <p:cNvPicPr>
+            <a:picLocks noChangeAspect="1"/>
+          </p:cNvPicPr>
+          <p:nvPr/>
+        </p:nvPicPr>
+        <p:blipFill rotWithShape="1">
+          <a:blip r:embed="rId3" cstate="print">
+            <a:extLst>
+              <a:ext uri="{28A0092B-C50C-407E-A947-70E740481C1C}">
+                <a14:useLocalDpi xmlns:a14="http://schemas.microsoft.com/office/drawing/2010/main" val="0"/>
+              </a:ext>
+            </a:extLst>
+          </a:blip>
+          <a:stretch>
+            <a:fillRect/>
+          </a:stretch>
+        </p:blipFill>
+        <p:spPr>
+          <a:xfrm rot="0">
+            <a:off x="57150" y="1773555"/>
+            <a:ext cx="9030335" cy="4949190"/>
+          </a:xfrm>
+          <a:prstGeom prst="rect"/>
+          <a:noFill/>
+        </p:spPr>
+      </p:pic>
     </p:spTree>
   </p:cSld>
   <p:clrMapOvr>
@@ -5488,7 +5498,7 @@
       </p:grpSpPr>
       <p:sp>
         <p:nvSpPr>
-          <p:cNvPr id="3" name="Rect 0"/>
+          <p:cNvPr id="3" name="텍스트 개체 틀 2"/>
           <p:cNvSpPr txBox="1">
             <a:spLocks/>
           </p:cNvSpPr>
@@ -5498,8 +5508,8 @@
         </p:nvSpPr>
         <p:spPr>
           <a:xfrm rot="0">
-            <a:off x="685800" y="307340"/>
-            <a:ext cx="7773670" cy="1471295"/>
+            <a:off x="685800" y="2688590"/>
+            <a:ext cx="7773035" cy="1470660"/>
           </a:xfrm>
           <a:prstGeom prst="rect"/>
         </p:spPr>
@@ -5550,6 +5560,26 @@
               </a:rPr>
               <a:t>화면설계</a:t>
             </a:r>
+            <a:r>
+              <a:rPr lang="ko-KR" altLang="ko-KR" sz="4400" b="1">
+                <a:solidFill>
+                  <a:srgbClr val="716767"/>
+                </a:solidFill>
+                <a:latin typeface="나눔고딕" charset="0"/>
+                <a:ea typeface="나눔고딕" charset="0"/>
+              </a:rPr>
+              <a:t>(</a:t>
+            </a:r>
+            <a:r>
+              <a:rPr lang="ko-KR" altLang="ko-KR" sz="4400" b="1">
+                <a:solidFill>
+                  <a:srgbClr val="716767"/>
+                </a:solidFill>
+                <a:latin typeface="나눔고딕" charset="0"/>
+                <a:ea typeface="나눔고딕" charset="0"/>
+              </a:rPr>
+              <a:t>관리자 기능)</a:t>
+            </a:r>
             <a:endParaRPr lang="ko-KR" altLang="en-US" sz="4400" b="1">
               <a:solidFill>
                 <a:srgbClr val="716767"/>
@@ -5560,35 +5590,6 @@
           </a:p>
         </p:txBody>
       </p:sp>
-      <p:pic>
-        <p:nvPicPr>
-          <p:cNvPr id="4" name="그림 3"/>
-          <p:cNvPicPr>
-            <a:picLocks noChangeAspect="1"/>
-          </p:cNvPicPr>
-          <p:nvPr/>
-        </p:nvPicPr>
-        <p:blipFill rotWithShape="1">
-          <a:blip r:embed="rId2" cstate="print">
-            <a:extLst>
-              <a:ext uri="{28A0092B-C50C-407E-A947-70E740481C1C}">
-                <a14:useLocalDpi xmlns:a14="http://schemas.microsoft.com/office/drawing/2010/main" val="0"/>
-              </a:ext>
-            </a:extLst>
-          </a:blip>
-          <a:stretch>
-            <a:fillRect/>
-          </a:stretch>
-        </p:blipFill>
-        <p:spPr>
-          <a:xfrm rot="0">
-            <a:off x="53340" y="1870710"/>
-            <a:ext cx="9037955" cy="4879340"/>
-          </a:xfrm>
-          <a:prstGeom prst="rect"/>
-          <a:noFill/>
-        </p:spPr>
-      </p:pic>
     </p:spTree>
   </p:cSld>
   <p:clrMapOvr>
@@ -5631,7 +5632,7 @@
       </p:grpSpPr>
       <p:sp>
         <p:nvSpPr>
-          <p:cNvPr id="3" name="텍스트 개체 틀 2"/>
+          <p:cNvPr id="3" name="Rect 0"/>
           <p:cNvSpPr txBox="1">
             <a:spLocks/>
           </p:cNvSpPr>
@@ -5642,7 +5643,7 @@
         <p:spPr>
           <a:xfrm rot="0">
             <a:off x="685800" y="307340"/>
-            <a:ext cx="7774305" cy="1471930"/>
+            <a:ext cx="7773670" cy="1471295"/>
           </a:xfrm>
           <a:prstGeom prst="rect"/>
         </p:spPr>
@@ -5725,8 +5726,8 @@
         </p:blipFill>
         <p:spPr>
           <a:xfrm rot="0">
-            <a:off x="95250" y="1863725"/>
-            <a:ext cx="8954135" cy="4888865"/>
+            <a:off x="53340" y="1870710"/>
+            <a:ext cx="9037955" cy="4879340"/>
           </a:xfrm>
           <a:prstGeom prst="rect"/>
           <a:noFill/>
@@ -5868,8 +5869,8 @@
         </p:blipFill>
         <p:spPr>
           <a:xfrm rot="0">
-            <a:off x="67945" y="1824990"/>
-            <a:ext cx="9030335" cy="4980940"/>
+            <a:off x="95250" y="1863725"/>
+            <a:ext cx="8954135" cy="4888865"/>
           </a:xfrm>
           <a:prstGeom prst="rect"/>
           <a:noFill/>
@@ -5991,14 +5992,14 @@
       </p:sp>
       <p:pic>
         <p:nvPicPr>
-          <p:cNvPr id="4" name="그림 3" descr="C:/Users/user/AppData/Roaming/PolarisOffice/ETemp/10952_11107344/fImage559893356334.jpeg"/>
+          <p:cNvPr id="4" name="그림 3"/>
           <p:cNvPicPr>
             <a:picLocks noChangeAspect="1"/>
           </p:cNvPicPr>
           <p:nvPr/>
         </p:nvPicPr>
         <p:blipFill rotWithShape="1">
-          <a:blip r:embed="rId3" cstate="print">
+          <a:blip r:embed="rId2" cstate="print">
             <a:extLst>
               <a:ext uri="{28A0092B-C50C-407E-A947-70E740481C1C}">
                 <a14:useLocalDpi xmlns:a14="http://schemas.microsoft.com/office/drawing/2010/main" val="0"/>
@@ -6011,8 +6012,8 @@
         </p:blipFill>
         <p:spPr>
           <a:xfrm rot="0">
-            <a:off x="57150" y="1847850"/>
-            <a:ext cx="9030335" cy="4924425"/>
+            <a:off x="67945" y="1824990"/>
+            <a:ext cx="9030335" cy="4980940"/>
           </a:xfrm>
           <a:prstGeom prst="rect"/>
           <a:noFill/>
@@ -6042,7 +6043,7 @@
 </file>
 
 <file path=ppt/slides/slide26.xml><?xml version="1.0" encoding="utf-8"?>
-<p:sld xmlns:a="http://schemas.openxmlformats.org/drawingml/2006/main" xmlns:r="http://schemas.openxmlformats.org/officeDocument/2006/relationships" xmlns:p="http://schemas.openxmlformats.org/presentationml/2006/main">
+<p:sld xmlns:a="http://schemas.openxmlformats.org/drawingml/2006/main" xmlns:r="http://schemas.openxmlformats.org/officeDocument/2006/relationships" xmlns:p="http://schemas.openxmlformats.org/presentationml/2006/main" xmlns:p14="http://schemas.microsoft.com/office/powerpoint/2010/main">
   <p:cSld>
     <p:spTree>
       <p:nvGrpSpPr>
@@ -6071,7 +6072,7 @@
         <p:spPr>
           <a:xfrm rot="0">
             <a:off x="685800" y="307340"/>
-            <a:ext cx="7774940" cy="1472565"/>
+            <a:ext cx="7774305" cy="1471930"/>
           </a:xfrm>
           <a:prstGeom prst="rect"/>
         </p:spPr>
@@ -6134,14 +6135,14 @@
       </p:sp>
       <p:pic>
         <p:nvPicPr>
-          <p:cNvPr id="4" name="그림 3" descr="C:/Users/user/AppData/Roaming/PolarisOffice/ETemp/10952_11107344/fImage595653396500.jpeg"/>
+          <p:cNvPr id="4" name="그림 3"/>
           <p:cNvPicPr>
             <a:picLocks noChangeAspect="1"/>
           </p:cNvPicPr>
           <p:nvPr/>
         </p:nvPicPr>
         <p:blipFill rotWithShape="1">
-          <a:blip r:embed="rId2" cstate="print">
+          <a:blip r:embed="rId3" cstate="print">
             <a:extLst>
               <a:ext uri="{28A0092B-C50C-407E-A947-70E740481C1C}">
                 <a14:useLocalDpi xmlns:a14="http://schemas.microsoft.com/office/drawing/2010/main" val="0"/>
@@ -6154,8 +6155,8 @@
         </p:blipFill>
         <p:spPr>
           <a:xfrm rot="0">
-            <a:off x="72390" y="1866900"/>
-            <a:ext cx="8999855" cy="4892675"/>
+            <a:off x="57150" y="1847850"/>
+            <a:ext cx="9030335" cy="4924425"/>
           </a:xfrm>
           <a:prstGeom prst="rect"/>
           <a:noFill/>
@@ -6214,7 +6215,7 @@
         <p:spPr>
           <a:xfrm rot="0">
             <a:off x="685800" y="307340"/>
-            <a:ext cx="7774305" cy="1471930"/>
+            <a:ext cx="7774940" cy="1472565"/>
           </a:xfrm>
           <a:prstGeom prst="rect"/>
         </p:spPr>
@@ -6277,14 +6278,14 @@
       </p:sp>
       <p:pic>
         <p:nvPicPr>
-          <p:cNvPr id="4" name="그림 3" descr="C:/Users/user/AppData/Roaming/PolarisOffice/ETemp/10952_11107344/fImage498473369169.jpeg"/>
+          <p:cNvPr id="4" name="그림 3"/>
           <p:cNvPicPr>
             <a:picLocks noChangeAspect="1"/>
           </p:cNvPicPr>
           <p:nvPr/>
         </p:nvPicPr>
         <p:blipFill rotWithShape="1">
-          <a:blip r:embed="rId3" cstate="print">
+          <a:blip r:embed="rId2" cstate="print">
             <a:extLst>
               <a:ext uri="{28A0092B-C50C-407E-A947-70E740481C1C}">
                 <a14:useLocalDpi xmlns:a14="http://schemas.microsoft.com/office/drawing/2010/main" val="0"/>
@@ -6297,8 +6298,8 @@
         </p:blipFill>
         <p:spPr>
           <a:xfrm rot="0">
-            <a:off x="57150" y="1872615"/>
-            <a:ext cx="9030335" cy="4850130"/>
+            <a:off x="72390" y="1866900"/>
+            <a:ext cx="8999855" cy="4892675"/>
           </a:xfrm>
           <a:prstGeom prst="rect"/>
           <a:noFill/>
@@ -6357,6 +6358,149 @@
         <p:spPr>
           <a:xfrm rot="0">
             <a:off x="685800" y="307340"/>
+            <a:ext cx="7774305" cy="1471930"/>
+          </a:xfrm>
+          <a:prstGeom prst="rect"/>
+        </p:spPr>
+        <p:txBody>
+          <a:bodyPr wrap="square" lIns="91440" tIns="45720" rIns="91440" bIns="45720" numCol="1" vert="horz" anchor="ctr">
+            <a:noAutofit/>
+          </a:bodyPr>
+          <a:lstStyle>
+            <a:lvl1pPr marL="0" indent="0" defTabSz="508000">
+              <a:lnSpc>
+                <a:spcPct val="100000"/>
+              </a:lnSpc>
+              <a:spcBef>
+                <a:spcPts val="0"/>
+              </a:spcBef>
+              <a:spcAft>
+                <a:spcPts val="0"/>
+              </a:spcAft>
+              <a:buFontTx/>
+              <a:buNone/>
+              <a:defRPr lang="en-GB" altLang="en-US" sz="1800">
+                <a:latin typeface="나눔고딕" charset="0"/>
+                <a:ea typeface="나눔고딕" charset="0"/>
+              </a:defRPr>
+            </a:lvl1pPr>
+          </a:lstStyle>
+          <a:p>
+            <a:pPr marL="0" indent="0" algn="ctr" defTabSz="914400" latinLnBrk="1">
+              <a:lnSpc>
+                <a:spcPct val="100000"/>
+              </a:lnSpc>
+              <a:spcBef>
+                <a:spcPts val="0"/>
+              </a:spcBef>
+              <a:spcAft>
+                <a:spcPts val="0"/>
+              </a:spcAft>
+              <a:buFontTx/>
+              <a:buNone/>
+            </a:pPr>
+            <a:r>
+              <a:rPr lang="ko-KR" altLang="ko-KR" sz="4400" b="1">
+                <a:solidFill>
+                  <a:srgbClr val="716767"/>
+                </a:solidFill>
+                <a:latin typeface="나눔고딕" charset="0"/>
+                <a:ea typeface="나눔고딕" charset="0"/>
+              </a:rPr>
+              <a:t>화면설계</a:t>
+            </a:r>
+            <a:endParaRPr lang="ko-KR" altLang="en-US" sz="4400" b="1">
+              <a:solidFill>
+                <a:srgbClr val="716767"/>
+              </a:solidFill>
+              <a:latin typeface="나눔고딕" charset="0"/>
+              <a:ea typeface="나눔고딕" charset="0"/>
+            </a:endParaRPr>
+          </a:p>
+        </p:txBody>
+      </p:sp>
+      <p:pic>
+        <p:nvPicPr>
+          <p:cNvPr id="4" name="그림 3"/>
+          <p:cNvPicPr>
+            <a:picLocks noChangeAspect="1"/>
+          </p:cNvPicPr>
+          <p:nvPr/>
+        </p:nvPicPr>
+        <p:blipFill rotWithShape="1">
+          <a:blip r:embed="rId3" cstate="print">
+            <a:extLst>
+              <a:ext uri="{28A0092B-C50C-407E-A947-70E740481C1C}">
+                <a14:useLocalDpi xmlns:a14="http://schemas.microsoft.com/office/drawing/2010/main" val="0"/>
+              </a:ext>
+            </a:extLst>
+          </a:blip>
+          <a:stretch>
+            <a:fillRect/>
+          </a:stretch>
+        </p:blipFill>
+        <p:spPr>
+          <a:xfrm rot="0">
+            <a:off x="57150" y="1872615"/>
+            <a:ext cx="9030335" cy="4850130"/>
+          </a:xfrm>
+          <a:prstGeom prst="rect"/>
+          <a:noFill/>
+        </p:spPr>
+      </p:pic>
+    </p:spTree>
+  </p:cSld>
+  <p:clrMapOvr>
+    <a:masterClrMapping/>
+  </p:clrMapOvr>
+  <mc:AlternateContent xmlns:mc="http://schemas.openxmlformats.org/markup-compatibility/2006">
+    <mc:Choice xmlns:p14="http://schemas.microsoft.com/office/powerpoint/2010/main" Requires="p14">
+      <p:transition spd="slow" p14:dur="2000"/>
+    </mc:Choice>
+    <mc:Fallback>
+      <p:transition spd="slow"/>
+    </mc:Fallback>
+  </mc:AlternateContent>
+  <p:timing>
+    <p:tnLst>
+      <p:par>
+        <p:cTn id="1" dur="indefinite" restart="never" nodeType="tmRoot"/>
+      </p:par>
+    </p:tnLst>
+  </p:timing>
+</p:sld>
+</file>
+
+<file path=ppt/slides/slide29.xml><?xml version="1.0" encoding="utf-8"?>
+<p:sld xmlns:a="http://schemas.openxmlformats.org/drawingml/2006/main" xmlns:r="http://schemas.openxmlformats.org/officeDocument/2006/relationships" xmlns:p="http://schemas.openxmlformats.org/presentationml/2006/main" xmlns:p14="http://schemas.microsoft.com/office/powerpoint/2010/main">
+  <p:cSld>
+    <p:spTree>
+      <p:nvGrpSpPr>
+        <p:cNvPr id="1" name=""/>
+        <p:cNvGrpSpPr/>
+        <p:nvPr/>
+      </p:nvGrpSpPr>
+      <p:grpSpPr>
+        <a:xfrm>
+          <a:off x="0" y="0"/>
+          <a:ext cx="0" cy="0"/>
+          <a:chOff x="0" y="0"/>
+          <a:chExt cx="0" cy="0"/>
+        </a:xfrm>
+      </p:grpSpPr>
+      <p:sp>
+        <p:nvSpPr>
+          <p:cNvPr id="3" name="텍스트 개체 틀 2"/>
+          <p:cNvSpPr txBox="1">
+            <a:spLocks/>
+          </p:cNvSpPr>
+          <p:nvPr>
+            <p:ph type="ctrTitle"/>
+          </p:nvPr>
+        </p:nvSpPr>
+        <p:spPr>
+          <a:xfrm rot="0">
+            <a:off x="685800" y="307340"/>
             <a:ext cx="7773670" cy="1471295"/>
           </a:xfrm>
           <a:prstGeom prst="rect"/>
@@ -6470,7 +6614,692 @@
 </p:sld>
 </file>
 
-<file path=ppt/slides/slide29.xml><?xml version="1.0" encoding="utf-8"?>
+<file path=ppt/slides/slide3.xml><?xml version="1.0" encoding="utf-8"?>
+<p:sld xmlns:a="http://schemas.openxmlformats.org/drawingml/2006/main" xmlns:r="http://schemas.openxmlformats.org/officeDocument/2006/relationships" xmlns:p="http://schemas.openxmlformats.org/presentationml/2006/main" xmlns:p14="http://schemas.microsoft.com/office/powerpoint/2010/main">
+  <p:cSld>
+    <p:spTree>
+      <p:nvGrpSpPr>
+        <p:cNvPr id="1" name=""/>
+        <p:cNvGrpSpPr/>
+        <p:nvPr/>
+      </p:nvGrpSpPr>
+      <p:grpSpPr>
+        <a:xfrm>
+          <a:off x="0" y="0"/>
+          <a:ext cx="0" cy="0"/>
+          <a:chOff x="0" y="0"/>
+          <a:chExt cx="0" cy="0"/>
+        </a:xfrm>
+      </p:grpSpPr>
+      <p:sp>
+        <p:nvSpPr>
+          <p:cNvPr id="3" name="텍스트 개체 틀 2"/>
+          <p:cNvSpPr txBox="1">
+            <a:spLocks/>
+          </p:cNvSpPr>
+          <p:nvPr>
+            <p:ph type="ctrTitle"/>
+          </p:nvPr>
+        </p:nvSpPr>
+        <p:spPr>
+          <a:xfrm>
+            <a:off x="685800" y="307340"/>
+            <a:ext cx="7773670" cy="1471295"/>
+          </a:xfrm>
+          <a:prstGeom prst="rect"/>
+        </p:spPr>
+        <p:txBody>
+          <a:bodyPr wrap="square" lIns="91440" tIns="45720" rIns="91440" bIns="45720" numCol="1" vert="horz" anchor="ctr">
+            <a:noAutofit/>
+          </a:bodyPr>
+          <a:lstStyle>
+            <a:lvl1pPr marL="0" indent="0" defTabSz="508000">
+              <a:lnSpc>
+                <a:spcPct val="100000"/>
+              </a:lnSpc>
+              <a:spcBef>
+                <a:spcPts val="0"/>
+              </a:spcBef>
+              <a:spcAft>
+                <a:spcPts val="0"/>
+              </a:spcAft>
+              <a:buFontTx/>
+              <a:buNone/>
+              <a:defRPr lang="en-GB" altLang="en-US" sz="1800">
+                <a:latin typeface="나눔고딕" charset="0"/>
+                <a:ea typeface="나눔고딕" charset="0"/>
+              </a:defRPr>
+            </a:lvl1pPr>
+          </a:lstStyle>
+          <a:p>
+            <a:pPr marL="0" indent="0" algn="ctr" defTabSz="914400" latinLnBrk="1">
+              <a:lnSpc>
+                <a:spcPct val="100000"/>
+              </a:lnSpc>
+              <a:spcBef>
+                <a:spcPts val="0"/>
+              </a:spcBef>
+              <a:spcAft>
+                <a:spcPts val="0"/>
+              </a:spcAft>
+              <a:buFontTx/>
+              <a:buNone/>
+            </a:pPr>
+            <a:r>
+              <a:rPr lang="ko-KR" altLang="ko-KR" sz="4400" b="1">
+                <a:solidFill>
+                  <a:srgbClr val="716767"/>
+                </a:solidFill>
+                <a:latin typeface="나눔고딕" charset="0"/>
+                <a:ea typeface="나눔고딕" charset="0"/>
+                <a:cs typeface="+mj-cs"/>
+              </a:rPr>
+              <a:t>요구사항</a:t>
+            </a:r>
+            <a:endParaRPr lang="ko-KR" altLang="en-US" sz="4400" b="1">
+              <a:solidFill>
+                <a:srgbClr val="716767"/>
+              </a:solidFill>
+              <a:latin typeface="나눔고딕" charset="0"/>
+              <a:ea typeface="나눔고딕" charset="0"/>
+              <a:cs typeface="+mj-cs"/>
+            </a:endParaRPr>
+          </a:p>
+        </p:txBody>
+      </p:sp>
+      <p:sp>
+        <p:nvSpPr>
+          <p:cNvPr id="4" name="텍스트 상자 3"/>
+          <p:cNvSpPr txBox="1">
+            <a:spLocks/>
+          </p:cNvSpPr>
+          <p:nvPr/>
+        </p:nvSpPr>
+        <p:spPr>
+          <a:xfrm rot="0">
+            <a:off x="220980" y="2112645"/>
+            <a:ext cx="8713470" cy="3926840"/>
+          </a:xfrm>
+          <a:prstGeom prst="rect"/>
+        </p:spPr>
+        <p:txBody>
+          <a:bodyPr wrap="square" lIns="91440" tIns="45720" rIns="91440" bIns="45720" numCol="1" vert="horz" anchor="t">
+            <a:noAutofit/>
+          </a:bodyPr>
+          <a:lstStyle>
+            <a:lvl1pPr marL="0" indent="0" algn="ctr" defTabSz="508000">
+              <a:lnSpc>
+                <a:spcPct val="100000"/>
+              </a:lnSpc>
+              <a:spcBef>
+                <a:spcPts val="0"/>
+              </a:spcBef>
+              <a:spcAft>
+                <a:spcPts val="0"/>
+              </a:spcAft>
+              <a:buFontTx/>
+              <a:buNone/>
+              <a:defRPr lang="en-GB" altLang="en-US" sz="1800">
+                <a:solidFill>
+                  <a:schemeClr val="tx1">
+                    <a:tint val="75000"/>
+                  </a:schemeClr>
+                </a:solidFill>
+                <a:latin typeface="나눔고딕" charset="0"/>
+                <a:ea typeface="나눔고딕" charset="0"/>
+              </a:defRPr>
+            </a:lvl1pPr>
+            <a:lvl2pPr marL="457200" indent="0" algn="ctr" defTabSz="508000">
+              <a:lnSpc>
+                <a:spcPct val="100000"/>
+              </a:lnSpc>
+              <a:spcBef>
+                <a:spcPts val="0"/>
+              </a:spcBef>
+              <a:spcAft>
+                <a:spcPts val="0"/>
+              </a:spcAft>
+              <a:buFontTx/>
+              <a:buNone/>
+              <a:defRPr lang="en-GB" altLang="en-US" sz="1800">
+                <a:solidFill>
+                  <a:schemeClr val="tx1">
+                    <a:tint val="75000"/>
+                  </a:schemeClr>
+                </a:solidFill>
+                <a:latin typeface="Arial" charset="0"/>
+                <a:ea typeface="Arial" charset="0"/>
+              </a:defRPr>
+            </a:lvl2pPr>
+            <a:lvl3pPr marL="914400" indent="0" algn="ctr" defTabSz="508000">
+              <a:lnSpc>
+                <a:spcPct val="100000"/>
+              </a:lnSpc>
+              <a:spcBef>
+                <a:spcPts val="0"/>
+              </a:spcBef>
+              <a:spcAft>
+                <a:spcPts val="0"/>
+              </a:spcAft>
+              <a:buFontTx/>
+              <a:buNone/>
+              <a:defRPr lang="en-GB" altLang="en-US" sz="1800">
+                <a:solidFill>
+                  <a:schemeClr val="tx1">
+                    <a:tint val="75000"/>
+                  </a:schemeClr>
+                </a:solidFill>
+                <a:latin typeface="Arial" charset="0"/>
+                <a:ea typeface="Arial" charset="0"/>
+              </a:defRPr>
+            </a:lvl3pPr>
+            <a:lvl4pPr marL="1371600" indent="0" algn="ctr" defTabSz="508000">
+              <a:lnSpc>
+                <a:spcPct val="100000"/>
+              </a:lnSpc>
+              <a:spcBef>
+                <a:spcPts val="0"/>
+              </a:spcBef>
+              <a:spcAft>
+                <a:spcPts val="0"/>
+              </a:spcAft>
+              <a:buFontTx/>
+              <a:buNone/>
+              <a:defRPr lang="en-GB" altLang="en-US" sz="1800">
+                <a:solidFill>
+                  <a:schemeClr val="tx1">
+                    <a:tint val="75000"/>
+                  </a:schemeClr>
+                </a:solidFill>
+                <a:latin typeface="Arial" charset="0"/>
+                <a:ea typeface="Arial" charset="0"/>
+              </a:defRPr>
+            </a:lvl4pPr>
+            <a:lvl5pPr marL="1828800" indent="0" algn="ctr" defTabSz="508000">
+              <a:lnSpc>
+                <a:spcPct val="100000"/>
+              </a:lnSpc>
+              <a:spcBef>
+                <a:spcPts val="0"/>
+              </a:spcBef>
+              <a:spcAft>
+                <a:spcPts val="0"/>
+              </a:spcAft>
+              <a:buFontTx/>
+              <a:buNone/>
+              <a:defRPr lang="en-GB" altLang="en-US" sz="1800">
+                <a:solidFill>
+                  <a:schemeClr val="tx1">
+                    <a:tint val="75000"/>
+                  </a:schemeClr>
+                </a:solidFill>
+                <a:latin typeface="Arial" charset="0"/>
+                <a:ea typeface="Arial" charset="0"/>
+              </a:defRPr>
+            </a:lvl5pPr>
+            <a:lvl6pPr marL="2286000" indent="0" algn="ctr" defTabSz="508000">
+              <a:lnSpc>
+                <a:spcPct val="100000"/>
+              </a:lnSpc>
+              <a:spcBef>
+                <a:spcPts val="0"/>
+              </a:spcBef>
+              <a:spcAft>
+                <a:spcPts val="0"/>
+              </a:spcAft>
+              <a:buFontTx/>
+              <a:buNone/>
+              <a:defRPr lang="en-GB" altLang="en-US" sz="1800">
+                <a:solidFill>
+                  <a:schemeClr val="tx1">
+                    <a:tint val="75000"/>
+                  </a:schemeClr>
+                </a:solidFill>
+                <a:latin typeface="Arial" charset="0"/>
+                <a:ea typeface="Arial" charset="0"/>
+              </a:defRPr>
+            </a:lvl6pPr>
+            <a:lvl7pPr marL="2743200" indent="0" algn="ctr" defTabSz="508000">
+              <a:lnSpc>
+                <a:spcPct val="100000"/>
+              </a:lnSpc>
+              <a:spcBef>
+                <a:spcPts val="0"/>
+              </a:spcBef>
+              <a:spcAft>
+                <a:spcPts val="0"/>
+              </a:spcAft>
+              <a:buFontTx/>
+              <a:buNone/>
+              <a:defRPr lang="en-GB" altLang="en-US" sz="1800">
+                <a:solidFill>
+                  <a:schemeClr val="tx1">
+                    <a:tint val="75000"/>
+                  </a:schemeClr>
+                </a:solidFill>
+                <a:latin typeface="Arial" charset="0"/>
+                <a:ea typeface="Arial" charset="0"/>
+              </a:defRPr>
+            </a:lvl7pPr>
+            <a:lvl8pPr marL="3200400" indent="0" algn="ctr" defTabSz="508000">
+              <a:lnSpc>
+                <a:spcPct val="100000"/>
+              </a:lnSpc>
+              <a:spcBef>
+                <a:spcPts val="0"/>
+              </a:spcBef>
+              <a:spcAft>
+                <a:spcPts val="0"/>
+              </a:spcAft>
+              <a:buFontTx/>
+              <a:buNone/>
+              <a:defRPr lang="en-GB" altLang="en-US" sz="1800">
+                <a:solidFill>
+                  <a:schemeClr val="tx1">
+                    <a:tint val="75000"/>
+                  </a:schemeClr>
+                </a:solidFill>
+                <a:latin typeface="Arial" charset="0"/>
+                <a:ea typeface="Arial" charset="0"/>
+              </a:defRPr>
+            </a:lvl8pPr>
+            <a:lvl9pPr marL="3657600" indent="0" algn="ctr" defTabSz="508000">
+              <a:lnSpc>
+                <a:spcPct val="100000"/>
+              </a:lnSpc>
+              <a:spcBef>
+                <a:spcPts val="0"/>
+              </a:spcBef>
+              <a:spcAft>
+                <a:spcPts val="0"/>
+              </a:spcAft>
+              <a:buFontTx/>
+              <a:buNone/>
+              <a:defRPr lang="en-GB" altLang="en-US" sz="1800">
+                <a:solidFill>
+                  <a:schemeClr val="tx1">
+                    <a:tint val="75000"/>
+                  </a:schemeClr>
+                </a:solidFill>
+                <a:latin typeface="Arial" charset="0"/>
+                <a:ea typeface="Arial" charset="0"/>
+              </a:defRPr>
+            </a:lvl9pPr>
+          </a:lstStyle>
+          <a:p>
+            <a:pPr marL="0" indent="0" algn="l" defTabSz="914400" latinLnBrk="1">
+              <a:lnSpc>
+                <a:spcPct val="100000"/>
+              </a:lnSpc>
+              <a:spcBef>
+                <a:spcPts val="700"/>
+              </a:spcBef>
+              <a:spcAft>
+                <a:spcPts val="0"/>
+              </a:spcAft>
+              <a:buFontTx/>
+              <a:buNone/>
+            </a:pPr>
+            <a:r>
+              <a:rPr lang="en-US" altLang="ko-KR" sz="1800" b="1">
+                <a:solidFill>
+                  <a:schemeClr val="tx1">
+                    <a:tint val="75000"/>
+                  </a:schemeClr>
+                </a:solidFill>
+                <a:latin typeface="나눔고딕" charset="0"/>
+                <a:ea typeface="나눔고딕" charset="0"/>
+              </a:rPr>
+              <a:t>- 대여금액은 변동 가능 </a:t>
+            </a:r>
+            <a:endParaRPr lang="ko-KR" altLang="en-US" sz="1800" b="1">
+              <a:solidFill>
+                <a:schemeClr val="tx1">
+                  <a:tint val="75000"/>
+                </a:schemeClr>
+              </a:solidFill>
+              <a:latin typeface="나눔고딕" charset="0"/>
+              <a:ea typeface="나눔고딕" charset="0"/>
+            </a:endParaRPr>
+          </a:p>
+          <a:p>
+            <a:pPr marL="0" indent="0" algn="l" defTabSz="914400" latinLnBrk="1">
+              <a:lnSpc>
+                <a:spcPct val="100000"/>
+              </a:lnSpc>
+              <a:spcBef>
+                <a:spcPts val="700"/>
+              </a:spcBef>
+              <a:spcAft>
+                <a:spcPts val="0"/>
+              </a:spcAft>
+              <a:buFontTx/>
+              <a:buNone/>
+            </a:pPr>
+            <a:r>
+              <a:rPr lang="en-US" altLang="ko-KR" sz="1800" b="1">
+                <a:solidFill>
+                  <a:schemeClr val="tx1">
+                    <a:tint val="75000"/>
+                  </a:schemeClr>
+                </a:solidFill>
+                <a:latin typeface="나눔고딕" charset="0"/>
+                <a:ea typeface="나눔고딕" charset="0"/>
+              </a:rPr>
+              <a:t>- 연체시 연체료 발생, 연체금액 알림</a:t>
+            </a:r>
+            <a:endParaRPr lang="ko-KR" altLang="en-US" sz="1800" b="1">
+              <a:solidFill>
+                <a:schemeClr val="tx1">
+                  <a:tint val="75000"/>
+                </a:schemeClr>
+              </a:solidFill>
+              <a:latin typeface="나눔고딕" charset="0"/>
+              <a:ea typeface="나눔고딕" charset="0"/>
+            </a:endParaRPr>
+          </a:p>
+          <a:p>
+            <a:pPr marL="0" indent="0" algn="l" defTabSz="914400" latinLnBrk="1">
+              <a:lnSpc>
+                <a:spcPct val="100000"/>
+              </a:lnSpc>
+              <a:spcBef>
+                <a:spcPts val="700"/>
+              </a:spcBef>
+              <a:spcAft>
+                <a:spcPts val="0"/>
+              </a:spcAft>
+              <a:buFontTx/>
+              <a:buNone/>
+            </a:pPr>
+            <a:r>
+              <a:rPr lang="en-US" altLang="ko-KR" sz="1800" b="1">
+                <a:solidFill>
+                  <a:schemeClr val="tx1">
+                    <a:tint val="75000"/>
+                  </a:schemeClr>
+                </a:solidFill>
+                <a:latin typeface="나눔고딕" charset="0"/>
+                <a:ea typeface="나눔고딕" charset="0"/>
+              </a:rPr>
+              <a:t>- 대여기간은 추가금액 지불시 연장가능</a:t>
+            </a:r>
+            <a:endParaRPr lang="ko-KR" altLang="en-US" sz="1800" b="1">
+              <a:solidFill>
+                <a:schemeClr val="tx1">
+                  <a:tint val="75000"/>
+                </a:schemeClr>
+              </a:solidFill>
+              <a:latin typeface="나눔고딕" charset="0"/>
+              <a:ea typeface="나눔고딕" charset="0"/>
+            </a:endParaRPr>
+          </a:p>
+          <a:p>
+            <a:pPr marL="0" indent="0" algn="l" defTabSz="914400" latinLnBrk="1">
+              <a:lnSpc>
+                <a:spcPct val="100000"/>
+              </a:lnSpc>
+              <a:spcBef>
+                <a:spcPts val="700"/>
+              </a:spcBef>
+              <a:spcAft>
+                <a:spcPts val="0"/>
+              </a:spcAft>
+              <a:buFontTx/>
+              <a:buNone/>
+            </a:pPr>
+            <a:r>
+              <a:rPr lang="en-US" altLang="ko-KR" sz="1800" b="1">
+                <a:solidFill>
+                  <a:schemeClr val="tx1">
+                    <a:tint val="75000"/>
+                  </a:schemeClr>
+                </a:solidFill>
+                <a:latin typeface="나눔고딕" charset="0"/>
+                <a:ea typeface="나눔고딕" charset="0"/>
+              </a:rPr>
+              <a:t>- 차량의 대여여부 표시</a:t>
+            </a:r>
+            <a:endParaRPr lang="ko-KR" altLang="en-US" sz="1800" b="1">
+              <a:solidFill>
+                <a:schemeClr val="tx1">
+                  <a:tint val="75000"/>
+                </a:schemeClr>
+              </a:solidFill>
+              <a:latin typeface="나눔고딕" charset="0"/>
+              <a:ea typeface="나눔고딕" charset="0"/>
+            </a:endParaRPr>
+          </a:p>
+          <a:p>
+            <a:pPr marL="0" indent="0" algn="l" defTabSz="914400" latinLnBrk="1">
+              <a:lnSpc>
+                <a:spcPct val="100000"/>
+              </a:lnSpc>
+              <a:spcBef>
+                <a:spcPts val="700"/>
+              </a:spcBef>
+              <a:spcAft>
+                <a:spcPts val="0"/>
+              </a:spcAft>
+              <a:buFontTx/>
+              <a:buNone/>
+            </a:pPr>
+            <a:r>
+              <a:rPr lang="en-US" altLang="ko-KR" sz="1800" b="1">
+                <a:solidFill>
+                  <a:schemeClr val="tx1">
+                    <a:tint val="75000"/>
+                  </a:schemeClr>
+                </a:solidFill>
+                <a:latin typeface="나눔고딕" charset="0"/>
+                <a:ea typeface="나눔고딕" charset="0"/>
+              </a:rPr>
+              <a:t>- 새로운 차량 추가 가능</a:t>
+            </a:r>
+            <a:endParaRPr lang="ko-KR" altLang="en-US" sz="1800" b="1">
+              <a:solidFill>
+                <a:schemeClr val="tx1">
+                  <a:tint val="75000"/>
+                </a:schemeClr>
+              </a:solidFill>
+              <a:latin typeface="나눔고딕" charset="0"/>
+              <a:ea typeface="나눔고딕" charset="0"/>
+            </a:endParaRPr>
+          </a:p>
+          <a:p>
+            <a:pPr marL="0" indent="0" algn="l" defTabSz="914400" latinLnBrk="1">
+              <a:lnSpc>
+                <a:spcPct val="100000"/>
+              </a:lnSpc>
+              <a:spcBef>
+                <a:spcPts val="700"/>
+              </a:spcBef>
+              <a:spcAft>
+                <a:spcPts val="0"/>
+              </a:spcAft>
+              <a:buFontTx/>
+              <a:buNone/>
+            </a:pPr>
+            <a:r>
+              <a:rPr sz="1700" b="1">
+                <a:solidFill>
+                  <a:schemeClr val="tx1">
+                    <a:tint val="75000"/>
+                  </a:schemeClr>
+                </a:solidFill>
+                <a:latin typeface="나눔고딕" charset="0"/>
+                <a:ea typeface="나눔고딕" charset="0"/>
+              </a:rPr>
+              <a:t>- 차량 등록 화면은 차량번호, 차종, 대여가능여부,대여 횟수, 대여비용, 보유지점 표시</a:t>
+            </a:r>
+            <a:endParaRPr lang="ko-KR" altLang="en-US" sz="1700" b="1">
+              <a:solidFill>
+                <a:schemeClr val="tx1">
+                  <a:tint val="75000"/>
+                </a:schemeClr>
+              </a:solidFill>
+              <a:latin typeface="나눔고딕" charset="0"/>
+              <a:ea typeface="나눔고딕" charset="0"/>
+            </a:endParaRPr>
+          </a:p>
+          <a:p>
+            <a:pPr marL="0" indent="0" algn="l" defTabSz="914400" latinLnBrk="1">
+              <a:lnSpc>
+                <a:spcPct val="100000"/>
+              </a:lnSpc>
+              <a:spcBef>
+                <a:spcPts val="700"/>
+              </a:spcBef>
+              <a:spcAft>
+                <a:spcPts val="0"/>
+              </a:spcAft>
+              <a:buFontTx/>
+              <a:buNone/>
+            </a:pPr>
+            <a:r>
+              <a:rPr lang="en-US" altLang="ko-KR" sz="1800" b="1">
+                <a:solidFill>
+                  <a:schemeClr val="tx1">
+                    <a:tint val="75000"/>
+                  </a:schemeClr>
+                </a:solidFill>
+                <a:latin typeface="나눔고딕" charset="0"/>
+                <a:ea typeface="나눔고딕" charset="0"/>
+              </a:rPr>
+              <a:t>- 문의 게시판</a:t>
+            </a:r>
+            <a:endParaRPr lang="ko-KR" altLang="en-US" sz="1800" b="1">
+              <a:solidFill>
+                <a:schemeClr val="tx1">
+                  <a:tint val="75000"/>
+                </a:schemeClr>
+              </a:solidFill>
+              <a:latin typeface="나눔고딕" charset="0"/>
+              <a:ea typeface="나눔고딕" charset="0"/>
+            </a:endParaRPr>
+          </a:p>
+          <a:p>
+            <a:pPr marL="0" indent="0" algn="l" defTabSz="914400" latinLnBrk="1">
+              <a:lnSpc>
+                <a:spcPct val="100000"/>
+              </a:lnSpc>
+              <a:spcBef>
+                <a:spcPts val="700"/>
+              </a:spcBef>
+              <a:spcAft>
+                <a:spcPts val="0"/>
+              </a:spcAft>
+              <a:buFontTx/>
+              <a:buNone/>
+            </a:pPr>
+            <a:r>
+              <a:rPr lang="en-US" altLang="ko-KR" sz="1800" b="1">
+                <a:solidFill>
+                  <a:schemeClr val="tx1">
+                    <a:tint val="75000"/>
+                  </a:schemeClr>
+                </a:solidFill>
+                <a:latin typeface="나눔고딕" charset="0"/>
+                <a:ea typeface="나눔고딕" charset="0"/>
+              </a:rPr>
+              <a:t>- 문의게시판에 답글은 관리자만 작성</a:t>
+            </a:r>
+            <a:endParaRPr lang="ko-KR" altLang="en-US" sz="1800" b="1">
+              <a:solidFill>
+                <a:schemeClr val="tx1">
+                  <a:tint val="75000"/>
+                </a:schemeClr>
+              </a:solidFill>
+              <a:latin typeface="나눔고딕" charset="0"/>
+              <a:ea typeface="나눔고딕" charset="0"/>
+            </a:endParaRPr>
+          </a:p>
+          <a:p>
+            <a:pPr marL="0" indent="0" algn="l" defTabSz="914400" latinLnBrk="1">
+              <a:lnSpc>
+                <a:spcPct val="100000"/>
+              </a:lnSpc>
+              <a:spcBef>
+                <a:spcPts val="700"/>
+              </a:spcBef>
+              <a:spcAft>
+                <a:spcPts val="0"/>
+              </a:spcAft>
+              <a:buFontTx/>
+              <a:buNone/>
+            </a:pPr>
+            <a:r>
+              <a:rPr lang="en-US" altLang="ko-KR" sz="1800" b="1">
+                <a:solidFill>
+                  <a:schemeClr val="tx1">
+                    <a:tint val="75000"/>
+                  </a:schemeClr>
+                </a:solidFill>
+                <a:latin typeface="나눔고딕" charset="0"/>
+                <a:ea typeface="나눔고딕" charset="0"/>
+              </a:rPr>
+              <a:t>- 예약화면은 차량번호, 대여비용, 보유지점, 탑승인원, 연료종류, 예약기간, 예상금액 표시</a:t>
+            </a:r>
+            <a:endParaRPr lang="ko-KR" altLang="en-US" sz="1800" b="1">
+              <a:solidFill>
+                <a:schemeClr val="tx1">
+                  <a:tint val="75000"/>
+                </a:schemeClr>
+              </a:solidFill>
+              <a:latin typeface="나눔고딕" charset="0"/>
+              <a:ea typeface="나눔고딕" charset="0"/>
+            </a:endParaRPr>
+          </a:p>
+          <a:p>
+            <a:pPr marL="0" indent="0" algn="l" defTabSz="914400" latinLnBrk="1">
+              <a:lnSpc>
+                <a:spcPct val="100000"/>
+              </a:lnSpc>
+              <a:spcBef>
+                <a:spcPts val="700"/>
+              </a:spcBef>
+              <a:spcAft>
+                <a:spcPts val="0"/>
+              </a:spcAft>
+              <a:buFontTx/>
+              <a:buNone/>
+            </a:pPr>
+            <a:endParaRPr lang="ko-KR" altLang="en-US" sz="1800" b="1">
+              <a:solidFill>
+                <a:schemeClr val="tx1">
+                  <a:tint val="75000"/>
+                </a:schemeClr>
+              </a:solidFill>
+              <a:latin typeface="나눔고딕" charset="0"/>
+              <a:ea typeface="나눔고딕" charset="0"/>
+            </a:endParaRPr>
+          </a:p>
+        </p:txBody>
+      </p:sp>
+    </p:spTree>
+  </p:cSld>
+  <p:clrMapOvr>
+    <a:masterClrMapping/>
+  </p:clrMapOvr>
+  <mc:AlternateContent xmlns:mc="http://schemas.openxmlformats.org/markup-compatibility/2006">
+    <mc:Choice xmlns:p14="http://schemas.microsoft.com/office/powerpoint/2010/main" Requires="p14">
+      <p:transition spd="slow" p14:dur="2000"/>
+    </mc:Choice>
+    <mc:Fallback>
+      <p:transition spd="slow"/>
+    </mc:Fallback>
+  </mc:AlternateContent>
+  <p:timing>
+    <p:tnLst>
+      <p:par>
+        <p:cTn id="1" dur="indefinite" restart="never" nodeType="tmRoot"/>
+      </p:par>
+    </p:tnLst>
+  </p:timing>
+</p:sld>
+</file>
+
+<file path=ppt/slides/slide30.xml><?xml version="1.0" encoding="utf-8"?>
 <p:sld xmlns:a="http://schemas.openxmlformats.org/drawingml/2006/main" xmlns:r="http://schemas.openxmlformats.org/officeDocument/2006/relationships" xmlns:p="http://schemas.openxmlformats.org/presentationml/2006/main" xmlns:p14="http://schemas.microsoft.com/office/powerpoint/2010/main">
   <p:cSld>
     <p:spTree>
@@ -7864,692 +8693,7 @@
 </p:sld>
 </file>
 
-<file path=ppt/slides/slide3.xml><?xml version="1.0" encoding="utf-8"?>
-<p:sld xmlns:a="http://schemas.openxmlformats.org/drawingml/2006/main" xmlns:r="http://schemas.openxmlformats.org/officeDocument/2006/relationships" xmlns:p="http://schemas.openxmlformats.org/presentationml/2006/main" xmlns:p14="http://schemas.microsoft.com/office/powerpoint/2010/main">
-  <p:cSld>
-    <p:spTree>
-      <p:nvGrpSpPr>
-        <p:cNvPr id="1" name=""/>
-        <p:cNvGrpSpPr/>
-        <p:nvPr/>
-      </p:nvGrpSpPr>
-      <p:grpSpPr>
-        <a:xfrm>
-          <a:off x="0" y="0"/>
-          <a:ext cx="0" cy="0"/>
-          <a:chOff x="0" y="0"/>
-          <a:chExt cx="0" cy="0"/>
-        </a:xfrm>
-      </p:grpSpPr>
-      <p:sp>
-        <p:nvSpPr>
-          <p:cNvPr id="3" name="텍스트 개체 틀 2"/>
-          <p:cNvSpPr txBox="1">
-            <a:spLocks/>
-          </p:cNvSpPr>
-          <p:nvPr>
-            <p:ph type="ctrTitle"/>
-          </p:nvPr>
-        </p:nvSpPr>
-        <p:spPr>
-          <a:xfrm>
-            <a:off x="685800" y="307340"/>
-            <a:ext cx="7773670" cy="1471295"/>
-          </a:xfrm>
-          <a:prstGeom prst="rect"/>
-        </p:spPr>
-        <p:txBody>
-          <a:bodyPr wrap="square" lIns="91440" tIns="45720" rIns="91440" bIns="45720" numCol="1" vert="horz" anchor="ctr">
-            <a:noAutofit/>
-          </a:bodyPr>
-          <a:lstStyle>
-            <a:lvl1pPr marL="0" indent="0" defTabSz="508000">
-              <a:lnSpc>
-                <a:spcPct val="100000"/>
-              </a:lnSpc>
-              <a:spcBef>
-                <a:spcPts val="0"/>
-              </a:spcBef>
-              <a:spcAft>
-                <a:spcPts val="0"/>
-              </a:spcAft>
-              <a:buFontTx/>
-              <a:buNone/>
-              <a:defRPr lang="en-GB" altLang="en-US" sz="1800">
-                <a:latin typeface="나눔고딕" charset="0"/>
-                <a:ea typeface="나눔고딕" charset="0"/>
-              </a:defRPr>
-            </a:lvl1pPr>
-          </a:lstStyle>
-          <a:p>
-            <a:pPr marL="0" indent="0" algn="ctr" defTabSz="914400" latinLnBrk="1">
-              <a:lnSpc>
-                <a:spcPct val="100000"/>
-              </a:lnSpc>
-              <a:spcBef>
-                <a:spcPts val="0"/>
-              </a:spcBef>
-              <a:spcAft>
-                <a:spcPts val="0"/>
-              </a:spcAft>
-              <a:buFontTx/>
-              <a:buNone/>
-            </a:pPr>
-            <a:r>
-              <a:rPr lang="ko-KR" altLang="ko-KR" sz="4400" b="1">
-                <a:solidFill>
-                  <a:srgbClr val="716767"/>
-                </a:solidFill>
-                <a:latin typeface="나눔고딕" charset="0"/>
-                <a:ea typeface="나눔고딕" charset="0"/>
-                <a:cs typeface="+mj-cs"/>
-              </a:rPr>
-              <a:t>요구사항</a:t>
-            </a:r>
-            <a:endParaRPr lang="ko-KR" altLang="en-US" sz="4400" b="1">
-              <a:solidFill>
-                <a:srgbClr val="716767"/>
-              </a:solidFill>
-              <a:latin typeface="나눔고딕" charset="0"/>
-              <a:ea typeface="나눔고딕" charset="0"/>
-              <a:cs typeface="+mj-cs"/>
-            </a:endParaRPr>
-          </a:p>
-        </p:txBody>
-      </p:sp>
-      <p:sp>
-        <p:nvSpPr>
-          <p:cNvPr id="4" name="텍스트 상자 3"/>
-          <p:cNvSpPr txBox="1">
-            <a:spLocks/>
-          </p:cNvSpPr>
-          <p:nvPr/>
-        </p:nvSpPr>
-        <p:spPr>
-          <a:xfrm rot="0">
-            <a:off x="220980" y="2112645"/>
-            <a:ext cx="8713470" cy="3926840"/>
-          </a:xfrm>
-          <a:prstGeom prst="rect"/>
-        </p:spPr>
-        <p:txBody>
-          <a:bodyPr wrap="square" lIns="91440" tIns="45720" rIns="91440" bIns="45720" numCol="1" vert="horz" anchor="t">
-            <a:noAutofit/>
-          </a:bodyPr>
-          <a:lstStyle>
-            <a:lvl1pPr marL="0" indent="0" algn="ctr" defTabSz="508000">
-              <a:lnSpc>
-                <a:spcPct val="100000"/>
-              </a:lnSpc>
-              <a:spcBef>
-                <a:spcPts val="0"/>
-              </a:spcBef>
-              <a:spcAft>
-                <a:spcPts val="0"/>
-              </a:spcAft>
-              <a:buFontTx/>
-              <a:buNone/>
-              <a:defRPr lang="en-GB" altLang="en-US" sz="1800">
-                <a:solidFill>
-                  <a:schemeClr val="tx1">
-                    <a:tint val="75000"/>
-                  </a:schemeClr>
-                </a:solidFill>
-                <a:latin typeface="나눔고딕" charset="0"/>
-                <a:ea typeface="나눔고딕" charset="0"/>
-              </a:defRPr>
-            </a:lvl1pPr>
-            <a:lvl2pPr marL="457200" indent="0" algn="ctr" defTabSz="508000">
-              <a:lnSpc>
-                <a:spcPct val="100000"/>
-              </a:lnSpc>
-              <a:spcBef>
-                <a:spcPts val="0"/>
-              </a:spcBef>
-              <a:spcAft>
-                <a:spcPts val="0"/>
-              </a:spcAft>
-              <a:buFontTx/>
-              <a:buNone/>
-              <a:defRPr lang="en-GB" altLang="en-US" sz="1800">
-                <a:solidFill>
-                  <a:schemeClr val="tx1">
-                    <a:tint val="75000"/>
-                  </a:schemeClr>
-                </a:solidFill>
-                <a:latin typeface="Arial" charset="0"/>
-                <a:ea typeface="Arial" charset="0"/>
-              </a:defRPr>
-            </a:lvl2pPr>
-            <a:lvl3pPr marL="914400" indent="0" algn="ctr" defTabSz="508000">
-              <a:lnSpc>
-                <a:spcPct val="100000"/>
-              </a:lnSpc>
-              <a:spcBef>
-                <a:spcPts val="0"/>
-              </a:spcBef>
-              <a:spcAft>
-                <a:spcPts val="0"/>
-              </a:spcAft>
-              <a:buFontTx/>
-              <a:buNone/>
-              <a:defRPr lang="en-GB" altLang="en-US" sz="1800">
-                <a:solidFill>
-                  <a:schemeClr val="tx1">
-                    <a:tint val="75000"/>
-                  </a:schemeClr>
-                </a:solidFill>
-                <a:latin typeface="Arial" charset="0"/>
-                <a:ea typeface="Arial" charset="0"/>
-              </a:defRPr>
-            </a:lvl3pPr>
-            <a:lvl4pPr marL="1371600" indent="0" algn="ctr" defTabSz="508000">
-              <a:lnSpc>
-                <a:spcPct val="100000"/>
-              </a:lnSpc>
-              <a:spcBef>
-                <a:spcPts val="0"/>
-              </a:spcBef>
-              <a:spcAft>
-                <a:spcPts val="0"/>
-              </a:spcAft>
-              <a:buFontTx/>
-              <a:buNone/>
-              <a:defRPr lang="en-GB" altLang="en-US" sz="1800">
-                <a:solidFill>
-                  <a:schemeClr val="tx1">
-                    <a:tint val="75000"/>
-                  </a:schemeClr>
-                </a:solidFill>
-                <a:latin typeface="Arial" charset="0"/>
-                <a:ea typeface="Arial" charset="0"/>
-              </a:defRPr>
-            </a:lvl4pPr>
-            <a:lvl5pPr marL="1828800" indent="0" algn="ctr" defTabSz="508000">
-              <a:lnSpc>
-                <a:spcPct val="100000"/>
-              </a:lnSpc>
-              <a:spcBef>
-                <a:spcPts val="0"/>
-              </a:spcBef>
-              <a:spcAft>
-                <a:spcPts val="0"/>
-              </a:spcAft>
-              <a:buFontTx/>
-              <a:buNone/>
-              <a:defRPr lang="en-GB" altLang="en-US" sz="1800">
-                <a:solidFill>
-                  <a:schemeClr val="tx1">
-                    <a:tint val="75000"/>
-                  </a:schemeClr>
-                </a:solidFill>
-                <a:latin typeface="Arial" charset="0"/>
-                <a:ea typeface="Arial" charset="0"/>
-              </a:defRPr>
-            </a:lvl5pPr>
-            <a:lvl6pPr marL="2286000" indent="0" algn="ctr" defTabSz="508000">
-              <a:lnSpc>
-                <a:spcPct val="100000"/>
-              </a:lnSpc>
-              <a:spcBef>
-                <a:spcPts val="0"/>
-              </a:spcBef>
-              <a:spcAft>
-                <a:spcPts val="0"/>
-              </a:spcAft>
-              <a:buFontTx/>
-              <a:buNone/>
-              <a:defRPr lang="en-GB" altLang="en-US" sz="1800">
-                <a:solidFill>
-                  <a:schemeClr val="tx1">
-                    <a:tint val="75000"/>
-                  </a:schemeClr>
-                </a:solidFill>
-                <a:latin typeface="Arial" charset="0"/>
-                <a:ea typeface="Arial" charset="0"/>
-              </a:defRPr>
-            </a:lvl6pPr>
-            <a:lvl7pPr marL="2743200" indent="0" algn="ctr" defTabSz="508000">
-              <a:lnSpc>
-                <a:spcPct val="100000"/>
-              </a:lnSpc>
-              <a:spcBef>
-                <a:spcPts val="0"/>
-              </a:spcBef>
-              <a:spcAft>
-                <a:spcPts val="0"/>
-              </a:spcAft>
-              <a:buFontTx/>
-              <a:buNone/>
-              <a:defRPr lang="en-GB" altLang="en-US" sz="1800">
-                <a:solidFill>
-                  <a:schemeClr val="tx1">
-                    <a:tint val="75000"/>
-                  </a:schemeClr>
-                </a:solidFill>
-                <a:latin typeface="Arial" charset="0"/>
-                <a:ea typeface="Arial" charset="0"/>
-              </a:defRPr>
-            </a:lvl7pPr>
-            <a:lvl8pPr marL="3200400" indent="0" algn="ctr" defTabSz="508000">
-              <a:lnSpc>
-                <a:spcPct val="100000"/>
-              </a:lnSpc>
-              <a:spcBef>
-                <a:spcPts val="0"/>
-              </a:spcBef>
-              <a:spcAft>
-                <a:spcPts val="0"/>
-              </a:spcAft>
-              <a:buFontTx/>
-              <a:buNone/>
-              <a:defRPr lang="en-GB" altLang="en-US" sz="1800">
-                <a:solidFill>
-                  <a:schemeClr val="tx1">
-                    <a:tint val="75000"/>
-                  </a:schemeClr>
-                </a:solidFill>
-                <a:latin typeface="Arial" charset="0"/>
-                <a:ea typeface="Arial" charset="0"/>
-              </a:defRPr>
-            </a:lvl8pPr>
-            <a:lvl9pPr marL="3657600" indent="0" algn="ctr" defTabSz="508000">
-              <a:lnSpc>
-                <a:spcPct val="100000"/>
-              </a:lnSpc>
-              <a:spcBef>
-                <a:spcPts val="0"/>
-              </a:spcBef>
-              <a:spcAft>
-                <a:spcPts val="0"/>
-              </a:spcAft>
-              <a:buFontTx/>
-              <a:buNone/>
-              <a:defRPr lang="en-GB" altLang="en-US" sz="1800">
-                <a:solidFill>
-                  <a:schemeClr val="tx1">
-                    <a:tint val="75000"/>
-                  </a:schemeClr>
-                </a:solidFill>
-                <a:latin typeface="Arial" charset="0"/>
-                <a:ea typeface="Arial" charset="0"/>
-              </a:defRPr>
-            </a:lvl9pPr>
-          </a:lstStyle>
-          <a:p>
-            <a:pPr marL="0" indent="0" algn="l" defTabSz="914400" latinLnBrk="1">
-              <a:lnSpc>
-                <a:spcPct val="100000"/>
-              </a:lnSpc>
-              <a:spcBef>
-                <a:spcPts val="700"/>
-              </a:spcBef>
-              <a:spcAft>
-                <a:spcPts val="0"/>
-              </a:spcAft>
-              <a:buFontTx/>
-              <a:buNone/>
-            </a:pPr>
-            <a:r>
-              <a:rPr lang="en-US" altLang="ko-KR" sz="1800" b="1">
-                <a:solidFill>
-                  <a:schemeClr val="tx1">
-                    <a:tint val="75000"/>
-                  </a:schemeClr>
-                </a:solidFill>
-                <a:latin typeface="나눔고딕" charset="0"/>
-                <a:ea typeface="나눔고딕" charset="0"/>
-              </a:rPr>
-              <a:t>- 대여금액은 변동 가능 </a:t>
-            </a:r>
-            <a:endParaRPr lang="ko-KR" altLang="en-US" sz="1800" b="1">
-              <a:solidFill>
-                <a:schemeClr val="tx1">
-                  <a:tint val="75000"/>
-                </a:schemeClr>
-              </a:solidFill>
-              <a:latin typeface="나눔고딕" charset="0"/>
-              <a:ea typeface="나눔고딕" charset="0"/>
-            </a:endParaRPr>
-          </a:p>
-          <a:p>
-            <a:pPr marL="0" indent="0" algn="l" defTabSz="914400" latinLnBrk="1">
-              <a:lnSpc>
-                <a:spcPct val="100000"/>
-              </a:lnSpc>
-              <a:spcBef>
-                <a:spcPts val="700"/>
-              </a:spcBef>
-              <a:spcAft>
-                <a:spcPts val="0"/>
-              </a:spcAft>
-              <a:buFontTx/>
-              <a:buNone/>
-            </a:pPr>
-            <a:r>
-              <a:rPr lang="en-US" altLang="ko-KR" sz="1800" b="1">
-                <a:solidFill>
-                  <a:schemeClr val="tx1">
-                    <a:tint val="75000"/>
-                  </a:schemeClr>
-                </a:solidFill>
-                <a:latin typeface="나눔고딕" charset="0"/>
-                <a:ea typeface="나눔고딕" charset="0"/>
-              </a:rPr>
-              <a:t>- 연체시 연체료 발생, 연체금액 알림</a:t>
-            </a:r>
-            <a:endParaRPr lang="ko-KR" altLang="en-US" sz="1800" b="1">
-              <a:solidFill>
-                <a:schemeClr val="tx1">
-                  <a:tint val="75000"/>
-                </a:schemeClr>
-              </a:solidFill>
-              <a:latin typeface="나눔고딕" charset="0"/>
-              <a:ea typeface="나눔고딕" charset="0"/>
-            </a:endParaRPr>
-          </a:p>
-          <a:p>
-            <a:pPr marL="0" indent="0" algn="l" defTabSz="914400" latinLnBrk="1">
-              <a:lnSpc>
-                <a:spcPct val="100000"/>
-              </a:lnSpc>
-              <a:spcBef>
-                <a:spcPts val="700"/>
-              </a:spcBef>
-              <a:spcAft>
-                <a:spcPts val="0"/>
-              </a:spcAft>
-              <a:buFontTx/>
-              <a:buNone/>
-            </a:pPr>
-            <a:r>
-              <a:rPr lang="en-US" altLang="ko-KR" sz="1800" b="1">
-                <a:solidFill>
-                  <a:schemeClr val="tx1">
-                    <a:tint val="75000"/>
-                  </a:schemeClr>
-                </a:solidFill>
-                <a:latin typeface="나눔고딕" charset="0"/>
-                <a:ea typeface="나눔고딕" charset="0"/>
-              </a:rPr>
-              <a:t>- 대여기간은 추가금액 지불시 연장가능</a:t>
-            </a:r>
-            <a:endParaRPr lang="ko-KR" altLang="en-US" sz="1800" b="1">
-              <a:solidFill>
-                <a:schemeClr val="tx1">
-                  <a:tint val="75000"/>
-                </a:schemeClr>
-              </a:solidFill>
-              <a:latin typeface="나눔고딕" charset="0"/>
-              <a:ea typeface="나눔고딕" charset="0"/>
-            </a:endParaRPr>
-          </a:p>
-          <a:p>
-            <a:pPr marL="0" indent="0" algn="l" defTabSz="914400" latinLnBrk="1">
-              <a:lnSpc>
-                <a:spcPct val="100000"/>
-              </a:lnSpc>
-              <a:spcBef>
-                <a:spcPts val="700"/>
-              </a:spcBef>
-              <a:spcAft>
-                <a:spcPts val="0"/>
-              </a:spcAft>
-              <a:buFontTx/>
-              <a:buNone/>
-            </a:pPr>
-            <a:r>
-              <a:rPr lang="en-US" altLang="ko-KR" sz="1800" b="1">
-                <a:solidFill>
-                  <a:schemeClr val="tx1">
-                    <a:tint val="75000"/>
-                  </a:schemeClr>
-                </a:solidFill>
-                <a:latin typeface="나눔고딕" charset="0"/>
-                <a:ea typeface="나눔고딕" charset="0"/>
-              </a:rPr>
-              <a:t>- 차량의 대여여부 표시</a:t>
-            </a:r>
-            <a:endParaRPr lang="ko-KR" altLang="en-US" sz="1800" b="1">
-              <a:solidFill>
-                <a:schemeClr val="tx1">
-                  <a:tint val="75000"/>
-                </a:schemeClr>
-              </a:solidFill>
-              <a:latin typeface="나눔고딕" charset="0"/>
-              <a:ea typeface="나눔고딕" charset="0"/>
-            </a:endParaRPr>
-          </a:p>
-          <a:p>
-            <a:pPr marL="0" indent="0" algn="l" defTabSz="914400" latinLnBrk="1">
-              <a:lnSpc>
-                <a:spcPct val="100000"/>
-              </a:lnSpc>
-              <a:spcBef>
-                <a:spcPts val="700"/>
-              </a:spcBef>
-              <a:spcAft>
-                <a:spcPts val="0"/>
-              </a:spcAft>
-              <a:buFontTx/>
-              <a:buNone/>
-            </a:pPr>
-            <a:r>
-              <a:rPr lang="en-US" altLang="ko-KR" sz="1800" b="1">
-                <a:solidFill>
-                  <a:schemeClr val="tx1">
-                    <a:tint val="75000"/>
-                  </a:schemeClr>
-                </a:solidFill>
-                <a:latin typeface="나눔고딕" charset="0"/>
-                <a:ea typeface="나눔고딕" charset="0"/>
-              </a:rPr>
-              <a:t>- 새로운 차량 추가 가능</a:t>
-            </a:r>
-            <a:endParaRPr lang="ko-KR" altLang="en-US" sz="1800" b="1">
-              <a:solidFill>
-                <a:schemeClr val="tx1">
-                  <a:tint val="75000"/>
-                </a:schemeClr>
-              </a:solidFill>
-              <a:latin typeface="나눔고딕" charset="0"/>
-              <a:ea typeface="나눔고딕" charset="0"/>
-            </a:endParaRPr>
-          </a:p>
-          <a:p>
-            <a:pPr marL="0" indent="0" algn="l" defTabSz="914400" latinLnBrk="1">
-              <a:lnSpc>
-                <a:spcPct val="100000"/>
-              </a:lnSpc>
-              <a:spcBef>
-                <a:spcPts val="700"/>
-              </a:spcBef>
-              <a:spcAft>
-                <a:spcPts val="0"/>
-              </a:spcAft>
-              <a:buFontTx/>
-              <a:buNone/>
-            </a:pPr>
-            <a:r>
-              <a:rPr sz="1700" b="1">
-                <a:solidFill>
-                  <a:schemeClr val="tx1">
-                    <a:tint val="75000"/>
-                  </a:schemeClr>
-                </a:solidFill>
-                <a:latin typeface="나눔고딕" charset="0"/>
-                <a:ea typeface="나눔고딕" charset="0"/>
-              </a:rPr>
-              <a:t>- 차량 등록 화면은 차량번호, 차종, 대여가능여부,대여 횟수, 대여비용, 보유지점 표시</a:t>
-            </a:r>
-            <a:endParaRPr lang="ko-KR" altLang="en-US" sz="1700" b="1">
-              <a:solidFill>
-                <a:schemeClr val="tx1">
-                  <a:tint val="75000"/>
-                </a:schemeClr>
-              </a:solidFill>
-              <a:latin typeface="나눔고딕" charset="0"/>
-              <a:ea typeface="나눔고딕" charset="0"/>
-            </a:endParaRPr>
-          </a:p>
-          <a:p>
-            <a:pPr marL="0" indent="0" algn="l" defTabSz="914400" latinLnBrk="1">
-              <a:lnSpc>
-                <a:spcPct val="100000"/>
-              </a:lnSpc>
-              <a:spcBef>
-                <a:spcPts val="700"/>
-              </a:spcBef>
-              <a:spcAft>
-                <a:spcPts val="0"/>
-              </a:spcAft>
-              <a:buFontTx/>
-              <a:buNone/>
-            </a:pPr>
-            <a:r>
-              <a:rPr lang="en-US" altLang="ko-KR" sz="1800" b="1">
-                <a:solidFill>
-                  <a:schemeClr val="tx1">
-                    <a:tint val="75000"/>
-                  </a:schemeClr>
-                </a:solidFill>
-                <a:latin typeface="나눔고딕" charset="0"/>
-                <a:ea typeface="나눔고딕" charset="0"/>
-              </a:rPr>
-              <a:t>- 문의 게시판</a:t>
-            </a:r>
-            <a:endParaRPr lang="ko-KR" altLang="en-US" sz="1800" b="1">
-              <a:solidFill>
-                <a:schemeClr val="tx1">
-                  <a:tint val="75000"/>
-                </a:schemeClr>
-              </a:solidFill>
-              <a:latin typeface="나눔고딕" charset="0"/>
-              <a:ea typeface="나눔고딕" charset="0"/>
-            </a:endParaRPr>
-          </a:p>
-          <a:p>
-            <a:pPr marL="0" indent="0" algn="l" defTabSz="914400" latinLnBrk="1">
-              <a:lnSpc>
-                <a:spcPct val="100000"/>
-              </a:lnSpc>
-              <a:spcBef>
-                <a:spcPts val="700"/>
-              </a:spcBef>
-              <a:spcAft>
-                <a:spcPts val="0"/>
-              </a:spcAft>
-              <a:buFontTx/>
-              <a:buNone/>
-            </a:pPr>
-            <a:r>
-              <a:rPr lang="en-US" altLang="ko-KR" sz="1800" b="1">
-                <a:solidFill>
-                  <a:schemeClr val="tx1">
-                    <a:tint val="75000"/>
-                  </a:schemeClr>
-                </a:solidFill>
-                <a:latin typeface="나눔고딕" charset="0"/>
-                <a:ea typeface="나눔고딕" charset="0"/>
-              </a:rPr>
-              <a:t>- 문의게시판에 답글은 관리자만 작성</a:t>
-            </a:r>
-            <a:endParaRPr lang="ko-KR" altLang="en-US" sz="1800" b="1">
-              <a:solidFill>
-                <a:schemeClr val="tx1">
-                  <a:tint val="75000"/>
-                </a:schemeClr>
-              </a:solidFill>
-              <a:latin typeface="나눔고딕" charset="0"/>
-              <a:ea typeface="나눔고딕" charset="0"/>
-            </a:endParaRPr>
-          </a:p>
-          <a:p>
-            <a:pPr marL="0" indent="0" algn="l" defTabSz="914400" latinLnBrk="1">
-              <a:lnSpc>
-                <a:spcPct val="100000"/>
-              </a:lnSpc>
-              <a:spcBef>
-                <a:spcPts val="700"/>
-              </a:spcBef>
-              <a:spcAft>
-                <a:spcPts val="0"/>
-              </a:spcAft>
-              <a:buFontTx/>
-              <a:buNone/>
-            </a:pPr>
-            <a:r>
-              <a:rPr lang="en-US" altLang="ko-KR" sz="1800" b="1">
-                <a:solidFill>
-                  <a:schemeClr val="tx1">
-                    <a:tint val="75000"/>
-                  </a:schemeClr>
-                </a:solidFill>
-                <a:latin typeface="나눔고딕" charset="0"/>
-                <a:ea typeface="나눔고딕" charset="0"/>
-              </a:rPr>
-              <a:t>- 예약화면은 차량번호, 대여비용, 보유지점, 탑승인원, 연료종류, 예약기간, 예상금액 표시</a:t>
-            </a:r>
-            <a:endParaRPr lang="ko-KR" altLang="en-US" sz="1800" b="1">
-              <a:solidFill>
-                <a:schemeClr val="tx1">
-                  <a:tint val="75000"/>
-                </a:schemeClr>
-              </a:solidFill>
-              <a:latin typeface="나눔고딕" charset="0"/>
-              <a:ea typeface="나눔고딕" charset="0"/>
-            </a:endParaRPr>
-          </a:p>
-          <a:p>
-            <a:pPr marL="0" indent="0" algn="l" defTabSz="914400" latinLnBrk="1">
-              <a:lnSpc>
-                <a:spcPct val="100000"/>
-              </a:lnSpc>
-              <a:spcBef>
-                <a:spcPts val="700"/>
-              </a:spcBef>
-              <a:spcAft>
-                <a:spcPts val="0"/>
-              </a:spcAft>
-              <a:buFontTx/>
-              <a:buNone/>
-            </a:pPr>
-            <a:endParaRPr lang="ko-KR" altLang="en-US" sz="1800" b="1">
-              <a:solidFill>
-                <a:schemeClr val="tx1">
-                  <a:tint val="75000"/>
-                </a:schemeClr>
-              </a:solidFill>
-              <a:latin typeface="나눔고딕" charset="0"/>
-              <a:ea typeface="나눔고딕" charset="0"/>
-            </a:endParaRPr>
-          </a:p>
-        </p:txBody>
-      </p:sp>
-    </p:spTree>
-  </p:cSld>
-  <p:clrMapOvr>
-    <a:masterClrMapping/>
-  </p:clrMapOvr>
-  <mc:AlternateContent xmlns:mc="http://schemas.openxmlformats.org/markup-compatibility/2006">
-    <mc:Choice xmlns:p14="http://schemas.microsoft.com/office/powerpoint/2010/main" Requires="p14">
-      <p:transition spd="slow" p14:dur="2000"/>
-    </mc:Choice>
-    <mc:Fallback>
-      <p:transition spd="slow"/>
-    </mc:Fallback>
-  </mc:AlternateContent>
-  <p:timing>
-    <p:tnLst>
-      <p:par>
-        <p:cTn id="1" dur="indefinite" restart="never" nodeType="tmRoot"/>
-      </p:par>
-    </p:tnLst>
-  </p:timing>
-</p:sld>
-</file>
-
-<file path=ppt/slides/slide30.xml><?xml version="1.0" encoding="utf-8"?>
+<file path=ppt/slides/slide31.xml><?xml version="1.0" encoding="utf-8"?>
 <p:sld xmlns:a="http://schemas.openxmlformats.org/drawingml/2006/main" xmlns:r="http://schemas.openxmlformats.org/officeDocument/2006/relationships" xmlns:p="http://schemas.openxmlformats.org/presentationml/2006/main" xmlns:p14="http://schemas.microsoft.com/office/powerpoint/2010/main">
   <p:cSld>
     <p:spTree>
@@ -10123,6 +10267,39 @@
           </a:fontRef>
         </p:style>
       </p:cxnSp>
+      <p:cxnSp>
+        <p:nvCxnSpPr>
+          <p:cNvPr id="33" name="도형 32"/>
+          <p:cNvCxnSpPr/>
+          <p:nvPr/>
+        </p:nvCxnSpPr>
+        <p:spPr>
+          <a:xfrm rot="0">
+            <a:off x="4306570" y="3719830"/>
+            <a:ext cx="18415" cy="95250"/>
+          </a:xfrm>
+          <a:prstGeom prst="line"/>
+          <a:ln w="25400" cap="flat" cmpd="sng">
+            <a:prstDash/>
+            <a:headEnd type="none" w="med" len="med"/>
+            <a:tailEnd type="none" w="med" len="med"/>
+          </a:ln>
+        </p:spPr>
+        <p:style>
+          <a:lnRef idx="2">
+            <a:schemeClr val="dk1"/>
+          </a:lnRef>
+          <a:fillRef idx="0">
+            <a:schemeClr val="dk1"/>
+          </a:fillRef>
+          <a:effectRef idx="1">
+            <a:schemeClr val="dk1"/>
+          </a:effectRef>
+          <a:fontRef idx="minor">
+            <a:schemeClr val="tx1"/>
+          </a:fontRef>
+        </p:style>
+      </p:cxnSp>
     </p:spTree>
   </p:cSld>
   <p:clrMapOvr>
@@ -10146,7 +10323,7 @@
 </p:sld>
 </file>
 
-<file path=ppt/slides/slide31.xml><?xml version="1.0" encoding="utf-8"?>
+<file path=ppt/slides/slide32.xml><?xml version="1.0" encoding="utf-8"?>
 <p:sld xmlns:a="http://schemas.openxmlformats.org/drawingml/2006/main" xmlns:r="http://schemas.openxmlformats.org/officeDocument/2006/relationships" xmlns:p="http://schemas.openxmlformats.org/presentationml/2006/main" xmlns:p14="http://schemas.microsoft.com/office/powerpoint/2010/main">
   <p:cSld>
     <p:spTree>
@@ -10261,7 +10438,7 @@
 </p:sld>
 </file>
 
-<file path=ppt/slides/slide32.xml><?xml version="1.0" encoding="utf-8"?>
+<file path=ppt/slides/slide33.xml><?xml version="1.0" encoding="utf-8"?>
 <p:sld xmlns:a="http://schemas.openxmlformats.org/drawingml/2006/main" xmlns:r="http://schemas.openxmlformats.org/officeDocument/2006/relationships" xmlns:p="http://schemas.openxmlformats.org/presentationml/2006/main" xmlns:p14="http://schemas.microsoft.com/office/powerpoint/2010/main">
   <p:cSld>
     <p:spTree>
@@ -10451,16 +10628,215 @@
         </p:nvSpPr>
         <p:spPr>
           <a:xfrm rot="0">
-            <a:off x="195580" y="1949450"/>
-            <a:ext cx="8752840" cy="3789680"/>
+            <a:off x="220980" y="2112645"/>
+            <a:ext cx="8714105" cy="4585335"/>
           </a:xfrm>
           <a:prstGeom prst="rect"/>
         </p:spPr>
         <p:txBody>
-          <a:bodyPr wrap="square" lIns="91440" tIns="45720" rIns="91440" bIns="45720" vert="horz" anchor="t">
+          <a:bodyPr wrap="square" lIns="91440" tIns="45720" rIns="91440" bIns="45720" numCol="1" vert="horz" anchor="t">
             <a:noAutofit/>
           </a:bodyPr>
-          <a:lstStyle/>
+          <a:lstStyle>
+            <a:lvl1pPr marL="0" indent="0" algn="ctr" defTabSz="508000">
+              <a:lnSpc>
+                <a:spcPct val="100000"/>
+              </a:lnSpc>
+              <a:spcBef>
+                <a:spcPts val="0"/>
+              </a:spcBef>
+              <a:spcAft>
+                <a:spcPts val="0"/>
+              </a:spcAft>
+              <a:buFontTx/>
+              <a:buNone/>
+              <a:defRPr lang="en-GB" altLang="en-US" sz="1800">
+                <a:solidFill>
+                  <a:schemeClr val="tx1">
+                    <a:tint val="75000"/>
+                  </a:schemeClr>
+                </a:solidFill>
+                <a:latin typeface="나눔고딕" charset="0"/>
+                <a:ea typeface="나눔고딕" charset="0"/>
+              </a:defRPr>
+            </a:lvl1pPr>
+            <a:lvl2pPr marL="457200" indent="0" algn="ctr" defTabSz="508000">
+              <a:lnSpc>
+                <a:spcPct val="100000"/>
+              </a:lnSpc>
+              <a:spcBef>
+                <a:spcPts val="0"/>
+              </a:spcBef>
+              <a:spcAft>
+                <a:spcPts val="0"/>
+              </a:spcAft>
+              <a:buFontTx/>
+              <a:buNone/>
+              <a:defRPr lang="en-GB" altLang="en-US" sz="1800">
+                <a:solidFill>
+                  <a:schemeClr val="tx1">
+                    <a:tint val="75000"/>
+                  </a:schemeClr>
+                </a:solidFill>
+                <a:latin typeface="Arial" charset="0"/>
+                <a:ea typeface="Arial" charset="0"/>
+              </a:defRPr>
+            </a:lvl2pPr>
+            <a:lvl3pPr marL="914400" indent="0" algn="ctr" defTabSz="508000">
+              <a:lnSpc>
+                <a:spcPct val="100000"/>
+              </a:lnSpc>
+              <a:spcBef>
+                <a:spcPts val="0"/>
+              </a:spcBef>
+              <a:spcAft>
+                <a:spcPts val="0"/>
+              </a:spcAft>
+              <a:buFontTx/>
+              <a:buNone/>
+              <a:defRPr lang="en-GB" altLang="en-US" sz="1800">
+                <a:solidFill>
+                  <a:schemeClr val="tx1">
+                    <a:tint val="75000"/>
+                  </a:schemeClr>
+                </a:solidFill>
+                <a:latin typeface="Arial" charset="0"/>
+                <a:ea typeface="Arial" charset="0"/>
+              </a:defRPr>
+            </a:lvl3pPr>
+            <a:lvl4pPr marL="1371600" indent="0" algn="ctr" defTabSz="508000">
+              <a:lnSpc>
+                <a:spcPct val="100000"/>
+              </a:lnSpc>
+              <a:spcBef>
+                <a:spcPts val="0"/>
+              </a:spcBef>
+              <a:spcAft>
+                <a:spcPts val="0"/>
+              </a:spcAft>
+              <a:buFontTx/>
+              <a:buNone/>
+              <a:defRPr lang="en-GB" altLang="en-US" sz="1800">
+                <a:solidFill>
+                  <a:schemeClr val="tx1">
+                    <a:tint val="75000"/>
+                  </a:schemeClr>
+                </a:solidFill>
+                <a:latin typeface="Arial" charset="0"/>
+                <a:ea typeface="Arial" charset="0"/>
+              </a:defRPr>
+            </a:lvl4pPr>
+            <a:lvl5pPr marL="1828800" indent="0" algn="ctr" defTabSz="508000">
+              <a:lnSpc>
+                <a:spcPct val="100000"/>
+              </a:lnSpc>
+              <a:spcBef>
+                <a:spcPts val="0"/>
+              </a:spcBef>
+              <a:spcAft>
+                <a:spcPts val="0"/>
+              </a:spcAft>
+              <a:buFontTx/>
+              <a:buNone/>
+              <a:defRPr lang="en-GB" altLang="en-US" sz="1800">
+                <a:solidFill>
+                  <a:schemeClr val="tx1">
+                    <a:tint val="75000"/>
+                  </a:schemeClr>
+                </a:solidFill>
+                <a:latin typeface="Arial" charset="0"/>
+                <a:ea typeface="Arial" charset="0"/>
+              </a:defRPr>
+            </a:lvl5pPr>
+            <a:lvl6pPr marL="2286000" indent="0" algn="ctr" defTabSz="508000">
+              <a:lnSpc>
+                <a:spcPct val="100000"/>
+              </a:lnSpc>
+              <a:spcBef>
+                <a:spcPts val="0"/>
+              </a:spcBef>
+              <a:spcAft>
+                <a:spcPts val="0"/>
+              </a:spcAft>
+              <a:buFontTx/>
+              <a:buNone/>
+              <a:defRPr lang="en-GB" altLang="en-US" sz="1800">
+                <a:solidFill>
+                  <a:schemeClr val="tx1">
+                    <a:tint val="75000"/>
+                  </a:schemeClr>
+                </a:solidFill>
+                <a:latin typeface="Arial" charset="0"/>
+                <a:ea typeface="Arial" charset="0"/>
+              </a:defRPr>
+            </a:lvl6pPr>
+            <a:lvl7pPr marL="2743200" indent="0" algn="ctr" defTabSz="508000">
+              <a:lnSpc>
+                <a:spcPct val="100000"/>
+              </a:lnSpc>
+              <a:spcBef>
+                <a:spcPts val="0"/>
+              </a:spcBef>
+              <a:spcAft>
+                <a:spcPts val="0"/>
+              </a:spcAft>
+              <a:buFontTx/>
+              <a:buNone/>
+              <a:defRPr lang="en-GB" altLang="en-US" sz="1800">
+                <a:solidFill>
+                  <a:schemeClr val="tx1">
+                    <a:tint val="75000"/>
+                  </a:schemeClr>
+                </a:solidFill>
+                <a:latin typeface="Arial" charset="0"/>
+                <a:ea typeface="Arial" charset="0"/>
+              </a:defRPr>
+            </a:lvl7pPr>
+            <a:lvl8pPr marL="3200400" indent="0" algn="ctr" defTabSz="508000">
+              <a:lnSpc>
+                <a:spcPct val="100000"/>
+              </a:lnSpc>
+              <a:spcBef>
+                <a:spcPts val="0"/>
+              </a:spcBef>
+              <a:spcAft>
+                <a:spcPts val="0"/>
+              </a:spcAft>
+              <a:buFontTx/>
+              <a:buNone/>
+              <a:defRPr lang="en-GB" altLang="en-US" sz="1800">
+                <a:solidFill>
+                  <a:schemeClr val="tx1">
+                    <a:tint val="75000"/>
+                  </a:schemeClr>
+                </a:solidFill>
+                <a:latin typeface="Arial" charset="0"/>
+                <a:ea typeface="Arial" charset="0"/>
+              </a:defRPr>
+            </a:lvl8pPr>
+            <a:lvl9pPr marL="3657600" indent="0" algn="ctr" defTabSz="508000">
+              <a:lnSpc>
+                <a:spcPct val="100000"/>
+              </a:lnSpc>
+              <a:spcBef>
+                <a:spcPts val="0"/>
+              </a:spcBef>
+              <a:spcAft>
+                <a:spcPts val="0"/>
+              </a:spcAft>
+              <a:buFontTx/>
+              <a:buNone/>
+              <a:defRPr lang="en-GB" altLang="en-US" sz="1800">
+                <a:solidFill>
+                  <a:schemeClr val="tx1">
+                    <a:tint val="75000"/>
+                  </a:schemeClr>
+                </a:solidFill>
+                <a:latin typeface="Arial" charset="0"/>
+                <a:ea typeface="Arial" charset="0"/>
+              </a:defRPr>
+            </a:lvl9pPr>
+          </a:lstStyle>
           <a:p>
             <a:pPr marL="0" indent="0" algn="l" defTabSz="914400" latinLnBrk="1">
               <a:lnSpc>
@@ -10476,7 +10852,7 @@
               <a:buNone/>
             </a:pPr>
             <a:r>
-              <a:rPr sz="1800" b="1">
+              <a:rPr lang="en-US" altLang="ko-KR" sz="1800" b="1">
                 <a:solidFill>
                   <a:schemeClr val="tx1">
                     <a:tint val="75000"/>
@@ -10512,7 +10888,7 @@
               <a:buNone/>
             </a:pPr>
             <a:r>
-              <a:rPr sz="1800" b="1">
+              <a:rPr lang="en-US" altLang="ko-KR" sz="1800" b="1">
                 <a:solidFill>
                   <a:schemeClr val="tx1">
                     <a:tint val="75000"/>
@@ -10521,7 +10897,7 @@
                 <a:latin typeface="나눔고딕" charset="0"/>
                 <a:ea typeface="나눔고딕" charset="0"/>
               </a:rPr>
-              <a:t>- 관리자는 차량을 추가할 수 있어야 한다.</a:t>
+              <a:t>- 로그인을 하지 않으면 사이트를 이용할 수 없다.</a:t>
             </a:r>
             <a:endParaRPr lang="ko-KR" altLang="en-US" sz="1800" b="1">
               <a:solidFill>
@@ -10548,7 +10924,7 @@
               <a:buNone/>
             </a:pPr>
             <a:r>
-              <a:rPr sz="1800" b="1">
+              <a:rPr lang="en-US" altLang="ko-KR" sz="1800" b="1">
                 <a:solidFill>
                   <a:schemeClr val="tx1">
                     <a:tint val="75000"/>
@@ -10557,7 +10933,7 @@
                 <a:latin typeface="나눔고딕" charset="0"/>
                 <a:ea typeface="나눔고딕" charset="0"/>
               </a:rPr>
-              <a:t>- 관리자는 모든 차량을 확인할 수 있어야 한다.</a:t>
+              <a:t>- 가입되어있지 않은 회원의 경우, 회원가입창을 출력한다.</a:t>
             </a:r>
             <a:endParaRPr lang="ko-KR" altLang="en-US" sz="1800" b="1">
               <a:solidFill>
@@ -10584,7 +10960,7 @@
               <a:buNone/>
             </a:pPr>
             <a:r>
-              <a:rPr sz="1800" b="1">
+              <a:rPr sz="1700" b="1">
                 <a:solidFill>
                   <a:schemeClr val="tx1">
                     <a:tint val="75000"/>
@@ -10593,7 +10969,43 @@
                 <a:latin typeface="나눔고딕" charset="0"/>
                 <a:ea typeface="나눔고딕" charset="0"/>
               </a:rPr>
-              <a:t>- 관리자는 차량의 모든 상세정보를 확인할 수 있어야 한다.</a:t>
+              <a:t>- 회원가입시 아이디, 비밀번호, 이름, 연락처, 면허증번호, 면허유효기간을 작성한다.</a:t>
+            </a:r>
+            <a:endParaRPr lang="ko-KR" altLang="en-US" sz="1700" b="1">
+              <a:solidFill>
+                <a:schemeClr val="tx1">
+                  <a:tint val="75000"/>
+                </a:schemeClr>
+              </a:solidFill>
+              <a:latin typeface="나눔고딕" charset="0"/>
+              <a:ea typeface="나눔고딕" charset="0"/>
+            </a:endParaRPr>
+          </a:p>
+          <a:p>
+            <a:pPr marL="0" indent="0" algn="l" defTabSz="914400" latinLnBrk="1">
+              <a:lnSpc>
+                <a:spcPct val="100000"/>
+              </a:lnSpc>
+              <a:spcBef>
+                <a:spcPts val="700"/>
+              </a:spcBef>
+              <a:spcAft>
+                <a:spcPts val="0"/>
+              </a:spcAft>
+              <a:buFontTx/>
+              <a:buNone/>
+            </a:pPr>
+            <a:r>
+              <a:rPr lang="en-US" altLang="ko-KR" sz="1800" b="1">
+                <a:solidFill>
+                  <a:schemeClr val="tx1">
+                    <a:tint val="75000"/>
+                  </a:schemeClr>
+                </a:solidFill>
+                <a:latin typeface="나눔고딕" charset="0"/>
+                <a:ea typeface="나눔고딕" charset="0"/>
+              </a:rPr>
+              <a:t>- 면허의 유효기간이 6개월 이상 남은 회원만 대여가 가능하다.</a:t>
             </a:r>
             <a:endParaRPr lang="ko-KR" altLang="en-US" sz="1800" b="1">
               <a:solidFill>
@@ -10620,7 +11032,7 @@
               <a:buNone/>
             </a:pPr>
             <a:r>
-              <a:rPr sz="1800" b="1">
+              <a:rPr lang="en-US" altLang="ko-KR" sz="1800" b="1">
                 <a:solidFill>
                   <a:schemeClr val="tx1">
                     <a:tint val="75000"/>
@@ -10629,7 +11041,7 @@
                 <a:latin typeface="나눔고딕" charset="0"/>
                 <a:ea typeface="나눔고딕" charset="0"/>
               </a:rPr>
-              <a:t>- 관리자는 차량을 삭제할 수 있어야 한다.</a:t>
+              <a:t>- 회원의 경우 메뉴화면에 차량리스트, 내 차량, 문의하기가 표시되어야한다.</a:t>
             </a:r>
             <a:endParaRPr lang="ko-KR" altLang="en-US" sz="1800" b="1">
               <a:solidFill>
@@ -10656,7 +11068,7 @@
               <a:buNone/>
             </a:pPr>
             <a:r>
-              <a:rPr sz="1800" b="1">
+              <a:rPr lang="en-US" altLang="ko-KR" sz="1800" b="1">
                 <a:solidFill>
                   <a:schemeClr val="tx1">
                     <a:tint val="75000"/>
@@ -10665,7 +11077,7 @@
                 <a:latin typeface="나눔고딕" charset="0"/>
                 <a:ea typeface="나눔고딕" charset="0"/>
               </a:rPr>
-              <a:t>- 관리자는 회원정보를 관리할 수 있어야 한다.</a:t>
+              <a:t>- 관리자의 경우 메뉴 화면에 차량리스트, 내 차량, 문의하기, 차량관리, 회원관리가 표시되어야한다.</a:t>
             </a:r>
             <a:endParaRPr lang="ko-KR" altLang="en-US" sz="1800" b="1">
               <a:solidFill>
@@ -10692,7 +11104,7 @@
               <a:buNone/>
             </a:pPr>
             <a:r>
-              <a:rPr sz="1800" b="1">
+              <a:rPr lang="en-US" altLang="ko-KR" sz="1800" b="1">
                 <a:solidFill>
                   <a:schemeClr val="tx1">
                     <a:tint val="75000"/>
@@ -10701,7 +11113,7 @@
                 <a:latin typeface="나눔고딕" charset="0"/>
                 <a:ea typeface="나눔고딕" charset="0"/>
               </a:rPr>
-              <a:t>- 관리자는 회원정보를 수정할 수 있어야 한다.</a:t>
+              <a:t>- 차량은 모델명을 가나다순, ABC순으로 정렬하고, 한글을 우선적으로 정렬한다.</a:t>
             </a:r>
             <a:endParaRPr lang="ko-KR" altLang="en-US" sz="1800" b="1">
               <a:solidFill>
@@ -10728,7 +11140,7 @@
               <a:buNone/>
             </a:pPr>
             <a:r>
-              <a:rPr sz="1800" b="1">
+              <a:rPr lang="en-US" altLang="ko-KR" sz="1800" b="1">
                 <a:solidFill>
                   <a:schemeClr val="tx1">
                     <a:tint val="75000"/>
@@ -10737,7 +11149,7 @@
                 <a:latin typeface="나눔고딕" charset="0"/>
                 <a:ea typeface="나눔고딕" charset="0"/>
               </a:rPr>
-              <a:t>- 관리자는 회원정보를 삭제할 수 있어야 한다.</a:t>
+              <a:t>- 차량을 클릭하면 상세내용을 확인하는 화면을 출력한다.</a:t>
             </a:r>
             <a:endParaRPr lang="ko-KR" altLang="en-US" sz="1800" b="1">
               <a:solidFill>
@@ -10764,7 +11176,7 @@
               <a:buNone/>
             </a:pPr>
             <a:r>
-              <a:rPr sz="1800" b="1">
+              <a:rPr lang="en-US" altLang="ko-KR" sz="1800" b="1">
                 <a:solidFill>
                   <a:schemeClr val="tx1">
                     <a:tint val="75000"/>
@@ -10773,7 +11185,7 @@
                 <a:latin typeface="나눔고딕" charset="0"/>
                 <a:ea typeface="나눔고딕" charset="0"/>
               </a:rPr>
-              <a:t>- 관리자는 회원의 문의에 답변할 수 있어야 한다.</a:t>
+              <a:t>- 상세내용에는 차량번호, 대여비용, 보유지점, 탑승인원, 연료종류, 예약기간을 표시한다.</a:t>
             </a:r>
             <a:endParaRPr lang="ko-KR" altLang="en-US" sz="1800" b="1">
               <a:solidFill>
@@ -10799,18 +11211,6 @@
               <a:buFontTx/>
               <a:buNone/>
             </a:pPr>
-            <a:r>
-              <a:rPr sz="1800" b="1">
-                <a:solidFill>
-                  <a:schemeClr val="tx1">
-                    <a:tint val="75000"/>
-                  </a:schemeClr>
-                </a:solidFill>
-                <a:latin typeface="나눔고딕" charset="0"/>
-                <a:ea typeface="나눔고딕" charset="0"/>
-              </a:rPr>
-              <a:t>- 관리자는 회원의 문의를 삭제할 수 있어야 한다.</a:t>
-            </a:r>
             <a:endParaRPr lang="ko-KR" altLang="en-US" sz="1800" b="1">
               <a:solidFill>
                 <a:schemeClr val="tx1">
@@ -10973,13 +11373,14 @@
         </p:nvSpPr>
         <p:spPr>
           <a:xfrm rot="0">
-            <a:off x="195580" y="1916430"/>
-            <a:ext cx="8752840" cy="3789680"/>
+            <a:off x="372745" y="1938020"/>
+            <a:ext cx="8536305" cy="4577715"/>
           </a:xfrm>
           <a:prstGeom prst="rect"/>
+          <a:noFill/>
         </p:spPr>
         <p:txBody>
-          <a:bodyPr wrap="square" lIns="91440" tIns="45720" rIns="91440" bIns="45720" vert="horz" anchor="t">
+          <a:bodyPr wrap="square" lIns="0" tIns="0" rIns="0" bIns="0" vert="horz" anchor="t">
             <a:noAutofit/>
           </a:bodyPr>
           <a:lstStyle/>
@@ -10998,7 +11399,7 @@
               <a:buNone/>
             </a:pPr>
             <a:r>
-              <a:rPr sz="1800" b="1">
+              <a:rPr lang="en-US" altLang="ko-KR" sz="1800" b="1">
                 <a:solidFill>
                   <a:schemeClr val="tx1">
                     <a:tint val="75000"/>
@@ -11007,7 +11408,7 @@
                 <a:latin typeface="나눔고딕" charset="0"/>
                 <a:ea typeface="나눔고딕" charset="0"/>
               </a:rPr>
-              <a:t>- 사용자는 회원가입을 할 수 있어야 한다.</a:t>
+              <a:t>- 차량의 대여금액은 선지불해야한다.</a:t>
             </a:r>
             <a:endParaRPr lang="ko-KR" altLang="en-US" sz="1800" b="1">
               <a:solidFill>
@@ -11034,7 +11435,7 @@
               <a:buNone/>
             </a:pPr>
             <a:r>
-              <a:rPr sz="1800" b="1">
+              <a:rPr lang="en-US" altLang="ko-KR" sz="1800" b="1">
                 <a:solidFill>
                   <a:schemeClr val="tx1">
                     <a:tint val="75000"/>
@@ -11043,7 +11444,7 @@
                 <a:latin typeface="나눔고딕" charset="0"/>
                 <a:ea typeface="나눔고딕" charset="0"/>
               </a:rPr>
-              <a:t>- 사용자는 로그인이 가능해야 한다.</a:t>
+              <a:t>- 대여금액은 빌리는 기간(일단위)으로 측정된다.</a:t>
             </a:r>
             <a:endParaRPr lang="ko-KR" altLang="en-US" sz="1800" b="1">
               <a:solidFill>
@@ -11070,7 +11471,7 @@
               <a:buNone/>
             </a:pPr>
             <a:r>
-              <a:rPr sz="1800" b="1">
+              <a:rPr lang="en-US" altLang="ko-KR" sz="1800" b="1">
                 <a:solidFill>
                   <a:schemeClr val="tx1">
                     <a:tint val="75000"/>
@@ -11079,7 +11480,7 @@
                 <a:latin typeface="나눔고딕" charset="0"/>
                 <a:ea typeface="나눔고딕" charset="0"/>
               </a:rPr>
-              <a:t>- 로그인된 회원만 서비스를 이용할 수 있다.</a:t>
+              <a:t>- 대여금액은 수정이 가능해야한다.</a:t>
             </a:r>
             <a:endParaRPr lang="ko-KR" altLang="en-US" sz="1800" b="1">
               <a:solidFill>
@@ -11106,7 +11507,7 @@
               <a:buNone/>
             </a:pPr>
             <a:r>
-              <a:rPr sz="1800" b="1">
+              <a:rPr lang="en-US" altLang="ko-KR" sz="1800" b="1">
                 <a:solidFill>
                   <a:schemeClr val="tx1">
                     <a:tint val="75000"/>
@@ -11115,7 +11516,7 @@
                 <a:latin typeface="나눔고딕" charset="0"/>
                 <a:ea typeface="나눔고딕" charset="0"/>
               </a:rPr>
-              <a:t>- 회원은 사용방법을 알 수 있어야 한다.</a:t>
+              <a:t>- 연체시 발생한 연체료를 회원이 볼 수 있도록 출력한다.</a:t>
             </a:r>
             <a:endParaRPr lang="ko-KR" altLang="en-US" sz="1800" b="1">
               <a:solidFill>
@@ -11142,7 +11543,7 @@
               <a:buNone/>
             </a:pPr>
             <a:r>
-              <a:rPr sz="1800" b="1">
+              <a:rPr lang="en-US" altLang="ko-KR" sz="1800" b="1">
                 <a:solidFill>
                   <a:schemeClr val="tx1">
                     <a:tint val="75000"/>
@@ -11151,7 +11552,7 @@
                 <a:latin typeface="나눔고딕" charset="0"/>
                 <a:ea typeface="나눔고딕" charset="0"/>
               </a:rPr>
-              <a:t>- 회원은 현재위치에서 사용가능한 차량을 확인할 수 있어야 한다.</a:t>
+              <a:t>- 대여기간은 대여기간내에 추가금액을 지불하면 연장할 수 있다.</a:t>
             </a:r>
             <a:endParaRPr lang="ko-KR" altLang="en-US" sz="1800" b="1">
               <a:solidFill>
@@ -11178,7 +11579,7 @@
               <a:buNone/>
             </a:pPr>
             <a:r>
-              <a:rPr sz="1800" b="1">
+              <a:rPr lang="en-US" altLang="ko-KR" sz="1800" b="1">
                 <a:solidFill>
                   <a:schemeClr val="tx1">
                     <a:tint val="75000"/>
@@ -11187,7 +11588,7 @@
                 <a:latin typeface="나눔고딕" charset="0"/>
                 <a:ea typeface="나눔고딕" charset="0"/>
               </a:rPr>
-              <a:t>- 회원은 차량 정보를 확인할 수 있어야 한다.</a:t>
+              <a:t>- 회원과 관리자 모두에게 차량의 대여여부를 표시한다.</a:t>
             </a:r>
             <a:endParaRPr lang="ko-KR" altLang="en-US" sz="1800" b="1">
               <a:solidFill>
@@ -11214,7 +11615,7 @@
               <a:buNone/>
             </a:pPr>
             <a:r>
-              <a:rPr sz="1800" b="1">
+              <a:rPr lang="en-US" altLang="ko-KR" sz="1800" b="1">
                 <a:solidFill>
                   <a:schemeClr val="tx1">
                     <a:tint val="75000"/>
@@ -11223,7 +11624,7 @@
                 <a:latin typeface="나눔고딕" charset="0"/>
                 <a:ea typeface="나눔고딕" charset="0"/>
               </a:rPr>
-              <a:t>- 회원은 차량을 대여할 수 있어야 한다.</a:t>
+              <a:t>- 관리자는 새로운 차량을 추가할 수 있어야 한다.</a:t>
             </a:r>
             <a:endParaRPr lang="ko-KR" altLang="en-US" sz="1800" b="1">
               <a:solidFill>
@@ -11250,7 +11651,7 @@
               <a:buNone/>
             </a:pPr>
             <a:r>
-              <a:rPr sz="1800" b="1">
+              <a:rPr lang="en-US" altLang="ko-KR" sz="1800" b="1">
                 <a:solidFill>
                   <a:schemeClr val="tx1">
                     <a:tint val="75000"/>
@@ -11259,7 +11660,7 @@
                 <a:latin typeface="나눔고딕" charset="0"/>
                 <a:ea typeface="나눔고딕" charset="0"/>
               </a:rPr>
-              <a:t>- 회원은 내가 대여한 차량을 확인할 수 있어야 한다.</a:t>
+              <a:t>- 차량 등록화면은 차량번호, 차종, 대여가능여부, 대여횟수, 대여비용, 보유지점을 표시한다.</a:t>
             </a:r>
             <a:endParaRPr lang="ko-KR" altLang="en-US" sz="1800" b="1">
               <a:solidFill>
@@ -11286,7 +11687,7 @@
               <a:buNone/>
             </a:pPr>
             <a:r>
-              <a:rPr sz="1800" b="1">
+              <a:rPr lang="en-US" altLang="ko-KR" sz="1800" b="1">
                 <a:solidFill>
                   <a:schemeClr val="tx1">
                     <a:tint val="75000"/>
@@ -11295,7 +11696,7 @@
                 <a:latin typeface="나눔고딕" charset="0"/>
                 <a:ea typeface="나눔고딕" charset="0"/>
               </a:rPr>
-              <a:t>- 회원은 대여한 차량 대여기한을 연장할 수 있어야 한다.</a:t>
+              <a:t>- 회원은 문의게시판에 게시글 작성, 본인의 게시글을 수정, 삭제 할 수 있다.</a:t>
             </a:r>
             <a:endParaRPr lang="ko-KR" altLang="en-US" sz="1800" b="1">
               <a:solidFill>
@@ -11322,7 +11723,7 @@
               <a:buNone/>
             </a:pPr>
             <a:r>
-              <a:rPr sz="1800" b="1">
+              <a:rPr lang="en-US" altLang="ko-KR" sz="1800" b="1">
                 <a:solidFill>
                   <a:schemeClr val="tx1">
                     <a:tint val="75000"/>
@@ -11331,7 +11732,7 @@
                 <a:latin typeface="나눔고딕" charset="0"/>
                 <a:ea typeface="나눔고딕" charset="0"/>
               </a:rPr>
-              <a:t>- 회원은 대여한 차량을 반납할 수 있어야 한다.</a:t>
+              <a:t>- 관리자만 문의게시판에 답글을 작성 할 수 있다.</a:t>
             </a:r>
             <a:endParaRPr lang="ko-KR" altLang="en-US" sz="1800" b="1">
               <a:solidFill>
@@ -11358,7 +11759,7 @@
               <a:buNone/>
             </a:pPr>
             <a:r>
-              <a:rPr sz="1800" b="1">
+              <a:rPr lang="en-US" altLang="ko-KR" sz="1800" b="1">
                 <a:solidFill>
                   <a:schemeClr val="tx1">
                     <a:tint val="75000"/>
@@ -11367,7 +11768,7 @@
                 <a:latin typeface="나눔고딕" charset="0"/>
                 <a:ea typeface="나눔고딕" charset="0"/>
               </a:rPr>
-              <a:t>- 회원은 관리자에게 문의가 가능해야 한다.</a:t>
+              <a:t>- 관리자는 회원의 게시글을 삭제 할 수 있다. </a:t>
             </a:r>
             <a:endParaRPr lang="ko-KR" altLang="en-US" sz="1800" b="1">
               <a:solidFill>
@@ -11394,7 +11795,7 @@
               <a:buNone/>
             </a:pPr>
             <a:r>
-              <a:rPr sz="1800" b="1">
+              <a:rPr lang="en-US" altLang="ko-KR" sz="1800" b="1">
                 <a:solidFill>
                   <a:schemeClr val="tx1">
                     <a:tint val="75000"/>
@@ -11403,52 +11804,11 @@
                 <a:latin typeface="나눔고딕" charset="0"/>
                 <a:ea typeface="나눔고딕" charset="0"/>
               </a:rPr>
-              <a:t>- 회원은 문의를 수정할 수 있어야 한다.</a:t>
-            </a:r>
-            <a:endParaRPr lang="ko-KR" altLang="en-US" sz="1800" b="1">
-              <a:solidFill>
-                <a:schemeClr val="tx1">
-                  <a:tint val="75000"/>
-                </a:schemeClr>
-              </a:solidFill>
-              <a:latin typeface="나눔고딕" charset="0"/>
-              <a:ea typeface="나눔고딕" charset="0"/>
-            </a:endParaRPr>
-          </a:p>
-          <a:p>
-            <a:pPr marL="0" indent="0" algn="l" defTabSz="914400" latinLnBrk="1">
-              <a:lnSpc>
-                <a:spcPct val="100000"/>
-              </a:lnSpc>
-              <a:spcBef>
-                <a:spcPts val="700"/>
-              </a:spcBef>
-              <a:spcAft>
-                <a:spcPts val="0"/>
-              </a:spcAft>
-              <a:buFontTx/>
-              <a:buNone/>
-            </a:pPr>
-            <a:r>
-              <a:rPr sz="1800" b="1">
-                <a:solidFill>
-                  <a:schemeClr val="tx1">
-                    <a:tint val="75000"/>
-                  </a:schemeClr>
-                </a:solidFill>
-                <a:latin typeface="나눔고딕" charset="0"/>
-                <a:ea typeface="나눔고딕" charset="0"/>
-              </a:rPr>
-              <a:t>- 회원은 문의를 삭제할 수 있어야 한다.</a:t>
-            </a:r>
-            <a:endParaRPr lang="ko-KR" altLang="en-US" sz="1800" b="1">
-              <a:solidFill>
-                <a:schemeClr val="tx1">
-                  <a:tint val="75000"/>
-                </a:schemeClr>
-              </a:solidFill>
-              <a:latin typeface="나눔고딕" charset="0"/>
-              <a:ea typeface="나눔고딕" charset="0"/>
+              <a:t>- 관리자는 회원의 정보를 관리, 수정, 삭제 할 수 있다</a:t>
+            </a:r>
+            <a:endParaRPr lang="ko-KR" altLang="en-US" sz="1800">
+              <a:latin typeface="맑은 고딕" charset="0"/>
+              <a:ea typeface="맑은 고딕" charset="0"/>
             </a:endParaRPr>
           </a:p>
         </p:txBody>
@@ -11541,7 +11901,7 @@
       </p:sp>
       <p:pic>
         <p:nvPicPr>
-          <p:cNvPr id="4" name="그림 3" descr="C:/Users/user/AppData/Roaming/PolarisOffice/ETemp/10952_11107344/fImage7580533341.jpeg"/>
+          <p:cNvPr id="4" name="그림 3"/>
           <p:cNvPicPr>
             <a:picLocks noChangeAspect="1"/>
           </p:cNvPicPr>
@@ -11656,14 +12016,14 @@
       </p:sp>
       <p:pic>
         <p:nvPicPr>
-          <p:cNvPr id="4" name="그림 3"/>
+          <p:cNvPr id="4" name="그림 3" descr="C:/Users/user/AppData/Roaming/PolarisOffice/ETemp/13624_14846272/fImage22388431241.jpeg"/>
           <p:cNvPicPr>
             <a:picLocks noChangeAspect="1"/>
           </p:cNvPicPr>
           <p:nvPr/>
         </p:nvPicPr>
         <p:blipFill rotWithShape="1">
-          <a:blip r:embed="rId3" cstate="print">
+          <a:blip r:embed="rId4" cstate="print">
             <a:extLst>
               <a:ext uri="{28A0092B-C50C-407E-A947-70E740481C1C}">
                 <a14:useLocalDpi xmlns:a14="http://schemas.microsoft.com/office/drawing/2010/main" val="0"/>
@@ -11676,8 +12036,8 @@
         </p:blipFill>
         <p:spPr>
           <a:xfrm rot="0">
-            <a:off x="0" y="1877695"/>
-            <a:ext cx="9144635" cy="4953635"/>
+            <a:off x="0" y="1744345"/>
+            <a:ext cx="9144635" cy="5201920"/>
           </a:xfrm>
           <a:prstGeom prst="rect"/>
           <a:noFill/>
@@ -11707,7 +12067,7 @@
 </file>
 
 <file path=ppt/slides/slide8.xml><?xml version="1.0" encoding="utf-8"?>
-<p:sld xmlns:a="http://schemas.openxmlformats.org/drawingml/2006/main" xmlns:r="http://schemas.openxmlformats.org/officeDocument/2006/relationships" xmlns:p="http://schemas.openxmlformats.org/presentationml/2006/main" xmlns:p14="http://schemas.microsoft.com/office/powerpoint/2010/main">
+<p:sld xmlns:a="http://schemas.openxmlformats.org/drawingml/2006/main" xmlns:r="http://schemas.openxmlformats.org/officeDocument/2006/relationships" xmlns:p="http://schemas.openxmlformats.org/presentationml/2006/main">
   <p:cSld>
     <p:spTree>
       <p:nvGrpSpPr>
@@ -11725,7 +12085,7 @@
       </p:grpSpPr>
       <p:sp>
         <p:nvSpPr>
-          <p:cNvPr id="3" name="Rect 0"/>
+          <p:cNvPr id="3" name="텍스트 개체 틀 2"/>
           <p:cNvSpPr txBox="1">
             <a:spLocks/>
           </p:cNvSpPr>
@@ -11735,7 +12095,7 @@
         </p:nvSpPr>
         <p:spPr>
           <a:xfrm rot="0">
-            <a:off x="685800" y="2688590"/>
+            <a:off x="685800" y="307340"/>
             <a:ext cx="7773035" cy="1470660"/>
           </a:xfrm>
           <a:prstGeom prst="rect"/>
@@ -11785,27 +12145,7 @@
                 <a:latin typeface="나눔고딕" charset="0"/>
                 <a:ea typeface="나눔고딕" charset="0"/>
               </a:rPr>
-              <a:t>화면설계</a:t>
-            </a:r>
-            <a:r>
-              <a:rPr lang="ko-KR" altLang="ko-KR" sz="4400" b="1">
-                <a:solidFill>
-                  <a:srgbClr val="716767"/>
-                </a:solidFill>
-                <a:latin typeface="나눔고딕" charset="0"/>
-                <a:ea typeface="나눔고딕" charset="0"/>
-              </a:rPr>
-              <a:t>(</a:t>
-            </a:r>
-            <a:r>
-              <a:rPr lang="ko-KR" altLang="ko-KR" sz="4400" b="1">
-                <a:solidFill>
-                  <a:srgbClr val="716767"/>
-                </a:solidFill>
-                <a:latin typeface="나눔고딕" charset="0"/>
-                <a:ea typeface="나눔고딕" charset="0"/>
-              </a:rPr>
-              <a:t>회원 기능)</a:t>
+              <a:t>DB모델링</a:t>
             </a:r>
             <a:endParaRPr lang="ko-KR" altLang="en-US" sz="4400" b="1">
               <a:solidFill>
@@ -11817,6 +12157,35 @@
           </a:p>
         </p:txBody>
       </p:sp>
+      <p:pic>
+        <p:nvPicPr>
+          <p:cNvPr id="4" name="그림 3" descr="C:/Users/user/AppData/Roaming/PolarisOffice/ETemp/13624_14846272/fImage2685613408467.jpeg"/>
+          <p:cNvPicPr>
+            <a:picLocks noChangeAspect="1"/>
+          </p:cNvPicPr>
+          <p:nvPr/>
+        </p:nvPicPr>
+        <p:blipFill rotWithShape="1">
+          <a:blip r:embed="rId2" cstate="print">
+            <a:extLst>
+              <a:ext uri="{28A0092B-C50C-407E-A947-70E740481C1C}">
+                <a14:useLocalDpi xmlns:a14="http://schemas.microsoft.com/office/drawing/2010/main" val="0"/>
+              </a:ext>
+            </a:extLst>
+          </a:blip>
+          <a:stretch>
+            <a:fillRect/>
+          </a:stretch>
+        </p:blipFill>
+        <p:spPr>
+          <a:xfrm rot="0">
+            <a:off x="0" y="1746250"/>
+            <a:ext cx="9144635" cy="5175250"/>
+          </a:xfrm>
+          <a:prstGeom prst="rect"/>
+          <a:noFill/>
+        </p:spPr>
+      </p:pic>
     </p:spTree>
   </p:cSld>
   <p:clrMapOvr>
@@ -11859,7 +12228,7 @@
       </p:grpSpPr>
       <p:sp>
         <p:nvSpPr>
-          <p:cNvPr id="3" name="텍스트 개체 틀 2"/>
+          <p:cNvPr id="3" name="Rect 0"/>
           <p:cNvSpPr txBox="1">
             <a:spLocks/>
           </p:cNvSpPr>
@@ -11869,7 +12238,7 @@
         </p:nvSpPr>
         <p:spPr>
           <a:xfrm rot="0">
-            <a:off x="685800" y="307340"/>
+            <a:off x="685800" y="2688590"/>
             <a:ext cx="7773035" cy="1470660"/>
           </a:xfrm>
           <a:prstGeom prst="rect"/>
@@ -11921,6 +12290,26 @@
               </a:rPr>
               <a:t>화면설계</a:t>
             </a:r>
+            <a:r>
+              <a:rPr lang="ko-KR" altLang="ko-KR" sz="4400" b="1">
+                <a:solidFill>
+                  <a:srgbClr val="716767"/>
+                </a:solidFill>
+                <a:latin typeface="나눔고딕" charset="0"/>
+                <a:ea typeface="나눔고딕" charset="0"/>
+              </a:rPr>
+              <a:t>(</a:t>
+            </a:r>
+            <a:r>
+              <a:rPr lang="ko-KR" altLang="ko-KR" sz="4400" b="1">
+                <a:solidFill>
+                  <a:srgbClr val="716767"/>
+                </a:solidFill>
+                <a:latin typeface="나눔고딕" charset="0"/>
+                <a:ea typeface="나눔고딕" charset="0"/>
+              </a:rPr>
+              <a:t>회원 기능)</a:t>
+            </a:r>
             <a:endParaRPr lang="ko-KR" altLang="en-US" sz="4400" b="1">
               <a:solidFill>
                 <a:srgbClr val="716767"/>
@@ -11931,35 +12320,6 @@
           </a:p>
         </p:txBody>
       </p:sp>
-      <p:pic>
-        <p:nvPicPr>
-          <p:cNvPr id="4" name="그림 3"/>
-          <p:cNvPicPr>
-            <a:picLocks noChangeAspect="1"/>
-          </p:cNvPicPr>
-          <p:nvPr/>
-        </p:nvPicPr>
-        <p:blipFill rotWithShape="1">
-          <a:blip r:embed="rId2" cstate="print">
-            <a:extLst>
-              <a:ext uri="{28A0092B-C50C-407E-A947-70E740481C1C}">
-                <a14:useLocalDpi xmlns:a14="http://schemas.microsoft.com/office/drawing/2010/main" val="0"/>
-              </a:ext>
-            </a:extLst>
-          </a:blip>
-          <a:stretch>
-            <a:fillRect/>
-          </a:stretch>
-        </p:blipFill>
-        <p:spPr>
-          <a:xfrm rot="0">
-            <a:off x="86995" y="1888490"/>
-            <a:ext cx="8970645" cy="4846320"/>
-          </a:xfrm>
-          <a:prstGeom prst="rect"/>
-          <a:noFill/>
-        </p:spPr>
-      </p:pic>
     </p:spTree>
   </p:cSld>
   <p:clrMapOvr>

--- a/picar/PICAR(최종수정용).pptx
+++ b/picar/PICAR(최종수정용).pptx
@@ -2,7 +2,7 @@
 <file path=ppt/presentation.xml><?xml version="1.0" encoding="utf-8"?>
 <p:presentation xmlns:a="http://schemas.openxmlformats.org/drawingml/2006/main" xmlns:r="http://schemas.openxmlformats.org/officeDocument/2006/relationships" xmlns:p="http://schemas.openxmlformats.org/presentationml/2006/main" xmlns:p14="http://schemas.microsoft.com/office/powerpoint/2010/main" saveSubsetFonts="1">
   <p:sldMasterIdLst>
-    <p:sldMasterId id="2147483810" r:id="rId10"/>
+    <p:sldMasterId id="2147483812" r:id="rId10"/>
   </p:sldMasterIdLst>
   <p:sldIdLst>
     <p:sldId id="256" r:id="rId12"/>
@@ -4478,9 +4478,9 @@
           <p:nvPr/>
         </p:nvSpPr>
         <p:spPr>
-          <a:xfrm rot="0">
+          <a:xfrm>
             <a:off x="220980" y="2423160"/>
-            <a:ext cx="8713470" cy="3926840"/>
+            <a:ext cx="8714105" cy="3927475"/>
           </a:xfrm>
           <a:prstGeom prst="rect"/>
         </p:spPr>
@@ -4712,7 +4712,127 @@
                 <a:latin typeface="나눔고딕" charset="0"/>
                 <a:ea typeface="나눔고딕" charset="0"/>
               </a:rPr>
-              <a:t>- 차량 렌트 서비스를 지원하는 사이트</a:t>
+              <a:t>-</a:t>
+            </a:r>
+            <a:r>
+              <a:rPr lang="en-US" altLang="ko-KR" sz="1800" b="1">
+                <a:solidFill>
+                  <a:schemeClr val="tx1">
+                    <a:tint val="75000"/>
+                  </a:schemeClr>
+                </a:solidFill>
+                <a:latin typeface="나눔고딕" charset="0"/>
+                <a:ea typeface="나눔고딕" charset="0"/>
+              </a:rPr>
+              <a:t> </a:t>
+            </a:r>
+            <a:r>
+              <a:rPr lang="en-US" altLang="ko-KR" sz="1800" b="1">
+                <a:solidFill>
+                  <a:schemeClr val="tx1">
+                    <a:tint val="75000"/>
+                  </a:schemeClr>
+                </a:solidFill>
+                <a:latin typeface="나눔고딕" charset="0"/>
+                <a:ea typeface="나눔고딕" charset="0"/>
+              </a:rPr>
+              <a:t>차량 </a:t>
+            </a:r>
+            <a:r>
+              <a:rPr lang="en-US" altLang="ko-KR" sz="1800" b="1">
+                <a:solidFill>
+                  <a:schemeClr val="tx1">
+                    <a:tint val="75000"/>
+                  </a:schemeClr>
+                </a:solidFill>
+                <a:latin typeface="나눔고딕" charset="0"/>
+                <a:ea typeface="나눔고딕" charset="0"/>
+              </a:rPr>
+              <a:t>렌</a:t>
+            </a:r>
+            <a:r>
+              <a:rPr lang="en-US" altLang="ko-KR" sz="1800" b="1">
+                <a:solidFill>
+                  <a:schemeClr val="tx1">
+                    <a:tint val="75000"/>
+                  </a:schemeClr>
+                </a:solidFill>
+                <a:latin typeface="나눔고딕" charset="0"/>
+                <a:ea typeface="나눔고딕" charset="0"/>
+              </a:rPr>
+              <a:t>트 서비스</a:t>
+            </a:r>
+            <a:r>
+              <a:rPr lang="en-US" altLang="ko-KR" sz="1800" b="1">
+                <a:solidFill>
+                  <a:schemeClr val="tx1">
+                    <a:tint val="75000"/>
+                  </a:schemeClr>
+                </a:solidFill>
+                <a:latin typeface="나눔고딕" charset="0"/>
+                <a:ea typeface="나눔고딕" charset="0"/>
+              </a:rPr>
+              <a:t>를</a:t>
+            </a:r>
+            <a:r>
+              <a:rPr lang="en-US" altLang="ko-KR" sz="1800" b="1">
+                <a:solidFill>
+                  <a:schemeClr val="tx1">
+                    <a:tint val="75000"/>
+                  </a:schemeClr>
+                </a:solidFill>
+                <a:latin typeface="나눔고딕" charset="0"/>
+                <a:ea typeface="나눔고딕" charset="0"/>
+              </a:rPr>
+              <a:t> </a:t>
+            </a:r>
+            <a:r>
+              <a:rPr lang="en-US" altLang="ko-KR" sz="1800" b="1">
+                <a:solidFill>
+                  <a:schemeClr val="tx1">
+                    <a:tint val="75000"/>
+                  </a:schemeClr>
+                </a:solidFill>
+                <a:latin typeface="나눔고딕" charset="0"/>
+                <a:ea typeface="나눔고딕" charset="0"/>
+              </a:rPr>
+              <a:t>지</a:t>
+            </a:r>
+            <a:r>
+              <a:rPr lang="en-US" altLang="ko-KR" sz="1800" b="1">
+                <a:solidFill>
+                  <a:schemeClr val="tx1">
+                    <a:tint val="75000"/>
+                  </a:schemeClr>
+                </a:solidFill>
+                <a:latin typeface="나눔고딕" charset="0"/>
+                <a:ea typeface="나눔고딕" charset="0"/>
+              </a:rPr>
+              <a:t>원하는 사</a:t>
+            </a:r>
+            <a:r>
+              <a:rPr lang="en-US" altLang="ko-KR" sz="1800" b="1">
+                <a:solidFill>
+                  <a:schemeClr val="tx1">
+                    <a:tint val="75000"/>
+                  </a:schemeClr>
+                </a:solidFill>
+                <a:latin typeface="나눔고딕" charset="0"/>
+                <a:ea typeface="나눔고딕" charset="0"/>
+              </a:rPr>
+              <a:t>이</a:t>
+            </a:r>
+            <a:r>
+              <a:rPr lang="en-US" altLang="ko-KR" sz="1800" b="1">
+                <a:solidFill>
+                  <a:schemeClr val="tx1">
+                    <a:tint val="75000"/>
+                  </a:schemeClr>
+                </a:solidFill>
+                <a:latin typeface="나눔고딕" charset="0"/>
+                <a:ea typeface="나눔고딕" charset="0"/>
+              </a:rPr>
+              <a:t>트</a:t>
             </a:r>
             <a:endParaRPr lang="ko-KR" altLang="en-US" sz="1800" b="1">
               <a:solidFill>
@@ -4748,7 +4868,115 @@
                 <a:latin typeface="나눔고딕" charset="0"/>
                 <a:ea typeface="나눔고딕" charset="0"/>
               </a:rPr>
-              <a:t>- 회원만 사이트 이용 가능</a:t>
+              <a:t>-</a:t>
+            </a:r>
+            <a:r>
+              <a:rPr lang="en-US" altLang="ko-KR" sz="1800" b="1">
+                <a:solidFill>
+                  <a:schemeClr val="tx1">
+                    <a:tint val="75000"/>
+                  </a:schemeClr>
+                </a:solidFill>
+                <a:latin typeface="나눔고딕" charset="0"/>
+                <a:ea typeface="나눔고딕" charset="0"/>
+              </a:rPr>
+              <a:t> </a:t>
+            </a:r>
+            <a:r>
+              <a:rPr lang="en-US" altLang="ko-KR" sz="1800" b="1">
+                <a:solidFill>
+                  <a:schemeClr val="tx1">
+                    <a:tint val="75000"/>
+                  </a:schemeClr>
+                </a:solidFill>
+                <a:latin typeface="나눔고딕" charset="0"/>
+                <a:ea typeface="나눔고딕" charset="0"/>
+              </a:rPr>
+              <a:t>회</a:t>
+            </a:r>
+            <a:r>
+              <a:rPr lang="en-US" altLang="ko-KR" sz="1800" b="1">
+                <a:solidFill>
+                  <a:schemeClr val="tx1">
+                    <a:tint val="75000"/>
+                  </a:schemeClr>
+                </a:solidFill>
+                <a:latin typeface="나눔고딕" charset="0"/>
+                <a:ea typeface="나눔고딕" charset="0"/>
+              </a:rPr>
+              <a:t>원만 </a:t>
+            </a:r>
+            <a:r>
+              <a:rPr lang="en-US" altLang="ko-KR" sz="1800" b="1">
+                <a:solidFill>
+                  <a:schemeClr val="tx1">
+                    <a:tint val="75000"/>
+                  </a:schemeClr>
+                </a:solidFill>
+                <a:latin typeface="나눔고딕" charset="0"/>
+                <a:ea typeface="나눔고딕" charset="0"/>
+              </a:rPr>
+              <a:t>사</a:t>
+            </a:r>
+            <a:r>
+              <a:rPr lang="en-US" altLang="ko-KR" sz="1800" b="1">
+                <a:solidFill>
+                  <a:schemeClr val="tx1">
+                    <a:tint val="75000"/>
+                  </a:schemeClr>
+                </a:solidFill>
+                <a:latin typeface="나눔고딕" charset="0"/>
+                <a:ea typeface="나눔고딕" charset="0"/>
+              </a:rPr>
+              <a:t>이</a:t>
+            </a:r>
+            <a:r>
+              <a:rPr lang="en-US" altLang="ko-KR" sz="1800" b="1">
+                <a:solidFill>
+                  <a:schemeClr val="tx1">
+                    <a:tint val="75000"/>
+                  </a:schemeClr>
+                </a:solidFill>
+                <a:latin typeface="나눔고딕" charset="0"/>
+                <a:ea typeface="나눔고딕" charset="0"/>
+              </a:rPr>
+              <a:t>트</a:t>
+            </a:r>
+            <a:r>
+              <a:rPr lang="en-US" altLang="ko-KR" sz="1800" b="1">
+                <a:solidFill>
+                  <a:schemeClr val="tx1">
+                    <a:tint val="75000"/>
+                  </a:schemeClr>
+                </a:solidFill>
+                <a:latin typeface="나눔고딕" charset="0"/>
+                <a:ea typeface="나눔고딕" charset="0"/>
+              </a:rPr>
+              <a:t> 이용 </a:t>
+            </a:r>
+            <a:r>
+              <a:rPr lang="en-US" altLang="ko-KR" sz="1800" b="1">
+                <a:solidFill>
+                  <a:schemeClr val="tx1">
+                    <a:tint val="75000"/>
+                  </a:schemeClr>
+                </a:solidFill>
+                <a:latin typeface="나눔고딕" charset="0"/>
+                <a:ea typeface="나눔고딕" charset="0"/>
+              </a:rPr>
+              <a:t>가</a:t>
+            </a:r>
+            <a:r>
+              <a:rPr lang="en-US" altLang="ko-KR" sz="1800" b="1">
+                <a:solidFill>
+                  <a:schemeClr val="tx1">
+                    <a:tint val="75000"/>
+                  </a:schemeClr>
+                </a:solidFill>
+                <a:latin typeface="나눔고딕" charset="0"/>
+                <a:ea typeface="나눔고딕" charset="0"/>
+              </a:rPr>
+              <a:t>능</a:t>
             </a:r>
             <a:endParaRPr lang="ko-KR" altLang="en-US" sz="1800" b="1">
               <a:solidFill>
@@ -4784,7 +5012,307 @@
                 <a:latin typeface="나눔고딕" charset="0"/>
                 <a:ea typeface="나눔고딕" charset="0"/>
               </a:rPr>
-              <a:t>- 회원가입시 아이디, 비밀번호, 이름, 연락처, 면허증번호, 면허증유효기간 작성</a:t>
+              <a:t>- 회</a:t>
+            </a:r>
+            <a:r>
+              <a:rPr lang="en-US" altLang="ko-KR" sz="1800" b="1">
+                <a:solidFill>
+                  <a:schemeClr val="tx1">
+                    <a:tint val="75000"/>
+                  </a:schemeClr>
+                </a:solidFill>
+                <a:latin typeface="나눔고딕" charset="0"/>
+                <a:ea typeface="나눔고딕" charset="0"/>
+              </a:rPr>
+              <a:t>원</a:t>
+            </a:r>
+            <a:r>
+              <a:rPr lang="en-US" altLang="ko-KR" sz="1800" b="1">
+                <a:solidFill>
+                  <a:schemeClr val="tx1">
+                    <a:tint val="75000"/>
+                  </a:schemeClr>
+                </a:solidFill>
+                <a:latin typeface="나눔고딕" charset="0"/>
+                <a:ea typeface="나눔고딕" charset="0"/>
+              </a:rPr>
+              <a:t>가</a:t>
+            </a:r>
+            <a:r>
+              <a:rPr lang="en-US" altLang="ko-KR" sz="1800" b="1">
+                <a:solidFill>
+                  <a:schemeClr val="tx1">
+                    <a:tint val="75000"/>
+                  </a:schemeClr>
+                </a:solidFill>
+                <a:latin typeface="나눔고딕" charset="0"/>
+                <a:ea typeface="나눔고딕" charset="0"/>
+              </a:rPr>
+              <a:t>입</a:t>
+            </a:r>
+            <a:r>
+              <a:rPr lang="en-US" altLang="ko-KR" sz="1800" b="1">
+                <a:solidFill>
+                  <a:schemeClr val="tx1">
+                    <a:tint val="75000"/>
+                  </a:schemeClr>
+                </a:solidFill>
+                <a:latin typeface="나눔고딕" charset="0"/>
+                <a:ea typeface="나눔고딕" charset="0"/>
+              </a:rPr>
+              <a:t>시 아</a:t>
+            </a:r>
+            <a:r>
+              <a:rPr lang="en-US" altLang="ko-KR" sz="1800" b="1">
+                <a:solidFill>
+                  <a:schemeClr val="tx1">
+                    <a:tint val="75000"/>
+                  </a:schemeClr>
+                </a:solidFill>
+                <a:latin typeface="나눔고딕" charset="0"/>
+                <a:ea typeface="나눔고딕" charset="0"/>
+              </a:rPr>
+              <a:t>이</a:t>
+            </a:r>
+            <a:r>
+              <a:rPr lang="en-US" altLang="ko-KR" sz="1800" b="1">
+                <a:solidFill>
+                  <a:schemeClr val="tx1">
+                    <a:tint val="75000"/>
+                  </a:schemeClr>
+                </a:solidFill>
+                <a:latin typeface="나눔고딕" charset="0"/>
+                <a:ea typeface="나눔고딕" charset="0"/>
+              </a:rPr>
+              <a:t>디</a:t>
+            </a:r>
+            <a:r>
+              <a:rPr lang="en-US" altLang="ko-KR" sz="1800" b="1">
+                <a:solidFill>
+                  <a:schemeClr val="tx1">
+                    <a:tint val="75000"/>
+                  </a:schemeClr>
+                </a:solidFill>
+                <a:latin typeface="나눔고딕" charset="0"/>
+                <a:ea typeface="나눔고딕" charset="0"/>
+              </a:rPr>
+              <a:t>,</a:t>
+            </a:r>
+            <a:r>
+              <a:rPr lang="en-US" altLang="ko-KR" sz="1800" b="1">
+                <a:solidFill>
+                  <a:schemeClr val="tx1">
+                    <a:tint val="75000"/>
+                  </a:schemeClr>
+                </a:solidFill>
+                <a:latin typeface="나눔고딕" charset="0"/>
+                <a:ea typeface="나눔고딕" charset="0"/>
+              </a:rPr>
+              <a:t> 비밀번</a:t>
+            </a:r>
+            <a:r>
+              <a:rPr lang="en-US" altLang="ko-KR" sz="1800" b="1">
+                <a:solidFill>
+                  <a:schemeClr val="tx1">
+                    <a:tint val="75000"/>
+                  </a:schemeClr>
+                </a:solidFill>
+                <a:latin typeface="나눔고딕" charset="0"/>
+                <a:ea typeface="나눔고딕" charset="0"/>
+              </a:rPr>
+              <a:t>호</a:t>
+            </a:r>
+            <a:r>
+              <a:rPr lang="en-US" altLang="ko-KR" sz="1800" b="1">
+                <a:solidFill>
+                  <a:schemeClr val="tx1">
+                    <a:tint val="75000"/>
+                  </a:schemeClr>
+                </a:solidFill>
+                <a:latin typeface="나눔고딕" charset="0"/>
+                <a:ea typeface="나눔고딕" charset="0"/>
+              </a:rPr>
+              <a:t>, 이름</a:t>
+            </a:r>
+            <a:r>
+              <a:rPr lang="en-US" altLang="ko-KR" sz="1800" b="1">
+                <a:solidFill>
+                  <a:schemeClr val="tx1">
+                    <a:tint val="75000"/>
+                  </a:schemeClr>
+                </a:solidFill>
+                <a:latin typeface="나눔고딕" charset="0"/>
+                <a:ea typeface="나눔고딕" charset="0"/>
+              </a:rPr>
+              <a:t>,</a:t>
+            </a:r>
+            <a:r>
+              <a:rPr lang="en-US" altLang="ko-KR" sz="1800" b="1">
+                <a:solidFill>
+                  <a:schemeClr val="tx1">
+                    <a:tint val="75000"/>
+                  </a:schemeClr>
+                </a:solidFill>
+                <a:latin typeface="나눔고딕" charset="0"/>
+                <a:ea typeface="나눔고딕" charset="0"/>
+              </a:rPr>
+              <a:t> 연락</a:t>
+            </a:r>
+            <a:r>
+              <a:rPr lang="en-US" altLang="ko-KR" sz="1800" b="1">
+                <a:solidFill>
+                  <a:schemeClr val="tx1">
+                    <a:tint val="75000"/>
+                  </a:schemeClr>
+                </a:solidFill>
+                <a:latin typeface="나눔고딕" charset="0"/>
+                <a:ea typeface="나눔고딕" charset="0"/>
+              </a:rPr>
+              <a:t>처</a:t>
+            </a:r>
+            <a:r>
+              <a:rPr lang="en-US" altLang="ko-KR" sz="1800" b="1">
+                <a:solidFill>
+                  <a:schemeClr val="tx1">
+                    <a:tint val="75000"/>
+                  </a:schemeClr>
+                </a:solidFill>
+                <a:latin typeface="나눔고딕" charset="0"/>
+                <a:ea typeface="나눔고딕" charset="0"/>
+              </a:rPr>
+              <a:t>,</a:t>
+            </a:r>
+            <a:r>
+              <a:rPr lang="en-US" altLang="ko-KR" sz="1800" b="1">
+                <a:solidFill>
+                  <a:schemeClr val="tx1">
+                    <a:tint val="75000"/>
+                  </a:schemeClr>
+                </a:solidFill>
+                <a:latin typeface="나눔고딕" charset="0"/>
+                <a:ea typeface="나눔고딕" charset="0"/>
+              </a:rPr>
+              <a:t> </a:t>
+            </a:r>
+            <a:r>
+              <a:rPr lang="en-US" altLang="ko-KR" sz="1800" b="1">
+                <a:solidFill>
+                  <a:schemeClr val="tx1">
+                    <a:tint val="75000"/>
+                  </a:schemeClr>
+                </a:solidFill>
+                <a:latin typeface="나눔고딕" charset="0"/>
+                <a:ea typeface="나눔고딕" charset="0"/>
+              </a:rPr>
+              <a:t>면</a:t>
+            </a:r>
+            <a:r>
+              <a:rPr lang="en-US" altLang="ko-KR" sz="1800" b="1">
+                <a:solidFill>
+                  <a:schemeClr val="tx1">
+                    <a:tint val="75000"/>
+                  </a:schemeClr>
+                </a:solidFill>
+                <a:latin typeface="나눔고딕" charset="0"/>
+                <a:ea typeface="나눔고딕" charset="0"/>
+              </a:rPr>
+              <a:t>허증번</a:t>
+            </a:r>
+            <a:r>
+              <a:rPr lang="en-US" altLang="ko-KR" sz="1800" b="1">
+                <a:solidFill>
+                  <a:schemeClr val="tx1">
+                    <a:tint val="75000"/>
+                  </a:schemeClr>
+                </a:solidFill>
+                <a:latin typeface="나눔고딕" charset="0"/>
+                <a:ea typeface="나눔고딕" charset="0"/>
+              </a:rPr>
+              <a:t>호</a:t>
+            </a:r>
+            <a:r>
+              <a:rPr lang="en-US" altLang="ko-KR" sz="1800" b="1">
+                <a:solidFill>
+                  <a:schemeClr val="tx1">
+                    <a:tint val="75000"/>
+                  </a:schemeClr>
+                </a:solidFill>
+                <a:latin typeface="나눔고딕" charset="0"/>
+                <a:ea typeface="나눔고딕" charset="0"/>
+              </a:rPr>
+              <a:t>,</a:t>
+            </a:r>
+            <a:r>
+              <a:rPr lang="en-US" altLang="ko-KR" sz="1800" b="1">
+                <a:solidFill>
+                  <a:schemeClr val="tx1">
+                    <a:tint val="75000"/>
+                  </a:schemeClr>
+                </a:solidFill>
+                <a:latin typeface="나눔고딕" charset="0"/>
+                <a:ea typeface="나눔고딕" charset="0"/>
+              </a:rPr>
+              <a:t> </a:t>
+            </a:r>
+            <a:r>
+              <a:rPr lang="en-US" altLang="ko-KR" sz="1800" b="1">
+                <a:solidFill>
+                  <a:schemeClr val="tx1">
+                    <a:tint val="75000"/>
+                  </a:schemeClr>
+                </a:solidFill>
+                <a:latin typeface="나눔고딕" charset="0"/>
+                <a:ea typeface="나눔고딕" charset="0"/>
+              </a:rPr>
+              <a:t>면허증</a:t>
+            </a:r>
+            <a:r>
+              <a:rPr lang="en-US" altLang="ko-KR" sz="1800" b="1">
+                <a:solidFill>
+                  <a:schemeClr val="tx1">
+                    <a:tint val="75000"/>
+                  </a:schemeClr>
+                </a:solidFill>
+                <a:latin typeface="나눔고딕" charset="0"/>
+                <a:ea typeface="나눔고딕" charset="0"/>
+              </a:rPr>
+              <a:t>유</a:t>
+            </a:r>
+            <a:r>
+              <a:rPr lang="en-US" altLang="ko-KR" sz="1800" b="1">
+                <a:solidFill>
+                  <a:schemeClr val="tx1">
+                    <a:tint val="75000"/>
+                  </a:schemeClr>
+                </a:solidFill>
+                <a:latin typeface="나눔고딕" charset="0"/>
+                <a:ea typeface="나눔고딕" charset="0"/>
+              </a:rPr>
+              <a:t>효</a:t>
+            </a:r>
+            <a:r>
+              <a:rPr lang="en-US" altLang="ko-KR" sz="1800" b="1">
+                <a:solidFill>
+                  <a:schemeClr val="tx1">
+                    <a:tint val="75000"/>
+                  </a:schemeClr>
+                </a:solidFill>
+                <a:latin typeface="나눔고딕" charset="0"/>
+                <a:ea typeface="나눔고딕" charset="0"/>
+              </a:rPr>
+              <a:t>기</a:t>
+            </a:r>
+            <a:r>
+              <a:rPr lang="en-US" altLang="ko-KR" sz="1800" b="1">
+                <a:solidFill>
+                  <a:schemeClr val="tx1">
+                    <a:tint val="75000"/>
+                  </a:schemeClr>
+                </a:solidFill>
+                <a:latin typeface="나눔고딕" charset="0"/>
+                <a:ea typeface="나눔고딕" charset="0"/>
+              </a:rPr>
+              <a:t>간 작성</a:t>
             </a:r>
             <a:endParaRPr lang="ko-KR" altLang="en-US" sz="1800" b="1">
               <a:solidFill>
@@ -4820,7 +5348,187 @@
                 <a:latin typeface="나눔고딕" charset="0"/>
                 <a:ea typeface="나눔고딕" charset="0"/>
               </a:rPr>
-              <a:t>- 면허 기간은 갱신 6개월 전인 회원만 대여가능</a:t>
+              <a:t>-</a:t>
+            </a:r>
+            <a:r>
+              <a:rPr lang="en-US" altLang="ko-KR" sz="1800" b="1">
+                <a:solidFill>
+                  <a:schemeClr val="tx1">
+                    <a:tint val="75000"/>
+                  </a:schemeClr>
+                </a:solidFill>
+                <a:latin typeface="나눔고딕" charset="0"/>
+                <a:ea typeface="나눔고딕" charset="0"/>
+              </a:rPr>
+              <a:t> </a:t>
+            </a:r>
+            <a:r>
+              <a:rPr lang="en-US" altLang="ko-KR" sz="1800" b="1">
+                <a:solidFill>
+                  <a:schemeClr val="tx1">
+                    <a:tint val="75000"/>
+                  </a:schemeClr>
+                </a:solidFill>
+                <a:latin typeface="나눔고딕" charset="0"/>
+                <a:ea typeface="나눔고딕" charset="0"/>
+              </a:rPr>
+              <a:t>면허 기</a:t>
+            </a:r>
+            <a:r>
+              <a:rPr lang="en-US" altLang="ko-KR" sz="1800" b="1">
+                <a:solidFill>
+                  <a:schemeClr val="tx1">
+                    <a:tint val="75000"/>
+                  </a:schemeClr>
+                </a:solidFill>
+                <a:latin typeface="나눔고딕" charset="0"/>
+                <a:ea typeface="나눔고딕" charset="0"/>
+              </a:rPr>
+              <a:t>간</a:t>
+            </a:r>
+            <a:r>
+              <a:rPr lang="en-US" altLang="ko-KR" sz="1800" b="1">
+                <a:solidFill>
+                  <a:schemeClr val="tx1">
+                    <a:tint val="75000"/>
+                  </a:schemeClr>
+                </a:solidFill>
+                <a:latin typeface="나눔고딕" charset="0"/>
+                <a:ea typeface="나눔고딕" charset="0"/>
+              </a:rPr>
+              <a:t>은 갱신</a:t>
+            </a:r>
+            <a:r>
+              <a:rPr lang="en-US" altLang="ko-KR" sz="1800" b="1">
+                <a:solidFill>
+                  <a:schemeClr val="tx1">
+                    <a:tint val="75000"/>
+                  </a:schemeClr>
+                </a:solidFill>
+                <a:latin typeface="나눔고딕" charset="0"/>
+                <a:ea typeface="나눔고딕" charset="0"/>
+              </a:rPr>
+              <a:t> </a:t>
+            </a:r>
+            <a:r>
+              <a:rPr lang="en-US" altLang="ko-KR" sz="1800" b="1">
+                <a:solidFill>
+                  <a:schemeClr val="tx1">
+                    <a:tint val="75000"/>
+                  </a:schemeClr>
+                </a:solidFill>
+                <a:latin typeface="나눔고딕" charset="0"/>
+                <a:ea typeface="나눔고딕" charset="0"/>
+              </a:rPr>
+              <a:t>6</a:t>
+            </a:r>
+            <a:r>
+              <a:rPr lang="en-US" altLang="ko-KR" sz="1800" b="1">
+                <a:solidFill>
+                  <a:schemeClr val="tx1">
+                    <a:tint val="75000"/>
+                  </a:schemeClr>
+                </a:solidFill>
+                <a:latin typeface="나눔고딕" charset="0"/>
+                <a:ea typeface="나눔고딕" charset="0"/>
+              </a:rPr>
+              <a:t>개월</a:t>
+            </a:r>
+            <a:r>
+              <a:rPr lang="en-US" altLang="ko-KR" sz="1800" b="1">
+                <a:solidFill>
+                  <a:schemeClr val="tx1">
+                    <a:tint val="75000"/>
+                  </a:schemeClr>
+                </a:solidFill>
+                <a:latin typeface="나눔고딕" charset="0"/>
+                <a:ea typeface="나눔고딕" charset="0"/>
+              </a:rPr>
+              <a:t> </a:t>
+            </a:r>
+            <a:r>
+              <a:rPr lang="en-US" altLang="ko-KR" sz="1800" b="1">
+                <a:solidFill>
+                  <a:schemeClr val="tx1">
+                    <a:tint val="75000"/>
+                  </a:schemeClr>
+                </a:solidFill>
+                <a:latin typeface="나눔고딕" charset="0"/>
+                <a:ea typeface="나눔고딕" charset="0"/>
+              </a:rPr>
+              <a:t>전인</a:t>
+            </a:r>
+            <a:r>
+              <a:rPr lang="en-US" altLang="ko-KR" sz="1800" b="1">
+                <a:solidFill>
+                  <a:schemeClr val="tx1">
+                    <a:tint val="75000"/>
+                  </a:schemeClr>
+                </a:solidFill>
+                <a:latin typeface="나눔고딕" charset="0"/>
+                <a:ea typeface="나눔고딕" charset="0"/>
+              </a:rPr>
+              <a:t> </a:t>
+            </a:r>
+            <a:r>
+              <a:rPr lang="en-US" altLang="ko-KR" sz="1800" b="1">
+                <a:solidFill>
+                  <a:schemeClr val="tx1">
+                    <a:tint val="75000"/>
+                  </a:schemeClr>
+                </a:solidFill>
+                <a:latin typeface="나눔고딕" charset="0"/>
+                <a:ea typeface="나눔고딕" charset="0"/>
+              </a:rPr>
+              <a:t>회원</a:t>
+            </a:r>
+            <a:r>
+              <a:rPr lang="en-US" altLang="ko-KR" sz="1800" b="1">
+                <a:solidFill>
+                  <a:schemeClr val="tx1">
+                    <a:tint val="75000"/>
+                  </a:schemeClr>
+                </a:solidFill>
+                <a:latin typeface="나눔고딕" charset="0"/>
+                <a:ea typeface="나눔고딕" charset="0"/>
+              </a:rPr>
+              <a:t>만</a:t>
+            </a:r>
+            <a:r>
+              <a:rPr lang="en-US" altLang="ko-KR" sz="1800" b="1">
+                <a:solidFill>
+                  <a:schemeClr val="tx1">
+                    <a:tint val="75000"/>
+                  </a:schemeClr>
+                </a:solidFill>
+                <a:latin typeface="나눔고딕" charset="0"/>
+                <a:ea typeface="나눔고딕" charset="0"/>
+              </a:rPr>
+              <a:t> </a:t>
+            </a:r>
+            <a:r>
+              <a:rPr lang="en-US" altLang="ko-KR" sz="1800" b="1">
+                <a:solidFill>
+                  <a:schemeClr val="tx1">
+                    <a:tint val="75000"/>
+                  </a:schemeClr>
+                </a:solidFill>
+                <a:latin typeface="나눔고딕" charset="0"/>
+                <a:ea typeface="나눔고딕" charset="0"/>
+              </a:rPr>
+              <a:t>대</a:t>
+            </a:r>
+            <a:r>
+              <a:rPr lang="en-US" altLang="ko-KR" sz="1800" b="1">
+                <a:solidFill>
+                  <a:schemeClr val="tx1">
+                    <a:tint val="75000"/>
+                  </a:schemeClr>
+                </a:solidFill>
+                <a:latin typeface="나눔고딕" charset="0"/>
+                <a:ea typeface="나눔고딕" charset="0"/>
+              </a:rPr>
+              <a:t>여가능</a:t>
             </a:r>
             <a:endParaRPr lang="ko-KR" altLang="en-US" sz="1800" b="1">
               <a:solidFill>
@@ -4856,7 +5564,139 @@
                 <a:latin typeface="나눔고딕" charset="0"/>
                 <a:ea typeface="나눔고딕" charset="0"/>
               </a:rPr>
-              <a:t>- 관리자용 화면, 회원용 화면으로 구성</a:t>
+              <a:t>-</a:t>
+            </a:r>
+            <a:r>
+              <a:rPr lang="en-US" altLang="ko-KR" sz="1800" b="1">
+                <a:solidFill>
+                  <a:schemeClr val="tx1">
+                    <a:tint val="75000"/>
+                  </a:schemeClr>
+                </a:solidFill>
+                <a:latin typeface="나눔고딕" charset="0"/>
+                <a:ea typeface="나눔고딕" charset="0"/>
+              </a:rPr>
+              <a:t> 관리</a:t>
+            </a:r>
+            <a:r>
+              <a:rPr lang="en-US" altLang="ko-KR" sz="1800" b="1">
+                <a:solidFill>
+                  <a:schemeClr val="tx1">
+                    <a:tint val="75000"/>
+                  </a:schemeClr>
+                </a:solidFill>
+                <a:latin typeface="나눔고딕" charset="0"/>
+                <a:ea typeface="나눔고딕" charset="0"/>
+              </a:rPr>
+              <a:t>자</a:t>
+            </a:r>
+            <a:r>
+              <a:rPr lang="en-US" altLang="ko-KR" sz="1800" b="1">
+                <a:solidFill>
+                  <a:schemeClr val="tx1">
+                    <a:tint val="75000"/>
+                  </a:schemeClr>
+                </a:solidFill>
+                <a:latin typeface="나눔고딕" charset="0"/>
+                <a:ea typeface="나눔고딕" charset="0"/>
+              </a:rPr>
+              <a:t>용</a:t>
+            </a:r>
+            <a:r>
+              <a:rPr lang="en-US" altLang="ko-KR" sz="1800" b="1">
+                <a:solidFill>
+                  <a:schemeClr val="tx1">
+                    <a:tint val="75000"/>
+                  </a:schemeClr>
+                </a:solidFill>
+                <a:latin typeface="나눔고딕" charset="0"/>
+                <a:ea typeface="나눔고딕" charset="0"/>
+              </a:rPr>
+              <a:t> </a:t>
+            </a:r>
+            <a:r>
+              <a:rPr lang="en-US" altLang="ko-KR" sz="1800" b="1">
+                <a:solidFill>
+                  <a:schemeClr val="tx1">
+                    <a:tint val="75000"/>
+                  </a:schemeClr>
+                </a:solidFill>
+                <a:latin typeface="나눔고딕" charset="0"/>
+                <a:ea typeface="나눔고딕" charset="0"/>
+              </a:rPr>
+              <a:t>화면</a:t>
+            </a:r>
+            <a:r>
+              <a:rPr lang="en-US" altLang="ko-KR" sz="1800" b="1">
+                <a:solidFill>
+                  <a:schemeClr val="tx1">
+                    <a:tint val="75000"/>
+                  </a:schemeClr>
+                </a:solidFill>
+                <a:latin typeface="나눔고딕" charset="0"/>
+                <a:ea typeface="나눔고딕" charset="0"/>
+              </a:rPr>
+              <a:t>,</a:t>
+            </a:r>
+            <a:r>
+              <a:rPr lang="en-US" altLang="ko-KR" sz="1800" b="1">
+                <a:solidFill>
+                  <a:schemeClr val="tx1">
+                    <a:tint val="75000"/>
+                  </a:schemeClr>
+                </a:solidFill>
+                <a:latin typeface="나눔고딕" charset="0"/>
+                <a:ea typeface="나눔고딕" charset="0"/>
+              </a:rPr>
+              <a:t> 회원</a:t>
+            </a:r>
+            <a:r>
+              <a:rPr lang="en-US" altLang="ko-KR" sz="1800" b="1">
+                <a:solidFill>
+                  <a:schemeClr val="tx1">
+                    <a:tint val="75000"/>
+                  </a:schemeClr>
+                </a:solidFill>
+                <a:latin typeface="나눔고딕" charset="0"/>
+                <a:ea typeface="나눔고딕" charset="0"/>
+              </a:rPr>
+              <a:t>용</a:t>
+            </a:r>
+            <a:r>
+              <a:rPr lang="en-US" altLang="ko-KR" sz="1800" b="1">
+                <a:solidFill>
+                  <a:schemeClr val="tx1">
+                    <a:tint val="75000"/>
+                  </a:schemeClr>
+                </a:solidFill>
+                <a:latin typeface="나눔고딕" charset="0"/>
+                <a:ea typeface="나눔고딕" charset="0"/>
+              </a:rPr>
+              <a:t> 화면으로 </a:t>
+            </a:r>
+            <a:r>
+              <a:rPr lang="en-US" altLang="ko-KR" sz="1800" b="1">
+                <a:solidFill>
+                  <a:schemeClr val="tx1">
+                    <a:tint val="75000"/>
+                  </a:schemeClr>
+                </a:solidFill>
+                <a:latin typeface="나눔고딕" charset="0"/>
+                <a:ea typeface="나눔고딕" charset="0"/>
+              </a:rPr>
+              <a:t>구</a:t>
+            </a:r>
+            <a:r>
+              <a:rPr lang="en-US" altLang="ko-KR" sz="1800" b="1">
+                <a:solidFill>
+                  <a:schemeClr val="tx1">
+                    <a:tint val="75000"/>
+                  </a:schemeClr>
+                </a:solidFill>
+                <a:latin typeface="나눔고딕" charset="0"/>
+                <a:ea typeface="나눔고딕" charset="0"/>
+              </a:rPr>
+              <a:t>성</a:t>
             </a:r>
             <a:endParaRPr lang="ko-KR" altLang="en-US" sz="1800" b="1">
               <a:solidFill>
@@ -4892,7 +5732,235 @@
                 <a:latin typeface="나눔고딕" charset="0"/>
                 <a:ea typeface="나눔고딕" charset="0"/>
               </a:rPr>
-              <a:t>- 회원용 화면 메뉴에는 차량리스트, 내 차량, 문의하기 표시</a:t>
+              <a:t>- 회원</a:t>
+            </a:r>
+            <a:r>
+              <a:rPr lang="en-US" altLang="ko-KR" sz="1800" b="1">
+                <a:solidFill>
+                  <a:schemeClr val="tx1">
+                    <a:tint val="75000"/>
+                  </a:schemeClr>
+                </a:solidFill>
+                <a:latin typeface="나눔고딕" charset="0"/>
+                <a:ea typeface="나눔고딕" charset="0"/>
+              </a:rPr>
+              <a:t>용</a:t>
+            </a:r>
+            <a:r>
+              <a:rPr lang="en-US" altLang="ko-KR" sz="1800" b="1">
+                <a:solidFill>
+                  <a:schemeClr val="tx1">
+                    <a:tint val="75000"/>
+                  </a:schemeClr>
+                </a:solidFill>
+                <a:latin typeface="나눔고딕" charset="0"/>
+                <a:ea typeface="나눔고딕" charset="0"/>
+              </a:rPr>
+              <a:t> </a:t>
+            </a:r>
+            <a:r>
+              <a:rPr lang="en-US" altLang="ko-KR" sz="1800" b="1">
+                <a:solidFill>
+                  <a:schemeClr val="tx1">
+                    <a:tint val="75000"/>
+                  </a:schemeClr>
+                </a:solidFill>
+                <a:latin typeface="나눔고딕" charset="0"/>
+                <a:ea typeface="나눔고딕" charset="0"/>
+              </a:rPr>
+              <a:t>화</a:t>
+            </a:r>
+            <a:r>
+              <a:rPr lang="en-US" altLang="ko-KR" sz="1800" b="1">
+                <a:solidFill>
+                  <a:schemeClr val="tx1">
+                    <a:tint val="75000"/>
+                  </a:schemeClr>
+                </a:solidFill>
+                <a:latin typeface="나눔고딕" charset="0"/>
+                <a:ea typeface="나눔고딕" charset="0"/>
+              </a:rPr>
+              <a:t>면</a:t>
+            </a:r>
+            <a:r>
+              <a:rPr lang="en-US" altLang="ko-KR" sz="1800" b="1">
+                <a:solidFill>
+                  <a:schemeClr val="tx1">
+                    <a:tint val="75000"/>
+                  </a:schemeClr>
+                </a:solidFill>
+                <a:latin typeface="나눔고딕" charset="0"/>
+                <a:ea typeface="나눔고딕" charset="0"/>
+              </a:rPr>
+              <a:t> </a:t>
+            </a:r>
+            <a:r>
+              <a:rPr lang="en-US" altLang="ko-KR" sz="1800" b="1">
+                <a:solidFill>
+                  <a:schemeClr val="tx1">
+                    <a:tint val="75000"/>
+                  </a:schemeClr>
+                </a:solidFill>
+                <a:latin typeface="나눔고딕" charset="0"/>
+                <a:ea typeface="나눔고딕" charset="0"/>
+              </a:rPr>
+              <a:t>메뉴에는</a:t>
+            </a:r>
+            <a:r>
+              <a:rPr lang="en-US" altLang="ko-KR" sz="1800" b="1">
+                <a:solidFill>
+                  <a:schemeClr val="tx1">
+                    <a:tint val="75000"/>
+                  </a:schemeClr>
+                </a:solidFill>
+                <a:latin typeface="나눔고딕" charset="0"/>
+                <a:ea typeface="나눔고딕" charset="0"/>
+              </a:rPr>
+              <a:t> </a:t>
+            </a:r>
+            <a:r>
+              <a:rPr lang="en-US" altLang="ko-KR" sz="1800" b="1">
+                <a:solidFill>
+                  <a:schemeClr val="tx1">
+                    <a:tint val="75000"/>
+                  </a:schemeClr>
+                </a:solidFill>
+                <a:latin typeface="나눔고딕" charset="0"/>
+                <a:ea typeface="나눔고딕" charset="0"/>
+              </a:rPr>
+              <a:t>차</a:t>
+            </a:r>
+            <a:r>
+              <a:rPr lang="en-US" altLang="ko-KR" sz="1800" b="1">
+                <a:solidFill>
+                  <a:schemeClr val="tx1">
+                    <a:tint val="75000"/>
+                  </a:schemeClr>
+                </a:solidFill>
+                <a:latin typeface="나눔고딕" charset="0"/>
+                <a:ea typeface="나눔고딕" charset="0"/>
+              </a:rPr>
+              <a:t>량리스</a:t>
+            </a:r>
+            <a:r>
+              <a:rPr lang="en-US" altLang="ko-KR" sz="1800" b="1">
+                <a:solidFill>
+                  <a:schemeClr val="tx1">
+                    <a:tint val="75000"/>
+                  </a:schemeClr>
+                </a:solidFill>
+                <a:latin typeface="나눔고딕" charset="0"/>
+                <a:ea typeface="나눔고딕" charset="0"/>
+              </a:rPr>
+              <a:t>트</a:t>
+            </a:r>
+            <a:r>
+              <a:rPr lang="en-US" altLang="ko-KR" sz="1800" b="1">
+                <a:solidFill>
+                  <a:schemeClr val="tx1">
+                    <a:tint val="75000"/>
+                  </a:schemeClr>
+                </a:solidFill>
+                <a:latin typeface="나눔고딕" charset="0"/>
+                <a:ea typeface="나눔고딕" charset="0"/>
+              </a:rPr>
+              <a:t>,</a:t>
+            </a:r>
+            <a:r>
+              <a:rPr lang="en-US" altLang="ko-KR" sz="1800" b="1">
+                <a:solidFill>
+                  <a:schemeClr val="tx1">
+                    <a:tint val="75000"/>
+                  </a:schemeClr>
+                </a:solidFill>
+                <a:latin typeface="나눔고딕" charset="0"/>
+                <a:ea typeface="나눔고딕" charset="0"/>
+              </a:rPr>
+              <a:t> </a:t>
+            </a:r>
+            <a:r>
+              <a:rPr lang="en-US" altLang="ko-KR" sz="1800" b="1">
+                <a:solidFill>
+                  <a:schemeClr val="tx1">
+                    <a:tint val="75000"/>
+                  </a:schemeClr>
+                </a:solidFill>
+                <a:latin typeface="나눔고딕" charset="0"/>
+                <a:ea typeface="나눔고딕" charset="0"/>
+              </a:rPr>
+              <a:t>내 차량</a:t>
+            </a:r>
+            <a:r>
+              <a:rPr lang="en-US" altLang="ko-KR" sz="1800" b="1">
+                <a:solidFill>
+                  <a:schemeClr val="tx1">
+                    <a:tint val="75000"/>
+                  </a:schemeClr>
+                </a:solidFill>
+                <a:latin typeface="나눔고딕" charset="0"/>
+                <a:ea typeface="나눔고딕" charset="0"/>
+              </a:rPr>
+              <a:t>,</a:t>
+            </a:r>
+            <a:r>
+              <a:rPr lang="en-US" altLang="ko-KR" sz="1800" b="1">
+                <a:solidFill>
+                  <a:schemeClr val="tx1">
+                    <a:tint val="75000"/>
+                  </a:schemeClr>
+                </a:solidFill>
+                <a:latin typeface="나눔고딕" charset="0"/>
+                <a:ea typeface="나눔고딕" charset="0"/>
+              </a:rPr>
+              <a:t> </a:t>
+            </a:r>
+            <a:r>
+              <a:rPr lang="en-US" altLang="ko-KR" sz="1800" b="1">
+                <a:solidFill>
+                  <a:schemeClr val="tx1">
+                    <a:tint val="75000"/>
+                  </a:schemeClr>
+                </a:solidFill>
+                <a:latin typeface="나눔고딕" charset="0"/>
+                <a:ea typeface="나눔고딕" charset="0"/>
+              </a:rPr>
+              <a:t>문</a:t>
+            </a:r>
+            <a:r>
+              <a:rPr lang="en-US" altLang="ko-KR" sz="1800" b="1">
+                <a:solidFill>
+                  <a:schemeClr val="tx1">
+                    <a:tint val="75000"/>
+                  </a:schemeClr>
+                </a:solidFill>
+                <a:latin typeface="나눔고딕" charset="0"/>
+                <a:ea typeface="나눔고딕" charset="0"/>
+              </a:rPr>
+              <a:t>의하기 </a:t>
+            </a:r>
+            <a:r>
+              <a:rPr lang="en-US" altLang="ko-KR" sz="1800" b="1">
+                <a:solidFill>
+                  <a:schemeClr val="tx1">
+                    <a:tint val="75000"/>
+                  </a:schemeClr>
+                </a:solidFill>
+                <a:latin typeface="나눔고딕" charset="0"/>
+                <a:ea typeface="나눔고딕" charset="0"/>
+              </a:rPr>
+              <a:t>표</a:t>
+            </a:r>
+            <a:r>
+              <a:rPr lang="en-US" altLang="ko-KR" sz="1800" b="1">
+                <a:solidFill>
+                  <a:schemeClr val="tx1">
+                    <a:tint val="75000"/>
+                  </a:schemeClr>
+                </a:solidFill>
+                <a:latin typeface="나눔고딕" charset="0"/>
+                <a:ea typeface="나눔고딕" charset="0"/>
+              </a:rPr>
+              <a:t>시</a:t>
             </a:r>
             <a:endParaRPr lang="ko-KR" altLang="en-US" sz="1800" b="1">
               <a:solidFill>
@@ -4928,7 +5996,163 @@
                 <a:latin typeface="나눔고딕" charset="0"/>
                 <a:ea typeface="나눔고딕" charset="0"/>
               </a:rPr>
-              <a:t>- 관리자용 화면 메뉴에는 차량관리, 회원관리 메뉴 추가</a:t>
+              <a:t>- 관리</a:t>
+            </a:r>
+            <a:r>
+              <a:rPr lang="en-US" altLang="ko-KR" sz="1800" b="1">
+                <a:solidFill>
+                  <a:schemeClr val="tx1">
+                    <a:tint val="75000"/>
+                  </a:schemeClr>
+                </a:solidFill>
+                <a:latin typeface="나눔고딕" charset="0"/>
+                <a:ea typeface="나눔고딕" charset="0"/>
+              </a:rPr>
+              <a:t>자</a:t>
+            </a:r>
+            <a:r>
+              <a:rPr lang="en-US" altLang="ko-KR" sz="1800" b="1">
+                <a:solidFill>
+                  <a:schemeClr val="tx1">
+                    <a:tint val="75000"/>
+                  </a:schemeClr>
+                </a:solidFill>
+                <a:latin typeface="나눔고딕" charset="0"/>
+                <a:ea typeface="나눔고딕" charset="0"/>
+              </a:rPr>
+              <a:t>용</a:t>
+            </a:r>
+            <a:r>
+              <a:rPr lang="en-US" altLang="ko-KR" sz="1800" b="1">
+                <a:solidFill>
+                  <a:schemeClr val="tx1">
+                    <a:tint val="75000"/>
+                  </a:schemeClr>
+                </a:solidFill>
+                <a:latin typeface="나눔고딕" charset="0"/>
+                <a:ea typeface="나눔고딕" charset="0"/>
+              </a:rPr>
+              <a:t> 화면 메뉴에</a:t>
+            </a:r>
+            <a:r>
+              <a:rPr lang="en-US" altLang="ko-KR" sz="1800" b="1">
+                <a:solidFill>
+                  <a:schemeClr val="tx1">
+                    <a:tint val="75000"/>
+                  </a:schemeClr>
+                </a:solidFill>
+                <a:latin typeface="나눔고딕" charset="0"/>
+                <a:ea typeface="나눔고딕" charset="0"/>
+              </a:rPr>
+              <a:t>는</a:t>
+            </a:r>
+            <a:r>
+              <a:rPr lang="en-US" altLang="ko-KR" sz="1800" b="1">
+                <a:solidFill>
+                  <a:schemeClr val="tx1">
+                    <a:tint val="75000"/>
+                  </a:schemeClr>
+                </a:solidFill>
+                <a:latin typeface="나눔고딕" charset="0"/>
+                <a:ea typeface="나눔고딕" charset="0"/>
+              </a:rPr>
+              <a:t> </a:t>
+            </a:r>
+            <a:r>
+              <a:rPr lang="en-US" altLang="ko-KR" sz="1800" b="1">
+                <a:solidFill>
+                  <a:schemeClr val="tx1">
+                    <a:tint val="75000"/>
+                  </a:schemeClr>
+                </a:solidFill>
+                <a:latin typeface="나눔고딕" charset="0"/>
+                <a:ea typeface="나눔고딕" charset="0"/>
+              </a:rPr>
+              <a:t>차</a:t>
+            </a:r>
+            <a:r>
+              <a:rPr lang="en-US" altLang="ko-KR" sz="1800" b="1">
+                <a:solidFill>
+                  <a:schemeClr val="tx1">
+                    <a:tint val="75000"/>
+                  </a:schemeClr>
+                </a:solidFill>
+                <a:latin typeface="나눔고딕" charset="0"/>
+                <a:ea typeface="나눔고딕" charset="0"/>
+              </a:rPr>
+              <a:t>량관리,</a:t>
+            </a:r>
+            <a:r>
+              <a:rPr lang="en-US" altLang="ko-KR" sz="1800" b="1">
+                <a:solidFill>
+                  <a:schemeClr val="tx1">
+                    <a:tint val="75000"/>
+                  </a:schemeClr>
+                </a:solidFill>
+                <a:latin typeface="나눔고딕" charset="0"/>
+                <a:ea typeface="나눔고딕" charset="0"/>
+              </a:rPr>
+              <a:t> </a:t>
+            </a:r>
+            <a:r>
+              <a:rPr lang="en-US" altLang="ko-KR" sz="1800" b="1">
+                <a:solidFill>
+                  <a:schemeClr val="tx1">
+                    <a:tint val="75000"/>
+                  </a:schemeClr>
+                </a:solidFill>
+                <a:latin typeface="나눔고딕" charset="0"/>
+                <a:ea typeface="나눔고딕" charset="0"/>
+              </a:rPr>
+              <a:t>회</a:t>
+            </a:r>
+            <a:r>
+              <a:rPr lang="en-US" altLang="ko-KR" sz="1800" b="1">
+                <a:solidFill>
+                  <a:schemeClr val="tx1">
+                    <a:tint val="75000"/>
+                  </a:schemeClr>
+                </a:solidFill>
+                <a:latin typeface="나눔고딕" charset="0"/>
+                <a:ea typeface="나눔고딕" charset="0"/>
+              </a:rPr>
+              <a:t>원관리 메</a:t>
+            </a:r>
+            <a:r>
+              <a:rPr lang="en-US" altLang="ko-KR" sz="1800" b="1">
+                <a:solidFill>
+                  <a:schemeClr val="tx1">
+                    <a:tint val="75000"/>
+                  </a:schemeClr>
+                </a:solidFill>
+                <a:latin typeface="나눔고딕" charset="0"/>
+                <a:ea typeface="나눔고딕" charset="0"/>
+              </a:rPr>
+              <a:t>뉴</a:t>
+            </a:r>
+            <a:r>
+              <a:rPr lang="en-US" altLang="ko-KR" sz="1800" b="1">
+                <a:solidFill>
+                  <a:schemeClr val="tx1">
+                    <a:tint val="75000"/>
+                  </a:schemeClr>
+                </a:solidFill>
+                <a:latin typeface="나눔고딕" charset="0"/>
+                <a:ea typeface="나눔고딕" charset="0"/>
+              </a:rPr>
+              <a:t> </a:t>
+            </a:r>
+            <a:r>
+              <a:rPr lang="en-US" altLang="ko-KR" sz="1800" b="1">
+                <a:solidFill>
+                  <a:schemeClr val="tx1">
+                    <a:tint val="75000"/>
+                  </a:schemeClr>
+                </a:solidFill>
+                <a:latin typeface="나눔고딕" charset="0"/>
+                <a:ea typeface="나눔고딕" charset="0"/>
+              </a:rPr>
+              <a:t>추가</a:t>
             </a:r>
             <a:endParaRPr lang="ko-KR" altLang="en-US" sz="1800" b="1">
               <a:solidFill>
@@ -4964,7 +6188,127 @@
                 <a:latin typeface="나눔고딕" charset="0"/>
                 <a:ea typeface="나눔고딕" charset="0"/>
               </a:rPr>
-              <a:t>- 차량은 모델명을 가나다순,  ABC순으로 정렬(한글 우선)</a:t>
+              <a:t>- </a:t>
+            </a:r>
+            <a:r>
+              <a:rPr lang="en-US" altLang="ko-KR" sz="1800" b="1">
+                <a:solidFill>
+                  <a:schemeClr val="tx1">
+                    <a:tint val="75000"/>
+                  </a:schemeClr>
+                </a:solidFill>
+                <a:latin typeface="나눔고딕" charset="0"/>
+                <a:ea typeface="나눔고딕" charset="0"/>
+              </a:rPr>
+              <a:t>차</a:t>
+            </a:r>
+            <a:r>
+              <a:rPr lang="en-US" altLang="ko-KR" sz="1800" b="1">
+                <a:solidFill>
+                  <a:schemeClr val="tx1">
+                    <a:tint val="75000"/>
+                  </a:schemeClr>
+                </a:solidFill>
+                <a:latin typeface="나눔고딕" charset="0"/>
+                <a:ea typeface="나눔고딕" charset="0"/>
+              </a:rPr>
+              <a:t>량은 모델명을 </a:t>
+            </a:r>
+            <a:r>
+              <a:rPr lang="en-US" altLang="ko-KR" sz="1800" b="1">
+                <a:solidFill>
+                  <a:schemeClr val="tx1">
+                    <a:tint val="75000"/>
+                  </a:schemeClr>
+                </a:solidFill>
+                <a:latin typeface="나눔고딕" charset="0"/>
+                <a:ea typeface="나눔고딕" charset="0"/>
+              </a:rPr>
+              <a:t>가</a:t>
+            </a:r>
+            <a:r>
+              <a:rPr lang="en-US" altLang="ko-KR" sz="1800" b="1">
+                <a:solidFill>
+                  <a:schemeClr val="tx1">
+                    <a:tint val="75000"/>
+                  </a:schemeClr>
+                </a:solidFill>
+                <a:latin typeface="나눔고딕" charset="0"/>
+                <a:ea typeface="나눔고딕" charset="0"/>
+              </a:rPr>
+              <a:t>나</a:t>
+            </a:r>
+            <a:r>
+              <a:rPr lang="en-US" altLang="ko-KR" sz="1800" b="1">
+                <a:solidFill>
+                  <a:schemeClr val="tx1">
+                    <a:tint val="75000"/>
+                  </a:schemeClr>
+                </a:solidFill>
+                <a:latin typeface="나눔고딕" charset="0"/>
+                <a:ea typeface="나눔고딕" charset="0"/>
+              </a:rPr>
+              <a:t>다</a:t>
+            </a:r>
+            <a:r>
+              <a:rPr lang="en-US" altLang="ko-KR" sz="1800" b="1">
+                <a:solidFill>
+                  <a:schemeClr val="tx1">
+                    <a:tint val="75000"/>
+                  </a:schemeClr>
+                </a:solidFill>
+                <a:latin typeface="나눔고딕" charset="0"/>
+                <a:ea typeface="나눔고딕" charset="0"/>
+              </a:rPr>
+              <a:t>순,  </a:t>
+            </a:r>
+            <a:r>
+              <a:rPr lang="en-US" altLang="ko-KR" sz="1800" b="1">
+                <a:solidFill>
+                  <a:schemeClr val="tx1">
+                    <a:tint val="75000"/>
+                  </a:schemeClr>
+                </a:solidFill>
+                <a:latin typeface="나눔고딕" charset="0"/>
+                <a:ea typeface="나눔고딕" charset="0"/>
+              </a:rPr>
+              <a:t>A</a:t>
+            </a:r>
+            <a:r>
+              <a:rPr lang="en-US" altLang="ko-KR" sz="1800" b="1">
+                <a:solidFill>
+                  <a:schemeClr val="tx1">
+                    <a:tint val="75000"/>
+                  </a:schemeClr>
+                </a:solidFill>
+                <a:latin typeface="나눔고딕" charset="0"/>
+                <a:ea typeface="나눔고딕" charset="0"/>
+              </a:rPr>
+              <a:t>BC순으로 정렬(한글 </a:t>
+            </a:r>
+            <a:r>
+              <a:rPr lang="en-US" altLang="ko-KR" sz="1800" b="1">
+                <a:solidFill>
+                  <a:schemeClr val="tx1">
+                    <a:tint val="75000"/>
+                  </a:schemeClr>
+                </a:solidFill>
+                <a:latin typeface="나눔고딕" charset="0"/>
+                <a:ea typeface="나눔고딕" charset="0"/>
+              </a:rPr>
+              <a:t>우</a:t>
+            </a:r>
+            <a:r>
+              <a:rPr lang="en-US" altLang="ko-KR" sz="1800" b="1">
+                <a:solidFill>
+                  <a:schemeClr val="tx1">
+                    <a:tint val="75000"/>
+                  </a:schemeClr>
+                </a:solidFill>
+                <a:latin typeface="나눔고딕" charset="0"/>
+                <a:ea typeface="나눔고딕" charset="0"/>
+              </a:rPr>
+              <a:t>선)</a:t>
             </a:r>
             <a:endParaRPr lang="ko-KR" altLang="en-US" sz="1800" b="1">
               <a:solidFill>
@@ -5000,7 +6344,187 @@
                 <a:latin typeface="나눔고딕" charset="0"/>
                 <a:ea typeface="나눔고딕" charset="0"/>
               </a:rPr>
-              <a:t>- 차량을 클릭하면 상세내용 확인 가능</a:t>
+              <a:t>- 차</a:t>
+            </a:r>
+            <a:r>
+              <a:rPr lang="en-US" altLang="ko-KR" sz="1800" b="1">
+                <a:solidFill>
+                  <a:schemeClr val="tx1">
+                    <a:tint val="75000"/>
+                  </a:schemeClr>
+                </a:solidFill>
+                <a:latin typeface="나눔고딕" charset="0"/>
+                <a:ea typeface="나눔고딕" charset="0"/>
+              </a:rPr>
+              <a:t>량</a:t>
+            </a:r>
+            <a:r>
+              <a:rPr lang="en-US" altLang="ko-KR" sz="1800" b="1">
+                <a:solidFill>
+                  <a:schemeClr val="tx1">
+                    <a:tint val="75000"/>
+                  </a:schemeClr>
+                </a:solidFill>
+                <a:latin typeface="나눔고딕" charset="0"/>
+                <a:ea typeface="나눔고딕" charset="0"/>
+              </a:rPr>
+              <a:t>을</a:t>
+            </a:r>
+            <a:r>
+              <a:rPr lang="en-US" altLang="ko-KR" sz="1800" b="1">
+                <a:solidFill>
+                  <a:schemeClr val="tx1">
+                    <a:tint val="75000"/>
+                  </a:schemeClr>
+                </a:solidFill>
+                <a:latin typeface="나눔고딕" charset="0"/>
+                <a:ea typeface="나눔고딕" charset="0"/>
+              </a:rPr>
+              <a:t> </a:t>
+            </a:r>
+            <a:r>
+              <a:rPr lang="en-US" altLang="ko-KR" sz="1800" b="1">
+                <a:solidFill>
+                  <a:schemeClr val="tx1">
+                    <a:tint val="75000"/>
+                  </a:schemeClr>
+                </a:solidFill>
+                <a:latin typeface="나눔고딕" charset="0"/>
+                <a:ea typeface="나눔고딕" charset="0"/>
+              </a:rPr>
+              <a:t>클릭하</a:t>
+            </a:r>
+            <a:r>
+              <a:rPr lang="en-US" altLang="ko-KR" sz="1800" b="1">
+                <a:solidFill>
+                  <a:schemeClr val="tx1">
+                    <a:tint val="75000"/>
+                  </a:schemeClr>
+                </a:solidFill>
+                <a:latin typeface="나눔고딕" charset="0"/>
+                <a:ea typeface="나눔고딕" charset="0"/>
+              </a:rPr>
+              <a:t>면</a:t>
+            </a:r>
+            <a:r>
+              <a:rPr lang="en-US" altLang="ko-KR" sz="1800" b="1">
+                <a:solidFill>
+                  <a:schemeClr val="tx1">
+                    <a:tint val="75000"/>
+                  </a:schemeClr>
+                </a:solidFill>
+                <a:latin typeface="나눔고딕" charset="0"/>
+                <a:ea typeface="나눔고딕" charset="0"/>
+              </a:rPr>
+              <a:t> </a:t>
+            </a:r>
+            <a:r>
+              <a:rPr lang="en-US" altLang="ko-KR" sz="1800" b="1">
+                <a:solidFill>
+                  <a:schemeClr val="tx1">
+                    <a:tint val="75000"/>
+                  </a:schemeClr>
+                </a:solidFill>
+                <a:latin typeface="나눔고딕" charset="0"/>
+                <a:ea typeface="나눔고딕" charset="0"/>
+              </a:rPr>
+              <a:t>상</a:t>
+            </a:r>
+            <a:r>
+              <a:rPr lang="en-US" altLang="ko-KR" sz="1800" b="1">
+                <a:solidFill>
+                  <a:schemeClr val="tx1">
+                    <a:tint val="75000"/>
+                  </a:schemeClr>
+                </a:solidFill>
+                <a:latin typeface="나눔고딕" charset="0"/>
+                <a:ea typeface="나눔고딕" charset="0"/>
+              </a:rPr>
+              <a:t>세</a:t>
+            </a:r>
+            <a:r>
+              <a:rPr lang="en-US" altLang="ko-KR" sz="1800" b="1">
+                <a:solidFill>
+                  <a:schemeClr val="tx1">
+                    <a:tint val="75000"/>
+                  </a:schemeClr>
+                </a:solidFill>
+                <a:latin typeface="나눔고딕" charset="0"/>
+                <a:ea typeface="나눔고딕" charset="0"/>
+              </a:rPr>
+              <a:t>내</a:t>
+            </a:r>
+            <a:r>
+              <a:rPr lang="en-US" altLang="ko-KR" sz="1800" b="1">
+                <a:solidFill>
+                  <a:schemeClr val="tx1">
+                    <a:tint val="75000"/>
+                  </a:schemeClr>
+                </a:solidFill>
+                <a:latin typeface="나눔고딕" charset="0"/>
+                <a:ea typeface="나눔고딕" charset="0"/>
+              </a:rPr>
+              <a:t>용</a:t>
+            </a:r>
+            <a:r>
+              <a:rPr lang="en-US" altLang="ko-KR" sz="1800" b="1">
+                <a:solidFill>
+                  <a:schemeClr val="tx1">
+                    <a:tint val="75000"/>
+                  </a:schemeClr>
+                </a:solidFill>
+                <a:latin typeface="나눔고딕" charset="0"/>
+                <a:ea typeface="나눔고딕" charset="0"/>
+              </a:rPr>
+              <a:t> </a:t>
+            </a:r>
+            <a:r>
+              <a:rPr lang="en-US" altLang="ko-KR" sz="1800" b="1">
+                <a:solidFill>
+                  <a:schemeClr val="tx1">
+                    <a:tint val="75000"/>
+                  </a:schemeClr>
+                </a:solidFill>
+                <a:latin typeface="나눔고딕" charset="0"/>
+                <a:ea typeface="나눔고딕" charset="0"/>
+              </a:rPr>
+              <a:t>확인</a:t>
+            </a:r>
+            <a:r>
+              <a:rPr lang="en-US" altLang="ko-KR" sz="1800" b="1">
+                <a:solidFill>
+                  <a:schemeClr val="tx1">
+                    <a:tint val="75000"/>
+                  </a:schemeClr>
+                </a:solidFill>
+                <a:latin typeface="나눔고딕" charset="0"/>
+                <a:ea typeface="나눔고딕" charset="0"/>
+              </a:rPr>
+              <a:t> </a:t>
+            </a:r>
+            <a:r>
+              <a:rPr lang="en-US" altLang="ko-KR" sz="1800" b="1">
+                <a:solidFill>
+                  <a:schemeClr val="tx1">
+                    <a:tint val="75000"/>
+                  </a:schemeClr>
+                </a:solidFill>
+                <a:latin typeface="나눔고딕" charset="0"/>
+                <a:ea typeface="나눔고딕" charset="0"/>
+              </a:rPr>
+              <a:t>가</a:t>
+            </a:r>
+            <a:r>
+              <a:rPr lang="en-US" altLang="ko-KR" sz="1800" b="1">
+                <a:solidFill>
+                  <a:schemeClr val="tx1">
+                    <a:tint val="75000"/>
+                  </a:schemeClr>
+                </a:solidFill>
+                <a:latin typeface="나눔고딕" charset="0"/>
+                <a:ea typeface="나눔고딕" charset="0"/>
+              </a:rPr>
+              <a:t>능</a:t>
             </a:r>
             <a:endParaRPr lang="ko-KR" altLang="en-US" sz="1800" b="1">
               <a:solidFill>
@@ -5036,7 +6560,379 @@
                 <a:latin typeface="나눔고딕" charset="0"/>
                 <a:ea typeface="나눔고딕" charset="0"/>
               </a:rPr>
-              <a:t>- 상세내용에는 차량번호, 대여비용, 보유지점, 탑승인원, 연료종류, 예약기간 표시</a:t>
+              <a:t>- 상</a:t>
+            </a:r>
+            <a:r>
+              <a:rPr lang="en-US" altLang="ko-KR" sz="1800" b="1">
+                <a:solidFill>
+                  <a:schemeClr val="tx1">
+                    <a:tint val="75000"/>
+                  </a:schemeClr>
+                </a:solidFill>
+                <a:latin typeface="나눔고딕" charset="0"/>
+                <a:ea typeface="나눔고딕" charset="0"/>
+              </a:rPr>
+              <a:t>세</a:t>
+            </a:r>
+            <a:r>
+              <a:rPr lang="en-US" altLang="ko-KR" sz="1800" b="1">
+                <a:solidFill>
+                  <a:schemeClr val="tx1">
+                    <a:tint val="75000"/>
+                  </a:schemeClr>
+                </a:solidFill>
+                <a:latin typeface="나눔고딕" charset="0"/>
+                <a:ea typeface="나눔고딕" charset="0"/>
+              </a:rPr>
+              <a:t>내</a:t>
+            </a:r>
+            <a:r>
+              <a:rPr lang="en-US" altLang="ko-KR" sz="1800" b="1">
+                <a:solidFill>
+                  <a:schemeClr val="tx1">
+                    <a:tint val="75000"/>
+                  </a:schemeClr>
+                </a:solidFill>
+                <a:latin typeface="나눔고딕" charset="0"/>
+                <a:ea typeface="나눔고딕" charset="0"/>
+              </a:rPr>
+              <a:t>용</a:t>
+            </a:r>
+            <a:r>
+              <a:rPr lang="en-US" altLang="ko-KR" sz="1800" b="1">
+                <a:solidFill>
+                  <a:schemeClr val="tx1">
+                    <a:tint val="75000"/>
+                  </a:schemeClr>
+                </a:solidFill>
+                <a:latin typeface="나눔고딕" charset="0"/>
+                <a:ea typeface="나눔고딕" charset="0"/>
+              </a:rPr>
+              <a:t>에는 차</a:t>
+            </a:r>
+            <a:r>
+              <a:rPr lang="en-US" altLang="ko-KR" sz="1800" b="1">
+                <a:solidFill>
+                  <a:schemeClr val="tx1">
+                    <a:tint val="75000"/>
+                  </a:schemeClr>
+                </a:solidFill>
+                <a:latin typeface="나눔고딕" charset="0"/>
+                <a:ea typeface="나눔고딕" charset="0"/>
+              </a:rPr>
+              <a:t>량</a:t>
+            </a:r>
+            <a:r>
+              <a:rPr lang="en-US" altLang="ko-KR" sz="1800" b="1">
+                <a:solidFill>
+                  <a:schemeClr val="tx1">
+                    <a:tint val="75000"/>
+                  </a:schemeClr>
+                </a:solidFill>
+                <a:latin typeface="나눔고딕" charset="0"/>
+                <a:ea typeface="나눔고딕" charset="0"/>
+              </a:rPr>
+              <a:t>번</a:t>
+            </a:r>
+            <a:r>
+              <a:rPr lang="en-US" altLang="ko-KR" sz="1800" b="1">
+                <a:solidFill>
+                  <a:schemeClr val="tx1">
+                    <a:tint val="75000"/>
+                  </a:schemeClr>
+                </a:solidFill>
+                <a:latin typeface="나눔고딕" charset="0"/>
+                <a:ea typeface="나눔고딕" charset="0"/>
+              </a:rPr>
+              <a:t>호</a:t>
+            </a:r>
+            <a:r>
+              <a:rPr lang="en-US" altLang="ko-KR" sz="1800" b="1">
+                <a:solidFill>
+                  <a:schemeClr val="tx1">
+                    <a:tint val="75000"/>
+                  </a:schemeClr>
+                </a:solidFill>
+                <a:latin typeface="나눔고딕" charset="0"/>
+                <a:ea typeface="나눔고딕" charset="0"/>
+              </a:rPr>
+              <a:t>, </a:t>
+            </a:r>
+            <a:r>
+              <a:rPr lang="en-US" altLang="ko-KR" sz="1800" b="1">
+                <a:solidFill>
+                  <a:schemeClr val="tx1">
+                    <a:tint val="75000"/>
+                  </a:schemeClr>
+                </a:solidFill>
+                <a:latin typeface="나눔고딕" charset="0"/>
+                <a:ea typeface="나눔고딕" charset="0"/>
+              </a:rPr>
+              <a:t>대</a:t>
+            </a:r>
+            <a:r>
+              <a:rPr lang="en-US" altLang="ko-KR" sz="1800" b="1">
+                <a:solidFill>
+                  <a:schemeClr val="tx1">
+                    <a:tint val="75000"/>
+                  </a:schemeClr>
+                </a:solidFill>
+                <a:latin typeface="나눔고딕" charset="0"/>
+                <a:ea typeface="나눔고딕" charset="0"/>
+              </a:rPr>
+              <a:t>여</a:t>
+            </a:r>
+            <a:r>
+              <a:rPr lang="en-US" altLang="ko-KR" sz="1800" b="1">
+                <a:solidFill>
+                  <a:schemeClr val="tx1">
+                    <a:tint val="75000"/>
+                  </a:schemeClr>
+                </a:solidFill>
+                <a:latin typeface="나눔고딕" charset="0"/>
+                <a:ea typeface="나눔고딕" charset="0"/>
+              </a:rPr>
+              <a:t>비</a:t>
+            </a:r>
+            <a:r>
+              <a:rPr lang="en-US" altLang="ko-KR" sz="1800" b="1">
+                <a:solidFill>
+                  <a:schemeClr val="tx1">
+                    <a:tint val="75000"/>
+                  </a:schemeClr>
+                </a:solidFill>
+                <a:latin typeface="나눔고딕" charset="0"/>
+                <a:ea typeface="나눔고딕" charset="0"/>
+              </a:rPr>
+              <a:t>용</a:t>
+            </a:r>
+            <a:r>
+              <a:rPr lang="en-US" altLang="ko-KR" sz="1800" b="1">
+                <a:solidFill>
+                  <a:schemeClr val="tx1">
+                    <a:tint val="75000"/>
+                  </a:schemeClr>
+                </a:solidFill>
+                <a:latin typeface="나눔고딕" charset="0"/>
+                <a:ea typeface="나눔고딕" charset="0"/>
+              </a:rPr>
+              <a:t>, </a:t>
+            </a:r>
+            <a:r>
+              <a:rPr lang="en-US" altLang="ko-KR" sz="1800" b="1">
+                <a:solidFill>
+                  <a:schemeClr val="tx1">
+                    <a:tint val="75000"/>
+                  </a:schemeClr>
+                </a:solidFill>
+                <a:latin typeface="나눔고딕" charset="0"/>
+                <a:ea typeface="나눔고딕" charset="0"/>
+              </a:rPr>
+              <a:t>보</a:t>
+            </a:r>
+            <a:r>
+              <a:rPr lang="en-US" altLang="ko-KR" sz="1800" b="1">
+                <a:solidFill>
+                  <a:schemeClr val="tx1">
+                    <a:tint val="75000"/>
+                  </a:schemeClr>
+                </a:solidFill>
+                <a:latin typeface="나눔고딕" charset="0"/>
+                <a:ea typeface="나눔고딕" charset="0"/>
+              </a:rPr>
+              <a:t>유</a:t>
+            </a:r>
+            <a:r>
+              <a:rPr lang="en-US" altLang="ko-KR" sz="1800" b="1">
+                <a:solidFill>
+                  <a:schemeClr val="tx1">
+                    <a:tint val="75000"/>
+                  </a:schemeClr>
+                </a:solidFill>
+                <a:latin typeface="나눔고딕" charset="0"/>
+                <a:ea typeface="나눔고딕" charset="0"/>
+              </a:rPr>
+              <a:t>지점</a:t>
+            </a:r>
+            <a:r>
+              <a:rPr lang="en-US" altLang="ko-KR" sz="1800" b="1">
+                <a:solidFill>
+                  <a:schemeClr val="tx1">
+                    <a:tint val="75000"/>
+                  </a:schemeClr>
+                </a:solidFill>
+                <a:latin typeface="나눔고딕" charset="0"/>
+                <a:ea typeface="나눔고딕" charset="0"/>
+              </a:rPr>
+              <a:t>,</a:t>
+            </a:r>
+            <a:r>
+              <a:rPr lang="en-US" altLang="ko-KR" sz="1800" b="1">
+                <a:solidFill>
+                  <a:schemeClr val="tx1">
+                    <a:tint val="75000"/>
+                  </a:schemeClr>
+                </a:solidFill>
+                <a:latin typeface="나눔고딕" charset="0"/>
+                <a:ea typeface="나눔고딕" charset="0"/>
+              </a:rPr>
+              <a:t> 탑</a:t>
+            </a:r>
+            <a:r>
+              <a:rPr lang="en-US" altLang="ko-KR" sz="1800" b="1">
+                <a:solidFill>
+                  <a:schemeClr val="tx1">
+                    <a:tint val="75000"/>
+                  </a:schemeClr>
+                </a:solidFill>
+                <a:latin typeface="나눔고딕" charset="0"/>
+                <a:ea typeface="나눔고딕" charset="0"/>
+              </a:rPr>
+              <a:t>승</a:t>
+            </a:r>
+            <a:r>
+              <a:rPr lang="en-US" altLang="ko-KR" sz="1800" b="1">
+                <a:solidFill>
+                  <a:schemeClr val="tx1">
+                    <a:tint val="75000"/>
+                  </a:schemeClr>
+                </a:solidFill>
+                <a:latin typeface="나눔고딕" charset="0"/>
+                <a:ea typeface="나눔고딕" charset="0"/>
+              </a:rPr>
+              <a:t>인</a:t>
+            </a:r>
+            <a:r>
+              <a:rPr lang="en-US" altLang="ko-KR" sz="1800" b="1">
+                <a:solidFill>
+                  <a:schemeClr val="tx1">
+                    <a:tint val="75000"/>
+                  </a:schemeClr>
+                </a:solidFill>
+                <a:latin typeface="나눔고딕" charset="0"/>
+                <a:ea typeface="나눔고딕" charset="0"/>
+              </a:rPr>
+              <a:t>원,</a:t>
+            </a:r>
+            <a:r>
+              <a:rPr lang="en-US" altLang="ko-KR" sz="1800" b="1">
+                <a:solidFill>
+                  <a:schemeClr val="tx1">
+                    <a:tint val="75000"/>
+                  </a:schemeClr>
+                </a:solidFill>
+                <a:latin typeface="나눔고딕" charset="0"/>
+                <a:ea typeface="나눔고딕" charset="0"/>
+              </a:rPr>
+              <a:t> </a:t>
+            </a:r>
+            <a:r>
+              <a:rPr lang="en-US" altLang="ko-KR" sz="1800" b="1">
+                <a:solidFill>
+                  <a:schemeClr val="tx1">
+                    <a:tint val="75000"/>
+                  </a:schemeClr>
+                </a:solidFill>
+                <a:latin typeface="나눔고딕" charset="0"/>
+                <a:ea typeface="나눔고딕" charset="0"/>
+              </a:rPr>
+              <a:t>연</a:t>
+            </a:r>
+            <a:r>
+              <a:rPr lang="en-US" altLang="ko-KR" sz="1800" b="1">
+                <a:solidFill>
+                  <a:schemeClr val="tx1">
+                    <a:tint val="75000"/>
+                  </a:schemeClr>
+                </a:solidFill>
+                <a:latin typeface="나눔고딕" charset="0"/>
+                <a:ea typeface="나눔고딕" charset="0"/>
+              </a:rPr>
+              <a:t>료</a:t>
+            </a:r>
+            <a:r>
+              <a:rPr lang="en-US" altLang="ko-KR" sz="1800" b="1">
+                <a:solidFill>
+                  <a:schemeClr val="tx1">
+                    <a:tint val="75000"/>
+                  </a:schemeClr>
+                </a:solidFill>
+                <a:latin typeface="나눔고딕" charset="0"/>
+                <a:ea typeface="나눔고딕" charset="0"/>
+              </a:rPr>
+              <a:t>종</a:t>
+            </a:r>
+            <a:r>
+              <a:rPr lang="en-US" altLang="ko-KR" sz="1800" b="1">
+                <a:solidFill>
+                  <a:schemeClr val="tx1">
+                    <a:tint val="75000"/>
+                  </a:schemeClr>
+                </a:solidFill>
+                <a:latin typeface="나눔고딕" charset="0"/>
+                <a:ea typeface="나눔고딕" charset="0"/>
+              </a:rPr>
+              <a:t>류,</a:t>
+            </a:r>
+            <a:r>
+              <a:rPr lang="en-US" altLang="ko-KR" sz="1800" b="1">
+                <a:solidFill>
+                  <a:schemeClr val="tx1">
+                    <a:tint val="75000"/>
+                  </a:schemeClr>
+                </a:solidFill>
+                <a:latin typeface="나눔고딕" charset="0"/>
+                <a:ea typeface="나눔고딕" charset="0"/>
+              </a:rPr>
+              <a:t> </a:t>
+            </a:r>
+            <a:r>
+              <a:rPr lang="en-US" altLang="ko-KR" sz="1800" b="1">
+                <a:solidFill>
+                  <a:schemeClr val="tx1">
+                    <a:tint val="75000"/>
+                  </a:schemeClr>
+                </a:solidFill>
+                <a:latin typeface="나눔고딕" charset="0"/>
+                <a:ea typeface="나눔고딕" charset="0"/>
+              </a:rPr>
+              <a:t>예</a:t>
+            </a:r>
+            <a:r>
+              <a:rPr lang="en-US" altLang="ko-KR" sz="1800" b="1">
+                <a:solidFill>
+                  <a:schemeClr val="tx1">
+                    <a:tint val="75000"/>
+                  </a:schemeClr>
+                </a:solidFill>
+                <a:latin typeface="나눔고딕" charset="0"/>
+                <a:ea typeface="나눔고딕" charset="0"/>
+              </a:rPr>
+              <a:t>약</a:t>
+            </a:r>
+            <a:r>
+              <a:rPr lang="en-US" altLang="ko-KR" sz="1800" b="1">
+                <a:solidFill>
+                  <a:schemeClr val="tx1">
+                    <a:tint val="75000"/>
+                  </a:schemeClr>
+                </a:solidFill>
+                <a:latin typeface="나눔고딕" charset="0"/>
+                <a:ea typeface="나눔고딕" charset="0"/>
+              </a:rPr>
+              <a:t>기간 표</a:t>
+            </a:r>
+            <a:r>
+              <a:rPr lang="en-US" altLang="ko-KR" sz="1800" b="1">
+                <a:solidFill>
+                  <a:schemeClr val="tx1">
+                    <a:tint val="75000"/>
+                  </a:schemeClr>
+                </a:solidFill>
+                <a:latin typeface="나눔고딕" charset="0"/>
+                <a:ea typeface="나눔고딕" charset="0"/>
+              </a:rPr>
+              <a:t>시</a:t>
             </a:r>
             <a:endParaRPr lang="ko-KR" altLang="en-US" sz="1800" b="1">
               <a:solidFill>
@@ -5072,7 +6968,55 @@
                 <a:latin typeface="나눔고딕" charset="0"/>
                 <a:ea typeface="나눔고딕" charset="0"/>
               </a:rPr>
-              <a:t>- 차량 대여금액은 선지불</a:t>
+              <a:t>- 차량 </a:t>
+            </a:r>
+            <a:r>
+              <a:rPr lang="en-US" altLang="ko-KR" sz="1800" b="1">
+                <a:solidFill>
+                  <a:schemeClr val="tx1">
+                    <a:tint val="75000"/>
+                  </a:schemeClr>
+                </a:solidFill>
+                <a:latin typeface="나눔고딕" charset="0"/>
+                <a:ea typeface="나눔고딕" charset="0"/>
+              </a:rPr>
+              <a:t>대</a:t>
+            </a:r>
+            <a:r>
+              <a:rPr lang="en-US" altLang="ko-KR" sz="1800" b="1">
+                <a:solidFill>
+                  <a:schemeClr val="tx1">
+                    <a:tint val="75000"/>
+                  </a:schemeClr>
+                </a:solidFill>
+                <a:latin typeface="나눔고딕" charset="0"/>
+                <a:ea typeface="나눔고딕" charset="0"/>
+              </a:rPr>
+              <a:t>여금액은 </a:t>
+            </a:r>
+            <a:r>
+              <a:rPr lang="en-US" altLang="ko-KR" sz="1800" b="1">
+                <a:solidFill>
+                  <a:schemeClr val="tx1">
+                    <a:tint val="75000"/>
+                  </a:schemeClr>
+                </a:solidFill>
+                <a:latin typeface="나눔고딕" charset="0"/>
+                <a:ea typeface="나눔고딕" charset="0"/>
+              </a:rPr>
+              <a:t>선</a:t>
+            </a:r>
+            <a:r>
+              <a:rPr lang="en-US" altLang="ko-KR" sz="1800" b="1">
+                <a:solidFill>
+                  <a:schemeClr val="tx1">
+                    <a:tint val="75000"/>
+                  </a:schemeClr>
+                </a:solidFill>
+                <a:latin typeface="나눔고딕" charset="0"/>
+                <a:ea typeface="나눔고딕" charset="0"/>
+              </a:rPr>
+              <a:t>지불</a:t>
             </a:r>
             <a:endParaRPr lang="ko-KR" altLang="en-US" sz="1800" b="1">
               <a:solidFill>
@@ -5108,32 +7052,104 @@
                 <a:latin typeface="나눔고딕" charset="0"/>
                 <a:ea typeface="나눔고딕" charset="0"/>
               </a:rPr>
-              <a:t>- 대여금액은 일(日)단위로 측정</a:t>
-            </a:r>
-            <a:endParaRPr lang="ko-KR" altLang="en-US" sz="1800" b="1">
-              <a:solidFill>
-                <a:schemeClr val="tx1">
-                  <a:tint val="75000"/>
-                </a:schemeClr>
-              </a:solidFill>
-              <a:latin typeface="나눔고딕" charset="0"/>
-              <a:ea typeface="나눔고딕" charset="0"/>
-            </a:endParaRPr>
-          </a:p>
-          <a:p>
-            <a:pPr marL="0" indent="0" algn="l" defTabSz="914400" latinLnBrk="1">
-              <a:lnSpc>
-                <a:spcPct val="100000"/>
-              </a:lnSpc>
-              <a:spcBef>
-                <a:spcPts val="700"/>
-              </a:spcBef>
-              <a:spcAft>
-                <a:spcPts val="0"/>
-              </a:spcAft>
-              <a:buFontTx/>
-              <a:buNone/>
-            </a:pPr>
+              <a:t>- </a:t>
+            </a:r>
+            <a:r>
+              <a:rPr lang="en-US" altLang="ko-KR" sz="1800" b="1">
+                <a:solidFill>
+                  <a:schemeClr val="tx1">
+                    <a:tint val="75000"/>
+                  </a:schemeClr>
+                </a:solidFill>
+                <a:latin typeface="나눔고딕" charset="0"/>
+                <a:ea typeface="나눔고딕" charset="0"/>
+              </a:rPr>
+              <a:t>대</a:t>
+            </a:r>
+            <a:r>
+              <a:rPr lang="en-US" altLang="ko-KR" sz="1800" b="1">
+                <a:solidFill>
+                  <a:schemeClr val="tx1">
+                    <a:tint val="75000"/>
+                  </a:schemeClr>
+                </a:solidFill>
+                <a:latin typeface="나눔고딕" charset="0"/>
+                <a:ea typeface="나눔고딕" charset="0"/>
+              </a:rPr>
+              <a:t>여금액</a:t>
+            </a:r>
+            <a:r>
+              <a:rPr lang="en-US" altLang="ko-KR" sz="1800" b="1">
+                <a:solidFill>
+                  <a:schemeClr val="tx1">
+                    <a:tint val="75000"/>
+                  </a:schemeClr>
+                </a:solidFill>
+                <a:latin typeface="나눔고딕" charset="0"/>
+                <a:ea typeface="나눔고딕" charset="0"/>
+              </a:rPr>
+              <a:t>은</a:t>
+            </a:r>
+            <a:r>
+              <a:rPr lang="en-US" altLang="ko-KR" sz="1800" b="1">
+                <a:solidFill>
+                  <a:schemeClr val="tx1">
+                    <a:tint val="75000"/>
+                  </a:schemeClr>
+                </a:solidFill>
+                <a:latin typeface="나눔고딕" charset="0"/>
+                <a:ea typeface="나눔고딕" charset="0"/>
+              </a:rPr>
+              <a:t> </a:t>
+            </a:r>
+            <a:r>
+              <a:rPr lang="en-US" altLang="ko-KR" sz="1800" b="1">
+                <a:solidFill>
+                  <a:schemeClr val="tx1">
+                    <a:tint val="75000"/>
+                  </a:schemeClr>
+                </a:solidFill>
+                <a:latin typeface="나눔고딕" charset="0"/>
+                <a:ea typeface="나눔고딕" charset="0"/>
+              </a:rPr>
+              <a:t>일</a:t>
+            </a:r>
+            <a:r>
+              <a:rPr lang="en-US" altLang="ko-KR" sz="1800" b="1">
+                <a:solidFill>
+                  <a:schemeClr val="tx1">
+                    <a:tint val="75000"/>
+                  </a:schemeClr>
+                </a:solidFill>
+                <a:latin typeface="나눔고딕" charset="0"/>
+                <a:ea typeface="나눔고딕" charset="0"/>
+              </a:rPr>
+              <a:t>(日)</a:t>
+            </a:r>
+            <a:r>
+              <a:rPr lang="en-US" altLang="ko-KR" sz="1800" b="1">
+                <a:solidFill>
+                  <a:schemeClr val="tx1">
+                    <a:tint val="75000"/>
+                  </a:schemeClr>
+                </a:solidFill>
+                <a:latin typeface="나눔고딕" charset="0"/>
+                <a:ea typeface="나눔고딕" charset="0"/>
+              </a:rPr>
+              <a:t>단</a:t>
+            </a:r>
+            <a:r>
+              <a:rPr lang="en-US" altLang="ko-KR" sz="1800" b="1">
+                <a:solidFill>
+                  <a:schemeClr val="tx1">
+                    <a:tint val="75000"/>
+                  </a:schemeClr>
+                </a:solidFill>
+                <a:latin typeface="나눔고딕" charset="0"/>
+                <a:ea typeface="나눔고딕" charset="0"/>
+              </a:rPr>
+              <a:t>위로 측정</a:t>
+            </a:r>
             <a:endParaRPr lang="ko-KR" altLang="en-US" sz="1800" b="1">
               <a:solidFill>
                 <a:schemeClr val="tx1">
@@ -9213,8 +11229,8 @@
         </p:nvSpPr>
         <p:spPr>
           <a:xfrm rot="0">
-            <a:off x="7382510" y="3951605"/>
-            <a:ext cx="915035" cy="915035"/>
+            <a:off x="7369810" y="3951605"/>
+            <a:ext cx="915670" cy="915670"/>
           </a:xfrm>
           <a:prstGeom prst="rect"/>
         </p:spPr>
@@ -9235,7 +11251,7 @@
           </a:fontRef>
         </p:style>
         <p:txBody>
-          <a:bodyPr wrap="square" lIns="91440" tIns="45720" rIns="91440" bIns="45720" vert="horz" anchor="ctr">
+          <a:bodyPr wrap="square" lIns="91440" tIns="45720" rIns="91440" bIns="45720" numCol="1" vert="horz" anchor="ctr">
             <a:noAutofit/>
           </a:bodyPr>
           <a:lstStyle/>
@@ -9254,75 +11270,25 @@
               <a:buNone/>
             </a:pPr>
             <a:r>
-              <a:rPr sz="1800">
+              <a:rPr lang="en-US" altLang="ko-KR" sz="1800">
                 <a:latin typeface="맑은 고딕" charset="0"/>
                 <a:ea typeface="맑은 고딕" charset="0"/>
               </a:rPr>
-              <a:t>사용법</a:t>
-            </a:r>
-            <a:endParaRPr lang="ko-KR" altLang="en-US" sz="1800">
-              <a:latin typeface="맑은 고딕" charset="0"/>
-              <a:ea typeface="맑은 고딕" charset="0"/>
-            </a:endParaRPr>
-          </a:p>
-        </p:txBody>
-      </p:sp>
-      <p:sp>
-        <p:nvSpPr>
-          <p:cNvPr id="10" name="도형 9"/>
-          <p:cNvSpPr>
-            <a:spLocks/>
-          </p:cNvSpPr>
-          <p:nvPr/>
-        </p:nvSpPr>
-        <p:spPr>
-          <a:xfrm rot="0">
-            <a:off x="2190750" y="5110480"/>
-            <a:ext cx="915035" cy="915035"/>
-          </a:xfrm>
-          <a:prstGeom prst="rect"/>
-        </p:spPr>
-        <p:style>
-          <a:lnRef idx="2">
-            <a:schemeClr val="accent1">
-              <a:shade val="50000"/>
-            </a:schemeClr>
-          </a:lnRef>
-          <a:fillRef idx="1">
-            <a:schemeClr val="accent1"/>
-          </a:fillRef>
-          <a:effectRef idx="0">
-            <a:schemeClr val="accent1"/>
-          </a:effectRef>
-          <a:fontRef idx="minor">
-            <a:schemeClr val="lt1"/>
-          </a:fontRef>
-        </p:style>
-        <p:txBody>
-          <a:bodyPr wrap="square" lIns="91440" tIns="45720" rIns="91440" bIns="45720" vert="horz" anchor="ctr">
-            <a:noAutofit/>
-          </a:bodyPr>
-          <a:lstStyle/>
-          <a:p>
-            <a:pPr marL="0" indent="0" algn="ctr" defTabSz="914400" latinLnBrk="1" hangingPunct="1">
-              <a:lnSpc>
-                <a:spcPct val="100000"/>
-              </a:lnSpc>
-              <a:spcBef>
-                <a:spcPts val="0"/>
-              </a:spcBef>
-              <a:spcAft>
-                <a:spcPts val="0"/>
-              </a:spcAft>
-              <a:buFontTx/>
-              <a:buNone/>
-            </a:pPr>
-            <a:r>
-              <a:rPr sz="1800">
+              <a:t>사</a:t>
+            </a:r>
+            <a:r>
+              <a:rPr lang="en-US" altLang="ko-KR" sz="1800">
                 <a:latin typeface="맑은 고딕" charset="0"/>
                 <a:ea typeface="맑은 고딕" charset="0"/>
               </a:rPr>
-              <a:t>반납</a:t>
+              <a:t>용</a:t>
+            </a:r>
+            <a:r>
+              <a:rPr lang="en-US" altLang="ko-KR" sz="1800">
+                <a:latin typeface="맑은 고딕" charset="0"/>
+                <a:ea typeface="맑은 고딕" charset="0"/>
+              </a:rPr>
+              <a:t>법</a:t>
             </a:r>
             <a:endParaRPr lang="ko-KR" altLang="en-US" sz="1800">
               <a:latin typeface="맑은 고딕" charset="0"/>
@@ -9431,8 +11397,8 @@
         </p:nvSpPr>
         <p:spPr>
           <a:xfrm rot="0">
-            <a:off x="3392805" y="5107940"/>
-            <a:ext cx="915035" cy="915035"/>
+            <a:off x="2781935" y="4970780"/>
+            <a:ext cx="915670" cy="915670"/>
           </a:xfrm>
           <a:prstGeom prst="rect"/>
         </p:spPr>
@@ -9453,7 +11419,7 @@
           </a:fontRef>
         </p:style>
         <p:txBody>
-          <a:bodyPr wrap="square" lIns="91440" tIns="45720" rIns="91440" bIns="45720" vert="horz" anchor="ctr">
+          <a:bodyPr wrap="square" lIns="91440" tIns="45720" rIns="91440" bIns="45720" numCol="1" vert="horz" anchor="ctr">
             <a:noAutofit/>
           </a:bodyPr>
           <a:lstStyle/>
@@ -9472,11 +11438,18 @@
               <a:buNone/>
             </a:pPr>
             <a:r>
-              <a:rPr sz="1800">
+              <a:rPr lang="en-US" altLang="ko-KR" sz="1800">
                 <a:latin typeface="맑은 고딕" charset="0"/>
                 <a:ea typeface="맑은 고딕" charset="0"/>
               </a:rPr>
-              <a:t>연장</a:t>
+              <a:t>연</a:t>
+            </a:r>
+            <a:r>
+              <a:rPr lang="en-US" altLang="ko-KR" sz="1800">
+                <a:latin typeface="맑은 고딕" charset="0"/>
+                <a:ea typeface="맑은 고딕" charset="0"/>
+              </a:rPr>
+              <a:t>장</a:t>
             </a:r>
             <a:endParaRPr lang="ko-KR" altLang="en-US" sz="1800">
               <a:latin typeface="맑은 고딕" charset="0"/>
@@ -9938,48 +11911,20 @@
         </p:nvCxnSpPr>
         <p:spPr>
           <a:xfrm rot="0" flipV="1">
-            <a:off x="7839710" y="3814445"/>
-            <a:ext cx="635" cy="137795"/>
+            <a:off x="7827645" y="3813810"/>
+            <a:ext cx="1270" cy="138430"/>
           </a:xfrm>
           <a:prstGeom prst="line"/>
           <a:ln w="25400" cap="flat" cmpd="sng">
             <a:prstDash/>
-            <a:headEnd type="none" w="med" len="med"/>
-            <a:tailEnd type="none" w="med" len="med"/>
           </a:ln>
-        </p:spPr>
-        <p:style>
-          <a:lnRef idx="2">
-            <a:schemeClr val="dk1"/>
-          </a:lnRef>
-          <a:fillRef idx="0">
-            <a:schemeClr val="dk1"/>
-          </a:fillRef>
-          <a:effectRef idx="1">
-            <a:schemeClr val="dk1"/>
-          </a:effectRef>
-          <a:fontRef idx="minor">
-            <a:schemeClr val="tx1"/>
-          </a:fontRef>
-        </p:style>
-      </p:cxnSp>
-      <p:cxnSp>
-        <p:nvCxnSpPr>
-          <p:cNvPr id="24" name="도형 23"/>
-          <p:cNvCxnSpPr/>
-          <p:nvPr/>
-        </p:nvCxnSpPr>
-        <p:spPr>
-          <a:xfrm rot="0">
-            <a:off x="2613660" y="4970780"/>
-            <a:ext cx="1213485" cy="635"/>
-          </a:xfrm>
-          <a:prstGeom prst="line"/>
-          <a:ln w="25400" cap="flat" cmpd="sng">
-            <a:prstDash/>
-            <a:headEnd type="none" w="med" len="med"/>
-            <a:tailEnd type="none" w="med" len="med"/>
-          </a:ln>
+          <a:effectLst>
+            <a:outerShdw sx="100000" sy="100000" blurRad="40000" dist="20000" dir="5400000" rotWithShape="0">
+              <a:srgbClr val="000000">
+                <a:alpha val="37647"/>
+              </a:srgbClr>
+            </a:outerShdw>
+          </a:effectLst>
         </p:spPr>
         <p:style>
           <a:lnRef idx="2">
@@ -10006,72 +11951,6 @@
           <a:xfrm rot="0">
             <a:off x="5311775" y="4979670"/>
             <a:ext cx="1224280" cy="635"/>
-          </a:xfrm>
-          <a:prstGeom prst="line"/>
-          <a:ln w="25400" cap="flat" cmpd="sng">
-            <a:prstDash/>
-            <a:headEnd type="none" w="med" len="med"/>
-            <a:tailEnd type="none" w="med" len="med"/>
-          </a:ln>
-        </p:spPr>
-        <p:style>
-          <a:lnRef idx="2">
-            <a:schemeClr val="dk1"/>
-          </a:lnRef>
-          <a:fillRef idx="0">
-            <a:schemeClr val="dk1"/>
-          </a:fillRef>
-          <a:effectRef idx="1">
-            <a:schemeClr val="dk1"/>
-          </a:effectRef>
-          <a:fontRef idx="minor">
-            <a:schemeClr val="tx1"/>
-          </a:fontRef>
-        </p:style>
-      </p:cxnSp>
-      <p:cxnSp>
-        <p:nvCxnSpPr>
-          <p:cNvPr id="26" name="도형 25"/>
-          <p:cNvCxnSpPr/>
-          <p:nvPr/>
-        </p:nvCxnSpPr>
-        <p:spPr>
-          <a:xfrm rot="0" flipH="1" flipV="1">
-            <a:off x="2633980" y="4982210"/>
-            <a:ext cx="14605" cy="116205"/>
-          </a:xfrm>
-          <a:prstGeom prst="line"/>
-          <a:ln w="25400" cap="flat" cmpd="sng">
-            <a:prstDash/>
-            <a:headEnd type="none" w="med" len="med"/>
-            <a:tailEnd type="none" w="med" len="med"/>
-          </a:ln>
-        </p:spPr>
-        <p:style>
-          <a:lnRef idx="2">
-            <a:schemeClr val="dk1"/>
-          </a:lnRef>
-          <a:fillRef idx="0">
-            <a:schemeClr val="dk1"/>
-          </a:fillRef>
-          <a:effectRef idx="1">
-            <a:schemeClr val="dk1"/>
-          </a:effectRef>
-          <a:fontRef idx="minor">
-            <a:schemeClr val="tx1"/>
-          </a:fontRef>
-        </p:style>
-      </p:cxnSp>
-      <p:cxnSp>
-        <p:nvCxnSpPr>
-          <p:cNvPr id="27" name="도형 26"/>
-          <p:cNvCxnSpPr/>
-          <p:nvPr/>
-        </p:nvCxnSpPr>
-        <p:spPr>
-          <a:xfrm rot="0" flipH="1" flipV="1">
-            <a:off x="3839210" y="4982210"/>
-            <a:ext cx="11430" cy="113665"/>
           </a:xfrm>
           <a:prstGeom prst="line"/>
           <a:ln w="25400" cap="flat" cmpd="sng">
@@ -10243,13 +12122,11 @@
         <p:spPr>
           <a:xfrm rot="0" flipH="1">
             <a:off x="7964170" y="3267710"/>
-            <a:ext cx="13335" cy="635"/>
+            <a:ext cx="13970" cy="1270"/>
           </a:xfrm>
           <a:prstGeom prst="line"/>
           <a:ln w="9525" cap="flat" cmpd="sng">
             <a:prstDash/>
-            <a:headEnd type="none" w="med" len="med"/>
-            <a:tailEnd type="none" w="med" len="med"/>
           </a:ln>
         </p:spPr>
         <p:style>
